--- a/AdvOS/PPT+papers/L02-MulticoreArch.pptx
+++ b/AdvOS/PPT+papers/L02-MulticoreArch.pptx
@@ -8166,19 +8166,25 @@
             <a:pPr eaLnBrk="1" hangingPunct="1"/>
             <a:r>
               <a:rPr lang="en-US" altLang="zh-CN" sz="4000" dirty="0">
-                <a:ea typeface="宋体" pitchFamily="2" charset="-122"/>
-              </a:rPr>
-              <a:t>multicore processor is a special kind of a multiprocessor:</a:t>
+                <a:solidFill>
+                  <a:schemeClr val="tx1"/>
+                </a:solidFill>
+                <a:ea typeface="宋体" pitchFamily="2" charset="-122"/>
+              </a:rPr>
+              <a:t>Multicore processor is a special kind of a multiprocessor:</a:t>
             </a:r>
             <a:br>
               <a:rPr lang="en-US" altLang="zh-CN" sz="4000" dirty="0">
+                <a:solidFill>
+                  <a:schemeClr val="tx1"/>
+                </a:solidFill>
                 <a:ea typeface="宋体" pitchFamily="2" charset="-122"/>
               </a:rPr>
             </a:br>
             <a:r>
               <a:rPr lang="en-US" altLang="zh-CN" sz="3600" dirty="0">
                 <a:solidFill>
-                  <a:srgbClr val="008000"/>
+                  <a:schemeClr val="tx1"/>
                 </a:solidFill>
                 <a:ea typeface="宋体" pitchFamily="2" charset="-122"/>
               </a:rPr>
@@ -8187,14 +8193,14 @@
             <a:br>
               <a:rPr lang="en-US" altLang="zh-CN" sz="3600" dirty="0">
                 <a:solidFill>
-                  <a:srgbClr val="008000"/>
+                  <a:schemeClr val="tx1"/>
                 </a:solidFill>
                 <a:ea typeface="宋体" pitchFamily="2" charset="-122"/>
               </a:rPr>
             </a:br>
             <a:endParaRPr lang="en-US" altLang="zh-CN" dirty="0">
               <a:solidFill>
-                <a:srgbClr val="008000"/>
+                <a:schemeClr val="tx1"/>
               </a:solidFill>
               <a:ea typeface="宋体" pitchFamily="2" charset="-122"/>
             </a:endParaRPr>
@@ -8230,7 +8236,7 @@
               <a:rPr lang="en-US" altLang="zh-CN" sz="2800" dirty="0">
                 <a:ea typeface="宋体" pitchFamily="2" charset="-122"/>
               </a:rPr>
-              <a:t>multicore processors are MIMD:</a:t>
+              <a:t>Multicore processors are MIMD:</a:t>
             </a:r>
             <a:br>
               <a:rPr lang="en-US" altLang="zh-CN" sz="2800" dirty="0">
@@ -8327,7 +8333,7 @@
               <a:rPr lang="en-US" altLang="zh-CN" sz="2800" dirty="0">
                 <a:ea typeface="宋体" pitchFamily="2" charset="-122"/>
               </a:rPr>
-              <a:t>multicore is a shared memory multiprocessor:</a:t>
+              <a:t>Multicore is a shared memory multiprocessor:</a:t>
             </a:r>
             <a:br>
               <a:rPr lang="en-US" altLang="zh-CN" sz="2800" dirty="0">
@@ -11890,7 +11896,7 @@
           <a:graphicData uri="http://schemas.openxmlformats.org/presentationml/2006/ole">
             <mc:AlternateContent xmlns:mc="http://schemas.openxmlformats.org/markup-compatibility/2006">
               <mc:Choice xmlns:v="urn:schemas-microsoft-com:vml" Requires="v">
-                <p:oleObj spid="_x0000_s5134" name="Paint Shop Pro Image" r:id="rId4" imgW="6760976" imgH="4000000" progId="">
+                <p:oleObj spid="_x0000_s5135" name="Paint Shop Pro Image" r:id="rId4" imgW="6760976" imgH="4000000" progId="">
                   <p:embed/>
                 </p:oleObj>
               </mc:Choice>
@@ -27767,7 +27773,7 @@
             <a:graphicData uri="http://schemas.openxmlformats.org/presentationml/2006/ole">
               <mc:AlternateContent xmlns:mc="http://schemas.openxmlformats.org/markup-compatibility/2006">
                 <mc:Choice xmlns:v="urn:schemas-microsoft-com:vml" Requires="v">
-                  <p:oleObj spid="_x0000_s8202" name="Microsoft Graph 图表" r:id="rId4" imgW="6095984" imgH="4067062" progId="MSGraph.Chart.8">
+                  <p:oleObj spid="_x0000_s8203" name="Microsoft Graph 图表" r:id="rId4" imgW="6095984" imgH="4067062" progId="MSGraph.Chart.8">
                     <p:embed followColorScheme="full"/>
                   </p:oleObj>
                 </mc:Choice>
@@ -31285,7 +31291,7 @@
           <a:graphicData uri="http://schemas.openxmlformats.org/presentationml/2006/ole">
             <mc:AlternateContent xmlns:mc="http://schemas.openxmlformats.org/markup-compatibility/2006">
               <mc:Choice xmlns:v="urn:schemas-microsoft-com:vml" Requires="v">
-                <p:oleObj spid="_x0000_s9225" name="Paint Shop Pro Image" r:id="rId4" imgW="10107317" imgH="2848780" progId="">
+                <p:oleObj spid="_x0000_s9226" name="Paint Shop Pro Image" r:id="rId4" imgW="10107317" imgH="2848780" progId="">
                   <p:embed/>
                 </p:oleObj>
               </mc:Choice>

--- a/AdvOS/PPT+papers/L02-MulticoreArch.pptx
+++ b/AdvOS/PPT+papers/L02-MulticoreArch.pptx
@@ -5,7 +5,7 @@
     <p:sldMasterId id="2147483648" r:id="rId1"/>
   </p:sldMasterIdLst>
   <p:notesMasterIdLst>
-    <p:notesMasterId r:id="rId39"/>
+    <p:notesMasterId r:id="rId38"/>
   </p:notesMasterIdLst>
   <p:sldIdLst>
     <p:sldId id="256" r:id="rId2"/>
@@ -18,33 +18,32 @@
     <p:sldId id="262" r:id="rId9"/>
     <p:sldId id="359" r:id="rId10"/>
     <p:sldId id="350" r:id="rId11"/>
-    <p:sldId id="343" r:id="rId12"/>
-    <p:sldId id="263" r:id="rId13"/>
-    <p:sldId id="302" r:id="rId14"/>
-    <p:sldId id="332" r:id="rId15"/>
-    <p:sldId id="351" r:id="rId16"/>
-    <p:sldId id="331" r:id="rId17"/>
-    <p:sldId id="334" r:id="rId18"/>
-    <p:sldId id="336" r:id="rId19"/>
-    <p:sldId id="337" r:id="rId20"/>
-    <p:sldId id="338" r:id="rId21"/>
-    <p:sldId id="339" r:id="rId22"/>
-    <p:sldId id="268" r:id="rId23"/>
-    <p:sldId id="353" r:id="rId24"/>
-    <p:sldId id="340" r:id="rId25"/>
-    <p:sldId id="341" r:id="rId26"/>
-    <p:sldId id="360" r:id="rId27"/>
-    <p:sldId id="342" r:id="rId28"/>
-    <p:sldId id="355" r:id="rId29"/>
-    <p:sldId id="357" r:id="rId30"/>
-    <p:sldId id="358" r:id="rId31"/>
-    <p:sldId id="314" r:id="rId32"/>
-    <p:sldId id="303" r:id="rId33"/>
-    <p:sldId id="289" r:id="rId34"/>
-    <p:sldId id="312" r:id="rId35"/>
-    <p:sldId id="309" r:id="rId36"/>
-    <p:sldId id="290" r:id="rId37"/>
-    <p:sldId id="269" r:id="rId38"/>
+    <p:sldId id="263" r:id="rId12"/>
+    <p:sldId id="302" r:id="rId13"/>
+    <p:sldId id="332" r:id="rId14"/>
+    <p:sldId id="351" r:id="rId15"/>
+    <p:sldId id="331" r:id="rId16"/>
+    <p:sldId id="334" r:id="rId17"/>
+    <p:sldId id="336" r:id="rId18"/>
+    <p:sldId id="337" r:id="rId19"/>
+    <p:sldId id="338" r:id="rId20"/>
+    <p:sldId id="339" r:id="rId21"/>
+    <p:sldId id="268" r:id="rId22"/>
+    <p:sldId id="353" r:id="rId23"/>
+    <p:sldId id="340" r:id="rId24"/>
+    <p:sldId id="341" r:id="rId25"/>
+    <p:sldId id="360" r:id="rId26"/>
+    <p:sldId id="342" r:id="rId27"/>
+    <p:sldId id="355" r:id="rId28"/>
+    <p:sldId id="357" r:id="rId29"/>
+    <p:sldId id="358" r:id="rId30"/>
+    <p:sldId id="314" r:id="rId31"/>
+    <p:sldId id="303" r:id="rId32"/>
+    <p:sldId id="289" r:id="rId33"/>
+    <p:sldId id="312" r:id="rId34"/>
+    <p:sldId id="309" r:id="rId35"/>
+    <p:sldId id="290" r:id="rId36"/>
+    <p:sldId id="269" r:id="rId37"/>
   </p:sldIdLst>
   <p:sldSz cx="9144000" cy="6858000" type="screen4x3"/>
   <p:notesSz cx="6858000" cy="9144000"/>
@@ -831,7 +830,7 @@
       </p:grpSpPr>
       <p:sp>
         <p:nvSpPr>
-          <p:cNvPr id="84994" name="Rectangle 7"/>
+          <p:cNvPr id="101378" name="Rectangle 7"/>
           <p:cNvSpPr>
             <a:spLocks noGrp="1" noChangeArrowheads="1"/>
           </p:cNvSpPr>
@@ -846,7 +845,7 @@
           <a:bodyPr/>
           <a:lstStyle/>
           <a:p>
-            <a:fld id="{7BE00A48-799C-4EC2-9F79-E4F24C955A93}" type="slidenum">
+            <a:fld id="{CC3D0113-6895-4946-91A1-2B0B1E16F76D}" type="slidenum">
               <a:rPr lang="en-US" altLang="zh-CN"/>
               <a:pPr/>
               <a:t>11</a:t>
@@ -857,7 +856,7 @@
       </p:sp>
       <p:sp>
         <p:nvSpPr>
-          <p:cNvPr id="84995" name="Rectangle 2"/>
+          <p:cNvPr id="101379" name="Rectangle 2"/>
           <p:cNvSpPr>
             <a:spLocks noGrp="1" noRot="1" noChangeAspect="1" noChangeArrowheads="1" noTextEdit="1"/>
           </p:cNvSpPr>
@@ -871,7 +870,7 @@
       </p:sp>
       <p:sp>
         <p:nvSpPr>
-          <p:cNvPr id="84996" name="Rectangle 3"/>
+          <p:cNvPr id="101380" name="Rectangle 3"/>
           <p:cNvSpPr>
             <a:spLocks noGrp="1" noChangeArrowheads="1"/>
           </p:cNvSpPr>
@@ -919,7 +918,7 @@
       </p:grpSpPr>
       <p:sp>
         <p:nvSpPr>
-          <p:cNvPr id="101378" name="Rectangle 7"/>
+          <p:cNvPr id="102402" name="Rectangle 7"/>
           <p:cNvSpPr>
             <a:spLocks noGrp="1" noChangeArrowheads="1"/>
           </p:cNvSpPr>
@@ -934,7 +933,7 @@
           <a:bodyPr/>
           <a:lstStyle/>
           <a:p>
-            <a:fld id="{CC3D0113-6895-4946-91A1-2B0B1E16F76D}" type="slidenum">
+            <a:fld id="{7B5BAE82-7F67-4833-86E3-C67BAF067059}" type="slidenum">
               <a:rPr lang="en-US" altLang="zh-CN"/>
               <a:pPr/>
               <a:t>12</a:t>
@@ -945,7 +944,7 @@
       </p:sp>
       <p:sp>
         <p:nvSpPr>
-          <p:cNvPr id="101379" name="Rectangle 2"/>
+          <p:cNvPr id="102403" name="Rectangle 2"/>
           <p:cNvSpPr>
             <a:spLocks noGrp="1" noRot="1" noChangeAspect="1" noChangeArrowheads="1" noTextEdit="1"/>
           </p:cNvSpPr>
@@ -959,7 +958,7 @@
       </p:sp>
       <p:sp>
         <p:nvSpPr>
-          <p:cNvPr id="101380" name="Rectangle 3"/>
+          <p:cNvPr id="102404" name="Rectangle 3"/>
           <p:cNvSpPr>
             <a:spLocks noGrp="1" noChangeArrowheads="1"/>
           </p:cNvSpPr>
@@ -1007,7 +1006,7 @@
       </p:grpSpPr>
       <p:sp>
         <p:nvSpPr>
-          <p:cNvPr id="102402" name="Rectangle 7"/>
+          <p:cNvPr id="103426" name="Rectangle 7"/>
           <p:cNvSpPr>
             <a:spLocks noGrp="1" noChangeArrowheads="1"/>
           </p:cNvSpPr>
@@ -1022,7 +1021,7 @@
           <a:bodyPr/>
           <a:lstStyle/>
           <a:p>
-            <a:fld id="{7B5BAE82-7F67-4833-86E3-C67BAF067059}" type="slidenum">
+            <a:fld id="{B7ECF74F-7A06-4C95-924D-9E31385FE2E3}" type="slidenum">
               <a:rPr lang="en-US" altLang="zh-CN"/>
               <a:pPr/>
               <a:t>13</a:t>
@@ -1033,7 +1032,7 @@
       </p:sp>
       <p:sp>
         <p:nvSpPr>
-          <p:cNvPr id="102403" name="Rectangle 2"/>
+          <p:cNvPr id="103427" name="Rectangle 2"/>
           <p:cNvSpPr>
             <a:spLocks noGrp="1" noRot="1" noChangeAspect="1" noChangeArrowheads="1" noTextEdit="1"/>
           </p:cNvSpPr>
@@ -1047,7 +1046,7 @@
       </p:sp>
       <p:sp>
         <p:nvSpPr>
-          <p:cNvPr id="102404" name="Rectangle 3"/>
+          <p:cNvPr id="103428" name="Rectangle 3"/>
           <p:cNvSpPr>
             <a:spLocks noGrp="1" noChangeArrowheads="1"/>
           </p:cNvSpPr>
@@ -1095,7 +1094,7 @@
       </p:grpSpPr>
       <p:sp>
         <p:nvSpPr>
-          <p:cNvPr id="103426" name="Rectangle 7"/>
+          <p:cNvPr id="105474" name="Rectangle 7"/>
           <p:cNvSpPr>
             <a:spLocks noGrp="1" noChangeArrowheads="1"/>
           </p:cNvSpPr>
@@ -1110,7 +1109,7 @@
           <a:bodyPr/>
           <a:lstStyle/>
           <a:p>
-            <a:fld id="{B7ECF74F-7A06-4C95-924D-9E31385FE2E3}" type="slidenum">
+            <a:fld id="{6ADA8946-FC63-40E5-8BEE-E8B11C70C70C}" type="slidenum">
               <a:rPr lang="en-US" altLang="zh-CN"/>
               <a:pPr/>
               <a:t>14</a:t>
@@ -1121,7 +1120,7 @@
       </p:sp>
       <p:sp>
         <p:nvSpPr>
-          <p:cNvPr id="103427" name="Rectangle 2"/>
+          <p:cNvPr id="105475" name="Rectangle 2"/>
           <p:cNvSpPr>
             <a:spLocks noGrp="1" noRot="1" noChangeAspect="1" noChangeArrowheads="1" noTextEdit="1"/>
           </p:cNvSpPr>
@@ -1135,7 +1134,7 @@
       </p:sp>
       <p:sp>
         <p:nvSpPr>
-          <p:cNvPr id="103428" name="Rectangle 3"/>
+          <p:cNvPr id="105476" name="Rectangle 3"/>
           <p:cNvSpPr>
             <a:spLocks noGrp="1" noChangeArrowheads="1"/>
           </p:cNvSpPr>
@@ -1183,7 +1182,7 @@
       </p:grpSpPr>
       <p:sp>
         <p:nvSpPr>
-          <p:cNvPr id="105474" name="Rectangle 7"/>
+          <p:cNvPr id="106498" name="Rectangle 7"/>
           <p:cNvSpPr>
             <a:spLocks noGrp="1" noChangeArrowheads="1"/>
           </p:cNvSpPr>
@@ -1198,7 +1197,7 @@
           <a:bodyPr/>
           <a:lstStyle/>
           <a:p>
-            <a:fld id="{6ADA8946-FC63-40E5-8BEE-E8B11C70C70C}" type="slidenum">
+            <a:fld id="{9BBD43BC-D9BE-40F1-898D-A727DDB7EC25}" type="slidenum">
               <a:rPr lang="en-US" altLang="zh-CN"/>
               <a:pPr/>
               <a:t>15</a:t>
@@ -1209,7 +1208,7 @@
       </p:sp>
       <p:sp>
         <p:nvSpPr>
-          <p:cNvPr id="105475" name="Rectangle 2"/>
+          <p:cNvPr id="106499" name="Rectangle 2"/>
           <p:cNvSpPr>
             <a:spLocks noGrp="1" noRot="1" noChangeAspect="1" noChangeArrowheads="1" noTextEdit="1"/>
           </p:cNvSpPr>
@@ -1223,7 +1222,7 @@
       </p:sp>
       <p:sp>
         <p:nvSpPr>
-          <p:cNvPr id="105476" name="Rectangle 3"/>
+          <p:cNvPr id="106500" name="Rectangle 3"/>
           <p:cNvSpPr>
             <a:spLocks noGrp="1" noChangeArrowheads="1"/>
           </p:cNvSpPr>
@@ -1271,7 +1270,7 @@
       </p:grpSpPr>
       <p:sp>
         <p:nvSpPr>
-          <p:cNvPr id="106498" name="Rectangle 7"/>
+          <p:cNvPr id="107522" name="Rectangle 7"/>
           <p:cNvSpPr>
             <a:spLocks noGrp="1" noChangeArrowheads="1"/>
           </p:cNvSpPr>
@@ -1286,7 +1285,7 @@
           <a:bodyPr/>
           <a:lstStyle/>
           <a:p>
-            <a:fld id="{9BBD43BC-D9BE-40F1-898D-A727DDB7EC25}" type="slidenum">
+            <a:fld id="{9B1FDC29-6B29-4AF3-B31C-660FD1FBE8DB}" type="slidenum">
               <a:rPr lang="en-US" altLang="zh-CN"/>
               <a:pPr/>
               <a:t>16</a:t>
@@ -1297,7 +1296,7 @@
       </p:sp>
       <p:sp>
         <p:nvSpPr>
-          <p:cNvPr id="106499" name="Rectangle 2"/>
+          <p:cNvPr id="107523" name="Rectangle 2"/>
           <p:cNvSpPr>
             <a:spLocks noGrp="1" noRot="1" noChangeAspect="1" noChangeArrowheads="1" noTextEdit="1"/>
           </p:cNvSpPr>
@@ -1311,7 +1310,7 @@
       </p:sp>
       <p:sp>
         <p:nvSpPr>
-          <p:cNvPr id="106500" name="Rectangle 3"/>
+          <p:cNvPr id="107524" name="Rectangle 3"/>
           <p:cNvSpPr>
             <a:spLocks noGrp="1" noChangeArrowheads="1"/>
           </p:cNvSpPr>
@@ -1359,7 +1358,7 @@
       </p:grpSpPr>
       <p:sp>
         <p:nvSpPr>
-          <p:cNvPr id="107522" name="Rectangle 7"/>
+          <p:cNvPr id="108546" name="Rectangle 7"/>
           <p:cNvSpPr>
             <a:spLocks noGrp="1" noChangeArrowheads="1"/>
           </p:cNvSpPr>
@@ -1374,7 +1373,7 @@
           <a:bodyPr/>
           <a:lstStyle/>
           <a:p>
-            <a:fld id="{9B1FDC29-6B29-4AF3-B31C-660FD1FBE8DB}" type="slidenum">
+            <a:fld id="{3DFF699E-2F63-41A1-B5DE-163B02463214}" type="slidenum">
               <a:rPr lang="en-US" altLang="zh-CN"/>
               <a:pPr/>
               <a:t>17</a:t>
@@ -1385,7 +1384,7 @@
       </p:sp>
       <p:sp>
         <p:nvSpPr>
-          <p:cNvPr id="107523" name="Rectangle 2"/>
+          <p:cNvPr id="108547" name="Rectangle 2"/>
           <p:cNvSpPr>
             <a:spLocks noGrp="1" noRot="1" noChangeAspect="1" noChangeArrowheads="1" noTextEdit="1"/>
           </p:cNvSpPr>
@@ -1399,7 +1398,7 @@
       </p:sp>
       <p:sp>
         <p:nvSpPr>
-          <p:cNvPr id="107524" name="Rectangle 3"/>
+          <p:cNvPr id="108548" name="Rectangle 3"/>
           <p:cNvSpPr>
             <a:spLocks noGrp="1" noChangeArrowheads="1"/>
           </p:cNvSpPr>
@@ -1447,7 +1446,7 @@
       </p:grpSpPr>
       <p:sp>
         <p:nvSpPr>
-          <p:cNvPr id="108546" name="Rectangle 7"/>
+          <p:cNvPr id="109570" name="Rectangle 7"/>
           <p:cNvSpPr>
             <a:spLocks noGrp="1" noChangeArrowheads="1"/>
           </p:cNvSpPr>
@@ -1462,7 +1461,7 @@
           <a:bodyPr/>
           <a:lstStyle/>
           <a:p>
-            <a:fld id="{3DFF699E-2F63-41A1-B5DE-163B02463214}" type="slidenum">
+            <a:fld id="{18B7C7D7-B475-4AF8-BFF9-440D241C73ED}" type="slidenum">
               <a:rPr lang="en-US" altLang="zh-CN"/>
               <a:pPr/>
               <a:t>18</a:t>
@@ -1473,7 +1472,7 @@
       </p:sp>
       <p:sp>
         <p:nvSpPr>
-          <p:cNvPr id="108547" name="Rectangle 2"/>
+          <p:cNvPr id="109571" name="Rectangle 2"/>
           <p:cNvSpPr>
             <a:spLocks noGrp="1" noRot="1" noChangeAspect="1" noChangeArrowheads="1" noTextEdit="1"/>
           </p:cNvSpPr>
@@ -1487,7 +1486,7 @@
       </p:sp>
       <p:sp>
         <p:nvSpPr>
-          <p:cNvPr id="108548" name="Rectangle 3"/>
+          <p:cNvPr id="109572" name="Rectangle 3"/>
           <p:cNvSpPr>
             <a:spLocks noGrp="1" noChangeArrowheads="1"/>
           </p:cNvSpPr>
@@ -1535,7 +1534,7 @@
       </p:grpSpPr>
       <p:sp>
         <p:nvSpPr>
-          <p:cNvPr id="109570" name="Rectangle 7"/>
+          <p:cNvPr id="110594" name="Rectangle 7"/>
           <p:cNvSpPr>
             <a:spLocks noGrp="1" noChangeArrowheads="1"/>
           </p:cNvSpPr>
@@ -1550,7 +1549,7 @@
           <a:bodyPr/>
           <a:lstStyle/>
           <a:p>
-            <a:fld id="{18B7C7D7-B475-4AF8-BFF9-440D241C73ED}" type="slidenum">
+            <a:fld id="{41983374-663C-4CB5-A575-66079A2A28BE}" type="slidenum">
               <a:rPr lang="en-US" altLang="zh-CN"/>
               <a:pPr/>
               <a:t>19</a:t>
@@ -1561,7 +1560,7 @@
       </p:sp>
       <p:sp>
         <p:nvSpPr>
-          <p:cNvPr id="109571" name="Rectangle 2"/>
+          <p:cNvPr id="110595" name="Rectangle 2"/>
           <p:cNvSpPr>
             <a:spLocks noGrp="1" noRot="1" noChangeAspect="1" noChangeArrowheads="1" noTextEdit="1"/>
           </p:cNvSpPr>
@@ -1575,7 +1574,7 @@
       </p:sp>
       <p:sp>
         <p:nvSpPr>
-          <p:cNvPr id="109572" name="Rectangle 3"/>
+          <p:cNvPr id="110596" name="Rectangle 3"/>
           <p:cNvSpPr>
             <a:spLocks noGrp="1" noChangeArrowheads="1"/>
           </p:cNvSpPr>
@@ -1759,7 +1758,7 @@
       </p:grpSpPr>
       <p:sp>
         <p:nvSpPr>
-          <p:cNvPr id="110594" name="Rectangle 7"/>
+          <p:cNvPr id="111618" name="Rectangle 7"/>
           <p:cNvSpPr>
             <a:spLocks noGrp="1" noChangeArrowheads="1"/>
           </p:cNvSpPr>
@@ -1774,7 +1773,7 @@
           <a:bodyPr/>
           <a:lstStyle/>
           <a:p>
-            <a:fld id="{41983374-663C-4CB5-A575-66079A2A28BE}" type="slidenum">
+            <a:fld id="{CAFC238A-E81C-4EA0-9901-43DAEF266DCF}" type="slidenum">
               <a:rPr lang="en-US" altLang="zh-CN"/>
               <a:pPr/>
               <a:t>20</a:t>
@@ -1785,7 +1784,7 @@
       </p:sp>
       <p:sp>
         <p:nvSpPr>
-          <p:cNvPr id="110595" name="Rectangle 2"/>
+          <p:cNvPr id="111619" name="Rectangle 2"/>
           <p:cNvSpPr>
             <a:spLocks noGrp="1" noRot="1" noChangeAspect="1" noChangeArrowheads="1" noTextEdit="1"/>
           </p:cNvSpPr>
@@ -1799,7 +1798,7 @@
       </p:sp>
       <p:sp>
         <p:nvSpPr>
-          <p:cNvPr id="110596" name="Rectangle 3"/>
+          <p:cNvPr id="111620" name="Rectangle 3"/>
           <p:cNvSpPr>
             <a:spLocks noGrp="1" noChangeArrowheads="1"/>
           </p:cNvSpPr>
@@ -1847,7 +1846,7 @@
       </p:grpSpPr>
       <p:sp>
         <p:nvSpPr>
-          <p:cNvPr id="111618" name="Rectangle 7"/>
+          <p:cNvPr id="114690" name="Rectangle 7"/>
           <p:cNvSpPr>
             <a:spLocks noGrp="1" noChangeArrowheads="1"/>
           </p:cNvSpPr>
@@ -1862,7 +1861,7 @@
           <a:bodyPr/>
           <a:lstStyle/>
           <a:p>
-            <a:fld id="{CAFC238A-E81C-4EA0-9901-43DAEF266DCF}" type="slidenum">
+            <a:fld id="{6D09454B-D615-4F4A-A5D1-1CD279D11734}" type="slidenum">
               <a:rPr lang="en-US" altLang="zh-CN"/>
               <a:pPr/>
               <a:t>21</a:t>
@@ -1873,7 +1872,7 @@
       </p:sp>
       <p:sp>
         <p:nvSpPr>
-          <p:cNvPr id="111619" name="Rectangle 2"/>
+          <p:cNvPr id="114691" name="Rectangle 2"/>
           <p:cNvSpPr>
             <a:spLocks noGrp="1" noRot="1" noChangeAspect="1" noChangeArrowheads="1" noTextEdit="1"/>
           </p:cNvSpPr>
@@ -1887,7 +1886,7 @@
       </p:sp>
       <p:sp>
         <p:nvSpPr>
-          <p:cNvPr id="111620" name="Rectangle 3"/>
+          <p:cNvPr id="114692" name="Rectangle 3"/>
           <p:cNvSpPr>
             <a:spLocks noGrp="1" noChangeArrowheads="1"/>
           </p:cNvSpPr>
@@ -1935,7 +1934,7 @@
       </p:grpSpPr>
       <p:sp>
         <p:nvSpPr>
-          <p:cNvPr id="114690" name="Rectangle 7"/>
+          <p:cNvPr id="113666" name="Rectangle 7"/>
           <p:cNvSpPr>
             <a:spLocks noGrp="1" noChangeArrowheads="1"/>
           </p:cNvSpPr>
@@ -1950,7 +1949,7 @@
           <a:bodyPr/>
           <a:lstStyle/>
           <a:p>
-            <a:fld id="{6D09454B-D615-4F4A-A5D1-1CD279D11734}" type="slidenum">
+            <a:fld id="{6871FE6B-456F-40F8-8C4A-AF0DB7CCE2B0}" type="slidenum">
               <a:rPr lang="en-US" altLang="zh-CN"/>
               <a:pPr/>
               <a:t>22</a:t>
@@ -1961,7 +1960,7 @@
       </p:sp>
       <p:sp>
         <p:nvSpPr>
-          <p:cNvPr id="114691" name="Rectangle 2"/>
+          <p:cNvPr id="113667" name="Rectangle 2"/>
           <p:cNvSpPr>
             <a:spLocks noGrp="1" noRot="1" noChangeAspect="1" noChangeArrowheads="1" noTextEdit="1"/>
           </p:cNvSpPr>
@@ -1975,7 +1974,7 @@
       </p:sp>
       <p:sp>
         <p:nvSpPr>
-          <p:cNvPr id="114692" name="Rectangle 3"/>
+          <p:cNvPr id="113668" name="Rectangle 3"/>
           <p:cNvSpPr>
             <a:spLocks noGrp="1" noChangeArrowheads="1"/>
           </p:cNvSpPr>
@@ -2023,7 +2022,7 @@
       </p:grpSpPr>
       <p:sp>
         <p:nvSpPr>
-          <p:cNvPr id="113666" name="Rectangle 7"/>
+          <p:cNvPr id="115714" name="Rectangle 7"/>
           <p:cNvSpPr>
             <a:spLocks noGrp="1" noChangeArrowheads="1"/>
           </p:cNvSpPr>
@@ -2038,7 +2037,7 @@
           <a:bodyPr/>
           <a:lstStyle/>
           <a:p>
-            <a:fld id="{6871FE6B-456F-40F8-8C4A-AF0DB7CCE2B0}" type="slidenum">
+            <a:fld id="{EF7D4784-4652-4A80-A5D6-A9019F664F6A}" type="slidenum">
               <a:rPr lang="en-US" altLang="zh-CN"/>
               <a:pPr/>
               <a:t>23</a:t>
@@ -2049,7 +2048,7 @@
       </p:sp>
       <p:sp>
         <p:nvSpPr>
-          <p:cNvPr id="113667" name="Rectangle 2"/>
+          <p:cNvPr id="115715" name="Rectangle 2"/>
           <p:cNvSpPr>
             <a:spLocks noGrp="1" noRot="1" noChangeAspect="1" noChangeArrowheads="1" noTextEdit="1"/>
           </p:cNvSpPr>
@@ -2063,7 +2062,7 @@
       </p:sp>
       <p:sp>
         <p:nvSpPr>
-          <p:cNvPr id="113668" name="Rectangle 3"/>
+          <p:cNvPr id="115716" name="Rectangle 3"/>
           <p:cNvSpPr>
             <a:spLocks noGrp="1" noChangeArrowheads="1"/>
           </p:cNvSpPr>
@@ -2111,7 +2110,7 @@
       </p:grpSpPr>
       <p:sp>
         <p:nvSpPr>
-          <p:cNvPr id="115714" name="Rectangle 7"/>
+          <p:cNvPr id="116738" name="Rectangle 7"/>
           <p:cNvSpPr>
             <a:spLocks noGrp="1" noChangeArrowheads="1"/>
           </p:cNvSpPr>
@@ -2126,7 +2125,7 @@
           <a:bodyPr/>
           <a:lstStyle/>
           <a:p>
-            <a:fld id="{EF7D4784-4652-4A80-A5D6-A9019F664F6A}" type="slidenum">
+            <a:fld id="{7359EFFA-4068-4019-B45A-E5E06CA7F946}" type="slidenum">
               <a:rPr lang="en-US" altLang="zh-CN"/>
               <a:pPr/>
               <a:t>24</a:t>
@@ -2137,7 +2136,7 @@
       </p:sp>
       <p:sp>
         <p:nvSpPr>
-          <p:cNvPr id="115715" name="Rectangle 2"/>
+          <p:cNvPr id="116739" name="Rectangle 2"/>
           <p:cNvSpPr>
             <a:spLocks noGrp="1" noRot="1" noChangeAspect="1" noChangeArrowheads="1" noTextEdit="1"/>
           </p:cNvSpPr>
@@ -2151,7 +2150,7 @@
       </p:sp>
       <p:sp>
         <p:nvSpPr>
-          <p:cNvPr id="115716" name="Rectangle 3"/>
+          <p:cNvPr id="116740" name="Rectangle 3"/>
           <p:cNvSpPr>
             <a:spLocks noGrp="1" noChangeArrowheads="1"/>
           </p:cNvSpPr>
@@ -2199,7 +2198,7 @@
       </p:grpSpPr>
       <p:sp>
         <p:nvSpPr>
-          <p:cNvPr id="116738" name="Rectangle 7"/>
+          <p:cNvPr id="117762" name="Rectangle 7"/>
           <p:cNvSpPr>
             <a:spLocks noGrp="1" noChangeArrowheads="1"/>
           </p:cNvSpPr>
@@ -2214,7 +2213,7 @@
           <a:bodyPr/>
           <a:lstStyle/>
           <a:p>
-            <a:fld id="{7359EFFA-4068-4019-B45A-E5E06CA7F946}" type="slidenum">
+            <a:fld id="{C00E8BDA-4B44-438E-BA7C-B611FF771D77}" type="slidenum">
               <a:rPr lang="en-US" altLang="zh-CN"/>
               <a:pPr/>
               <a:t>25</a:t>
@@ -2225,7 +2224,7 @@
       </p:sp>
       <p:sp>
         <p:nvSpPr>
-          <p:cNvPr id="116739" name="Rectangle 2"/>
+          <p:cNvPr id="117763" name="Rectangle 2"/>
           <p:cNvSpPr>
             <a:spLocks noGrp="1" noRot="1" noChangeAspect="1" noChangeArrowheads="1" noTextEdit="1"/>
           </p:cNvSpPr>
@@ -2234,12 +2233,15 @@
           </p:nvPr>
         </p:nvSpPr>
         <p:spPr>
+          <a:solidFill>
+            <a:srgbClr val="FFFFFF"/>
+          </a:solidFill>
           <a:ln/>
         </p:spPr>
       </p:sp>
       <p:sp>
         <p:nvSpPr>
-          <p:cNvPr id="116740" name="Rectangle 3"/>
+          <p:cNvPr id="117764" name="Rectangle 3"/>
           <p:cNvSpPr>
             <a:spLocks noGrp="1" noChangeArrowheads="1"/>
           </p:cNvSpPr>
@@ -2248,8 +2250,14 @@
           </p:nvPr>
         </p:nvSpPr>
         <p:spPr>
-          <a:noFill/>
-          <a:ln/>
+          <a:solidFill>
+            <a:srgbClr val="FFFFFF"/>
+          </a:solidFill>
+          <a:ln>
+            <a:solidFill>
+              <a:srgbClr val="000000"/>
+            </a:solidFill>
+          </a:ln>
         </p:spPr>
         <p:txBody>
           <a:bodyPr/>
@@ -2287,7 +2295,7 @@
       </p:grpSpPr>
       <p:sp>
         <p:nvSpPr>
-          <p:cNvPr id="117762" name="Rectangle 7"/>
+          <p:cNvPr id="118786" name="Rectangle 7"/>
           <p:cNvSpPr>
             <a:spLocks noGrp="1" noChangeArrowheads="1"/>
           </p:cNvSpPr>
@@ -2302,7 +2310,7 @@
           <a:bodyPr/>
           <a:lstStyle/>
           <a:p>
-            <a:fld id="{C00E8BDA-4B44-438E-BA7C-B611FF771D77}" type="slidenum">
+            <a:fld id="{C0357ECB-3B00-4A2D-839D-277E4F0EF9B2}" type="slidenum">
               <a:rPr lang="en-US" altLang="zh-CN"/>
               <a:pPr/>
               <a:t>26</a:t>
@@ -2313,7 +2321,7 @@
       </p:sp>
       <p:sp>
         <p:nvSpPr>
-          <p:cNvPr id="117763" name="Rectangle 2"/>
+          <p:cNvPr id="118787" name="Rectangle 2"/>
           <p:cNvSpPr>
             <a:spLocks noGrp="1" noRot="1" noChangeAspect="1" noChangeArrowheads="1" noTextEdit="1"/>
           </p:cNvSpPr>
@@ -2322,15 +2330,12 @@
           </p:nvPr>
         </p:nvSpPr>
         <p:spPr>
-          <a:solidFill>
-            <a:srgbClr val="FFFFFF"/>
-          </a:solidFill>
           <a:ln/>
         </p:spPr>
       </p:sp>
       <p:sp>
         <p:nvSpPr>
-          <p:cNvPr id="117764" name="Rectangle 3"/>
+          <p:cNvPr id="118788" name="Rectangle 3"/>
           <p:cNvSpPr>
             <a:spLocks noGrp="1" noChangeArrowheads="1"/>
           </p:cNvSpPr>
@@ -2339,14 +2344,8 @@
           </p:nvPr>
         </p:nvSpPr>
         <p:spPr>
-          <a:solidFill>
-            <a:srgbClr val="FFFFFF"/>
-          </a:solidFill>
-          <a:ln>
-            <a:solidFill>
-              <a:srgbClr val="000000"/>
-            </a:solidFill>
-          </a:ln>
+          <a:noFill/>
+          <a:ln/>
         </p:spPr>
         <p:txBody>
           <a:bodyPr/>
@@ -2384,7 +2383,7 @@
       </p:grpSpPr>
       <p:sp>
         <p:nvSpPr>
-          <p:cNvPr id="118786" name="Rectangle 7"/>
+          <p:cNvPr id="119810" name="Rectangle 7"/>
           <p:cNvSpPr>
             <a:spLocks noGrp="1" noChangeArrowheads="1"/>
           </p:cNvSpPr>
@@ -2399,7 +2398,7 @@
           <a:bodyPr/>
           <a:lstStyle/>
           <a:p>
-            <a:fld id="{C0357ECB-3B00-4A2D-839D-277E4F0EF9B2}" type="slidenum">
+            <a:fld id="{5A4049C4-F037-4A86-BE4D-BDDA0BEB30C5}" type="slidenum">
               <a:rPr lang="en-US" altLang="zh-CN"/>
               <a:pPr/>
               <a:t>27</a:t>
@@ -2410,7 +2409,7 @@
       </p:sp>
       <p:sp>
         <p:nvSpPr>
-          <p:cNvPr id="118787" name="Rectangle 2"/>
+          <p:cNvPr id="119811" name="Rectangle 2"/>
           <p:cNvSpPr>
             <a:spLocks noGrp="1" noRot="1" noChangeAspect="1" noChangeArrowheads="1" noTextEdit="1"/>
           </p:cNvSpPr>
@@ -2424,7 +2423,7 @@
       </p:sp>
       <p:sp>
         <p:nvSpPr>
-          <p:cNvPr id="118788" name="Rectangle 3"/>
+          <p:cNvPr id="119812" name="Rectangle 3"/>
           <p:cNvSpPr>
             <a:spLocks noGrp="1" noChangeArrowheads="1"/>
           </p:cNvSpPr>
@@ -2472,7 +2471,7 @@
       </p:grpSpPr>
       <p:sp>
         <p:nvSpPr>
-          <p:cNvPr id="119810" name="Rectangle 7"/>
+          <p:cNvPr id="121858" name="Rectangle 7"/>
           <p:cNvSpPr>
             <a:spLocks noGrp="1" noChangeArrowheads="1"/>
           </p:cNvSpPr>
@@ -2487,7 +2486,7 @@
           <a:bodyPr/>
           <a:lstStyle/>
           <a:p>
-            <a:fld id="{5A4049C4-F037-4A86-BE4D-BDDA0BEB30C5}" type="slidenum">
+            <a:fld id="{6DD27CEB-2D80-4942-B641-16FCF845EC1C}" type="slidenum">
               <a:rPr lang="en-US" altLang="zh-CN"/>
               <a:pPr/>
               <a:t>28</a:t>
@@ -2498,7 +2497,7 @@
       </p:sp>
       <p:sp>
         <p:nvSpPr>
-          <p:cNvPr id="119811" name="Rectangle 2"/>
+          <p:cNvPr id="121859" name="Rectangle 2"/>
           <p:cNvSpPr>
             <a:spLocks noGrp="1" noRot="1" noChangeAspect="1" noChangeArrowheads="1" noTextEdit="1"/>
           </p:cNvSpPr>
@@ -2512,7 +2511,7 @@
       </p:sp>
       <p:sp>
         <p:nvSpPr>
-          <p:cNvPr id="119812" name="Rectangle 3"/>
+          <p:cNvPr id="121860" name="Rectangle 3"/>
           <p:cNvSpPr>
             <a:spLocks noGrp="1" noChangeArrowheads="1"/>
           </p:cNvSpPr>
@@ -2560,7 +2559,7 @@
       </p:grpSpPr>
       <p:sp>
         <p:nvSpPr>
-          <p:cNvPr id="121858" name="Rectangle 7"/>
+          <p:cNvPr id="122882" name="Rectangle 7"/>
           <p:cNvSpPr>
             <a:spLocks noGrp="1" noChangeArrowheads="1"/>
           </p:cNvSpPr>
@@ -2575,7 +2574,7 @@
           <a:bodyPr/>
           <a:lstStyle/>
           <a:p>
-            <a:fld id="{6DD27CEB-2D80-4942-B641-16FCF845EC1C}" type="slidenum">
+            <a:fld id="{86061600-BE0F-4227-96F7-352C653DF107}" type="slidenum">
               <a:rPr lang="en-US" altLang="zh-CN"/>
               <a:pPr/>
               <a:t>29</a:t>
@@ -2586,7 +2585,7 @@
       </p:sp>
       <p:sp>
         <p:nvSpPr>
-          <p:cNvPr id="121859" name="Rectangle 2"/>
+          <p:cNvPr id="122883" name="Rectangle 2"/>
           <p:cNvSpPr>
             <a:spLocks noGrp="1" noRot="1" noChangeAspect="1" noChangeArrowheads="1" noTextEdit="1"/>
           </p:cNvSpPr>
@@ -2600,7 +2599,7 @@
       </p:sp>
       <p:sp>
         <p:nvSpPr>
-          <p:cNvPr id="121860" name="Rectangle 3"/>
+          <p:cNvPr id="122884" name="Rectangle 3"/>
           <p:cNvSpPr>
             <a:spLocks noGrp="1" noChangeArrowheads="1"/>
           </p:cNvSpPr>
@@ -2736,7 +2735,7 @@
       </p:grpSpPr>
       <p:sp>
         <p:nvSpPr>
-          <p:cNvPr id="122882" name="Rectangle 7"/>
+          <p:cNvPr id="123906" name="Rectangle 7"/>
           <p:cNvSpPr>
             <a:spLocks noGrp="1" noChangeArrowheads="1"/>
           </p:cNvSpPr>
@@ -2751,7 +2750,7 @@
           <a:bodyPr/>
           <a:lstStyle/>
           <a:p>
-            <a:fld id="{86061600-BE0F-4227-96F7-352C653DF107}" type="slidenum">
+            <a:fld id="{056E5894-11F3-46FE-BD7E-4E6D49EB2DCD}" type="slidenum">
               <a:rPr lang="en-US" altLang="zh-CN"/>
               <a:pPr/>
               <a:t>30</a:t>
@@ -2762,7 +2761,7 @@
       </p:sp>
       <p:sp>
         <p:nvSpPr>
-          <p:cNvPr id="122883" name="Rectangle 2"/>
+          <p:cNvPr id="123907" name="Rectangle 2"/>
           <p:cNvSpPr>
             <a:spLocks noGrp="1" noRot="1" noChangeAspect="1" noChangeArrowheads="1" noTextEdit="1"/>
           </p:cNvSpPr>
@@ -2776,7 +2775,7 @@
       </p:sp>
       <p:sp>
         <p:nvSpPr>
-          <p:cNvPr id="122884" name="Rectangle 3"/>
+          <p:cNvPr id="123908" name="Rectangle 3"/>
           <p:cNvSpPr>
             <a:spLocks noGrp="1" noChangeArrowheads="1"/>
           </p:cNvSpPr>
@@ -2824,7 +2823,7 @@
       </p:grpSpPr>
       <p:sp>
         <p:nvSpPr>
-          <p:cNvPr id="123906" name="Rectangle 7"/>
+          <p:cNvPr id="128002" name="Rectangle 7"/>
           <p:cNvSpPr>
             <a:spLocks noGrp="1" noChangeArrowheads="1"/>
           </p:cNvSpPr>
@@ -2839,7 +2838,7 @@
           <a:bodyPr/>
           <a:lstStyle/>
           <a:p>
-            <a:fld id="{056E5894-11F3-46FE-BD7E-4E6D49EB2DCD}" type="slidenum">
+            <a:fld id="{6D28B82F-D703-418B-8465-A146FD001569}" type="slidenum">
               <a:rPr lang="en-US" altLang="zh-CN"/>
               <a:pPr/>
               <a:t>31</a:t>
@@ -2850,7 +2849,7 @@
       </p:sp>
       <p:sp>
         <p:nvSpPr>
-          <p:cNvPr id="123907" name="Rectangle 2"/>
+          <p:cNvPr id="128003" name="Rectangle 2"/>
           <p:cNvSpPr>
             <a:spLocks noGrp="1" noRot="1" noChangeAspect="1" noChangeArrowheads="1" noTextEdit="1"/>
           </p:cNvSpPr>
@@ -2864,7 +2863,7 @@
       </p:sp>
       <p:sp>
         <p:nvSpPr>
-          <p:cNvPr id="123908" name="Rectangle 3"/>
+          <p:cNvPr id="128004" name="Rectangle 3"/>
           <p:cNvSpPr>
             <a:spLocks noGrp="1" noChangeArrowheads="1"/>
           </p:cNvSpPr>
@@ -2912,7 +2911,7 @@
       </p:grpSpPr>
       <p:sp>
         <p:nvSpPr>
-          <p:cNvPr id="128002" name="Rectangle 7"/>
+          <p:cNvPr id="131074" name="Rectangle 7"/>
           <p:cNvSpPr>
             <a:spLocks noGrp="1" noChangeArrowheads="1"/>
           </p:cNvSpPr>
@@ -2927,7 +2926,7 @@
           <a:bodyPr/>
           <a:lstStyle/>
           <a:p>
-            <a:fld id="{6D28B82F-D703-418B-8465-A146FD001569}" type="slidenum">
+            <a:fld id="{87F88A12-E7B9-43D5-8C31-47D27C499990}" type="slidenum">
               <a:rPr lang="en-US" altLang="zh-CN"/>
               <a:pPr/>
               <a:t>32</a:t>
@@ -2938,7 +2937,7 @@
       </p:sp>
       <p:sp>
         <p:nvSpPr>
-          <p:cNvPr id="128003" name="Rectangle 2"/>
+          <p:cNvPr id="131075" name="Rectangle 2"/>
           <p:cNvSpPr>
             <a:spLocks noGrp="1" noRot="1" noChangeAspect="1" noChangeArrowheads="1" noTextEdit="1"/>
           </p:cNvSpPr>
@@ -2952,7 +2951,7 @@
       </p:sp>
       <p:sp>
         <p:nvSpPr>
-          <p:cNvPr id="128004" name="Rectangle 3"/>
+          <p:cNvPr id="131076" name="Rectangle 3"/>
           <p:cNvSpPr>
             <a:spLocks noGrp="1" noChangeArrowheads="1"/>
           </p:cNvSpPr>
@@ -3000,7 +2999,7 @@
       </p:grpSpPr>
       <p:sp>
         <p:nvSpPr>
-          <p:cNvPr id="131074" name="Rectangle 7"/>
+          <p:cNvPr id="132098" name="Rectangle 7"/>
           <p:cNvSpPr>
             <a:spLocks noGrp="1" noChangeArrowheads="1"/>
           </p:cNvSpPr>
@@ -3015,7 +3014,7 @@
           <a:bodyPr/>
           <a:lstStyle/>
           <a:p>
-            <a:fld id="{87F88A12-E7B9-43D5-8C31-47D27C499990}" type="slidenum">
+            <a:fld id="{16A34B67-8F47-4272-B379-6C92F27C29B3}" type="slidenum">
               <a:rPr lang="en-US" altLang="zh-CN"/>
               <a:pPr/>
               <a:t>33</a:t>
@@ -3026,7 +3025,7 @@
       </p:sp>
       <p:sp>
         <p:nvSpPr>
-          <p:cNvPr id="131075" name="Rectangle 2"/>
+          <p:cNvPr id="132099" name="Rectangle 2"/>
           <p:cNvSpPr>
             <a:spLocks noGrp="1" noRot="1" noChangeAspect="1" noChangeArrowheads="1" noTextEdit="1"/>
           </p:cNvSpPr>
@@ -3040,7 +3039,7 @@
       </p:sp>
       <p:sp>
         <p:nvSpPr>
-          <p:cNvPr id="131076" name="Rectangle 3"/>
+          <p:cNvPr id="132100" name="Rectangle 3"/>
           <p:cNvSpPr>
             <a:spLocks noGrp="1" noChangeArrowheads="1"/>
           </p:cNvSpPr>
@@ -3088,7 +3087,7 @@
       </p:grpSpPr>
       <p:sp>
         <p:nvSpPr>
-          <p:cNvPr id="132098" name="Rectangle 7"/>
+          <p:cNvPr id="133122" name="Rectangle 7"/>
           <p:cNvSpPr>
             <a:spLocks noGrp="1" noChangeArrowheads="1"/>
           </p:cNvSpPr>
@@ -3103,7 +3102,7 @@
           <a:bodyPr/>
           <a:lstStyle/>
           <a:p>
-            <a:fld id="{16A34B67-8F47-4272-B379-6C92F27C29B3}" type="slidenum">
+            <a:fld id="{A204EC90-868C-4735-B795-BBCB688E01E6}" type="slidenum">
               <a:rPr lang="en-US" altLang="zh-CN"/>
               <a:pPr/>
               <a:t>34</a:t>
@@ -3114,7 +3113,7 @@
       </p:sp>
       <p:sp>
         <p:nvSpPr>
-          <p:cNvPr id="132099" name="Rectangle 2"/>
+          <p:cNvPr id="133123" name="Rectangle 2"/>
           <p:cNvSpPr>
             <a:spLocks noGrp="1" noRot="1" noChangeAspect="1" noChangeArrowheads="1" noTextEdit="1"/>
           </p:cNvSpPr>
@@ -3128,7 +3127,7 @@
       </p:sp>
       <p:sp>
         <p:nvSpPr>
-          <p:cNvPr id="132100" name="Rectangle 3"/>
+          <p:cNvPr id="133124" name="Rectangle 3"/>
           <p:cNvSpPr>
             <a:spLocks noGrp="1" noChangeArrowheads="1"/>
           </p:cNvSpPr>
@@ -3176,7 +3175,7 @@
       </p:grpSpPr>
       <p:sp>
         <p:nvSpPr>
-          <p:cNvPr id="133122" name="Rectangle 7"/>
+          <p:cNvPr id="134146" name="Rectangle 7"/>
           <p:cNvSpPr>
             <a:spLocks noGrp="1" noChangeArrowheads="1"/>
           </p:cNvSpPr>
@@ -3191,7 +3190,7 @@
           <a:bodyPr/>
           <a:lstStyle/>
           <a:p>
-            <a:fld id="{A204EC90-868C-4735-B795-BBCB688E01E6}" type="slidenum">
+            <a:fld id="{F19C467D-7697-4C97-9143-AE3DA08C9C59}" type="slidenum">
               <a:rPr lang="en-US" altLang="zh-CN"/>
               <a:pPr/>
               <a:t>35</a:t>
@@ -3202,7 +3201,7 @@
       </p:sp>
       <p:sp>
         <p:nvSpPr>
-          <p:cNvPr id="133123" name="Rectangle 2"/>
+          <p:cNvPr id="134147" name="Rectangle 2"/>
           <p:cNvSpPr>
             <a:spLocks noGrp="1" noRot="1" noChangeAspect="1" noChangeArrowheads="1" noTextEdit="1"/>
           </p:cNvSpPr>
@@ -3216,7 +3215,7 @@
       </p:sp>
       <p:sp>
         <p:nvSpPr>
-          <p:cNvPr id="133124" name="Rectangle 3"/>
+          <p:cNvPr id="134148" name="Rectangle 3"/>
           <p:cNvSpPr>
             <a:spLocks noGrp="1" noChangeArrowheads="1"/>
           </p:cNvSpPr>
@@ -3264,7 +3263,7 @@
       </p:grpSpPr>
       <p:sp>
         <p:nvSpPr>
-          <p:cNvPr id="134146" name="Rectangle 7"/>
+          <p:cNvPr id="139266" name="Rectangle 7"/>
           <p:cNvSpPr>
             <a:spLocks noGrp="1" noChangeArrowheads="1"/>
           </p:cNvSpPr>
@@ -3279,98 +3278,10 @@
           <a:bodyPr/>
           <a:lstStyle/>
           <a:p>
-            <a:fld id="{F19C467D-7697-4C97-9143-AE3DA08C9C59}" type="slidenum">
+            <a:fld id="{987878A2-F091-4999-B58A-A744524B3A79}" type="slidenum">
               <a:rPr lang="en-US" altLang="zh-CN"/>
               <a:pPr/>
               <a:t>36</a:t>
-            </a:fld>
-            <a:endParaRPr lang="en-US" altLang="zh-CN"/>
-          </a:p>
-        </p:txBody>
-      </p:sp>
-      <p:sp>
-        <p:nvSpPr>
-          <p:cNvPr id="134147" name="Rectangle 2"/>
-          <p:cNvSpPr>
-            <a:spLocks noGrp="1" noRot="1" noChangeAspect="1" noChangeArrowheads="1" noTextEdit="1"/>
-          </p:cNvSpPr>
-          <p:nvPr>
-            <p:ph type="sldImg"/>
-          </p:nvPr>
-        </p:nvSpPr>
-        <p:spPr>
-          <a:ln/>
-        </p:spPr>
-      </p:sp>
-      <p:sp>
-        <p:nvSpPr>
-          <p:cNvPr id="134148" name="Rectangle 3"/>
-          <p:cNvSpPr>
-            <a:spLocks noGrp="1" noChangeArrowheads="1"/>
-          </p:cNvSpPr>
-          <p:nvPr>
-            <p:ph type="body" idx="1"/>
-          </p:nvPr>
-        </p:nvSpPr>
-        <p:spPr>
-          <a:noFill/>
-          <a:ln/>
-        </p:spPr>
-        <p:txBody>
-          <a:bodyPr/>
-          <a:lstStyle/>
-          <a:p>
-            <a:pPr eaLnBrk="1" hangingPunct="1"/>
-            <a:endParaRPr lang="zh-CN" altLang="zh-CN"/>
-          </a:p>
-        </p:txBody>
-      </p:sp>
-    </p:spTree>
-  </p:cSld>
-  <p:clrMapOvr>
-    <a:masterClrMapping/>
-  </p:clrMapOvr>
-</p:notes>
-</file>
-
-<file path=ppt/notesSlides/notesSlide37.xml><?xml version="1.0" encoding="utf-8"?>
-<p:notes xmlns:a="http://schemas.openxmlformats.org/drawingml/2006/main" xmlns:r="http://schemas.openxmlformats.org/officeDocument/2006/relationships" xmlns:p="http://schemas.openxmlformats.org/presentationml/2006/main">
-  <p:cSld>
-    <p:spTree>
-      <p:nvGrpSpPr>
-        <p:cNvPr id="1" name=""/>
-        <p:cNvGrpSpPr/>
-        <p:nvPr/>
-      </p:nvGrpSpPr>
-      <p:grpSpPr>
-        <a:xfrm>
-          <a:off x="0" y="0"/>
-          <a:ext cx="0" cy="0"/>
-          <a:chOff x="0" y="0"/>
-          <a:chExt cx="0" cy="0"/>
-        </a:xfrm>
-      </p:grpSpPr>
-      <p:sp>
-        <p:nvSpPr>
-          <p:cNvPr id="139266" name="Rectangle 7"/>
-          <p:cNvSpPr>
-            <a:spLocks noGrp="1" noChangeArrowheads="1"/>
-          </p:cNvSpPr>
-          <p:nvPr>
-            <p:ph type="sldNum" sz="quarter" idx="5"/>
-          </p:nvPr>
-        </p:nvSpPr>
-        <p:spPr>
-          <a:noFill/>
-        </p:spPr>
-        <p:txBody>
-          <a:bodyPr/>
-          <a:lstStyle/>
-          <a:p>
-            <a:fld id="{987878A2-F091-4999-B58A-A744524B3A79}" type="slidenum">
-              <a:rPr lang="en-US" altLang="zh-CN"/>
-              <a:pPr/>
-              <a:t>37</a:t>
             </a:fld>
             <a:endParaRPr lang="en-US" altLang="zh-CN"/>
           </a:p>
@@ -3496,8 +3407,180 @@
           <a:bodyPr/>
           <a:lstStyle/>
           <a:p>
+            <a:pPr eaLnBrk="1" hangingPunct="1">
+              <a:lnSpc>
+                <a:spcPct val="90000"/>
+              </a:lnSpc>
+            </a:pPr>
+            <a:r>
+              <a:rPr lang="en-US" altLang="zh-CN" sz="1200" dirty="0">
+                <a:ea typeface="+mn-ea"/>
+              </a:rPr>
+              <a:t>Multicore processors are MIMD:</a:t>
+            </a:r>
+            <a:br>
+              <a:rPr lang="en-US" altLang="zh-CN" sz="1200" dirty="0">
+                <a:ea typeface="+mn-ea"/>
+              </a:rPr>
+            </a:br>
+            <a:r>
+              <a:rPr lang="en-US" altLang="zh-CN" sz="1200" dirty="0">
+                <a:ea typeface="+mn-ea"/>
+              </a:rPr>
+              <a:t>Different cores execute different threads (</a:t>
+            </a:r>
+            <a:r>
+              <a:rPr lang="en-US" altLang="zh-CN" sz="1200" dirty="0">
+                <a:solidFill>
+                  <a:srgbClr val="FF3300"/>
+                </a:solidFill>
+                <a:ea typeface="+mn-ea"/>
+              </a:rPr>
+              <a:t>M</a:t>
+            </a:r>
+            <a:r>
+              <a:rPr lang="en-US" altLang="zh-CN" sz="1200" dirty="0">
+                <a:ea typeface="+mn-ea"/>
+              </a:rPr>
+              <a:t>ultiple </a:t>
+            </a:r>
+            <a:r>
+              <a:rPr lang="en-US" altLang="zh-CN" sz="1200" dirty="0">
+                <a:solidFill>
+                  <a:srgbClr val="FF3300"/>
+                </a:solidFill>
+                <a:ea typeface="+mn-ea"/>
+              </a:rPr>
+              <a:t>I</a:t>
+            </a:r>
+            <a:r>
+              <a:rPr lang="en-US" altLang="zh-CN" sz="1200" dirty="0">
+                <a:ea typeface="+mn-ea"/>
+              </a:rPr>
+              <a:t>nstructions), operating on different parts of memory (</a:t>
+            </a:r>
+            <a:r>
+              <a:rPr lang="en-US" altLang="zh-CN" sz="1200" dirty="0">
+                <a:solidFill>
+                  <a:srgbClr val="FF3300"/>
+                </a:solidFill>
+                <a:ea typeface="+mn-ea"/>
+              </a:rPr>
+              <a:t>M</a:t>
+            </a:r>
+            <a:r>
+              <a:rPr lang="en-US" altLang="zh-CN" sz="1200" dirty="0">
+                <a:ea typeface="+mn-ea"/>
+              </a:rPr>
+              <a:t>ultiple </a:t>
+            </a:r>
+            <a:r>
+              <a:rPr lang="en-US" altLang="zh-CN" sz="1200" dirty="0">
+                <a:solidFill>
+                  <a:srgbClr val="FF3300"/>
+                </a:solidFill>
+                <a:ea typeface="+mn-ea"/>
+              </a:rPr>
+              <a:t>D</a:t>
+            </a:r>
+            <a:r>
+              <a:rPr lang="en-US" altLang="zh-CN" sz="1200" dirty="0">
+                <a:ea typeface="+mn-ea"/>
+              </a:rPr>
+              <a:t>ata).</a:t>
+            </a:r>
+          </a:p>
+          <a:p>
+            <a:pPr eaLnBrk="1" hangingPunct="1">
+              <a:lnSpc>
+                <a:spcPct val="90000"/>
+              </a:lnSpc>
+            </a:pPr>
+            <a:endParaRPr lang="en-US" altLang="zh-CN" sz="1200" dirty="0">
+              <a:solidFill>
+                <a:srgbClr val="008000"/>
+              </a:solidFill>
+              <a:ea typeface="+mn-ea"/>
+            </a:endParaRPr>
+          </a:p>
+          <a:p>
+            <a:pPr eaLnBrk="1" hangingPunct="1">
+              <a:lnSpc>
+                <a:spcPct val="90000"/>
+              </a:lnSpc>
+            </a:pPr>
+            <a:endParaRPr lang="en-US" altLang="zh-CN" sz="1200" dirty="0">
+              <a:ea typeface="+mn-ea"/>
+            </a:endParaRPr>
+          </a:p>
+          <a:p>
+            <a:pPr marL="0" marR="0" lvl="0" indent="0" algn="l" defTabSz="914400" rtl="0" eaLnBrk="1" fontAlgn="base" latinLnBrk="0" hangingPunct="1">
+              <a:lnSpc>
+                <a:spcPct val="100000"/>
+              </a:lnSpc>
+              <a:spcBef>
+                <a:spcPct val="30000"/>
+              </a:spcBef>
+              <a:spcAft>
+                <a:spcPct val="0"/>
+              </a:spcAft>
+              <a:buClrTx/>
+              <a:buSzTx/>
+              <a:buFontTx/>
+              <a:buNone/>
+              <a:tabLst/>
+              <a:defRPr/>
+            </a:pPr>
+            <a:endParaRPr lang="en-US" altLang="zh-CN" sz="1200" dirty="0">
+              <a:ea typeface="+mn-ea"/>
+            </a:endParaRPr>
+          </a:p>
+          <a:p>
+            <a:pPr marL="0" marR="0" lvl="0" indent="0" algn="l" defTabSz="914400" rtl="0" eaLnBrk="1" fontAlgn="base" latinLnBrk="0" hangingPunct="1">
+              <a:lnSpc>
+                <a:spcPct val="100000"/>
+              </a:lnSpc>
+              <a:spcBef>
+                <a:spcPct val="30000"/>
+              </a:spcBef>
+              <a:spcAft>
+                <a:spcPct val="0"/>
+              </a:spcAft>
+              <a:buClrTx/>
+              <a:buSzTx/>
+              <a:buFontTx/>
+              <a:buNone/>
+              <a:tabLst/>
+              <a:defRPr/>
+            </a:pPr>
+            <a:r>
+              <a:rPr lang="en-US" altLang="zh-CN" sz="1200" dirty="0">
+                <a:ea typeface="+mn-ea"/>
+              </a:rPr>
+              <a:t>Multicore is a shared memory multiprocessor:</a:t>
+            </a:r>
+            <a:br>
+              <a:rPr lang="en-US" altLang="zh-CN" sz="1200" dirty="0">
+                <a:ea typeface="+mn-ea"/>
+              </a:rPr>
+            </a:br>
+            <a:r>
+              <a:rPr lang="en-US" altLang="zh-CN" sz="1200" dirty="0">
+                <a:solidFill>
+                  <a:srgbClr val="008000"/>
+                </a:solidFill>
+                <a:ea typeface="+mn-ea"/>
+              </a:rPr>
+              <a:t>All cores share the same memory</a:t>
+            </a:r>
+          </a:p>
+          <a:p>
             <a:pPr eaLnBrk="1" hangingPunct="1"/>
-            <a:endParaRPr lang="en-US" altLang="zh-CN"/>
+            <a:endParaRPr lang="zh-CN" altLang="zh-CN" dirty="0"/>
+          </a:p>
+          <a:p>
+            <a:pPr eaLnBrk="1" hangingPunct="1"/>
+            <a:endParaRPr lang="en-US" altLang="zh-CN" dirty="0"/>
           </a:p>
         </p:txBody>
       </p:sp>
@@ -7941,7 +8024,7 @@
             <a:pPr marL="285750" indent="-285750"/>
             <a:r>
               <a:rPr lang="en-US" altLang="zh-CN" dirty="0"/>
-              <a:t>Summer 2019, ZJU</a:t>
+              <a:t>ZJU 2020</a:t>
             </a:r>
           </a:p>
         </p:txBody>
@@ -8018,10 +8101,10 @@
           <a:p>
             <a:pPr eaLnBrk="1" hangingPunct="1"/>
             <a:r>
-              <a:rPr lang="en-US" altLang="zh-CN">
-                <a:ea typeface="宋体" pitchFamily="2" charset="-122"/>
-              </a:rPr>
-              <a:t>Multiprocessor memory types</a:t>
+              <a:rPr lang="en-US" altLang="zh-CN" dirty="0">
+                <a:ea typeface="宋体" pitchFamily="2" charset="-122"/>
+              </a:rPr>
+              <a:t>Multicore processor: types of memory</a:t>
             </a:r>
           </a:p>
         </p:txBody>
@@ -8062,12 +8145,6 @@
           </a:p>
           <a:p>
             <a:pPr eaLnBrk="1" hangingPunct="1"/>
-            <a:endParaRPr lang="en-US" altLang="zh-CN" dirty="0">
-              <a:ea typeface="宋体" pitchFamily="2" charset="-122"/>
-            </a:endParaRPr>
-          </a:p>
-          <a:p>
-            <a:pPr eaLnBrk="1" hangingPunct="1"/>
             <a:r>
               <a:rPr lang="en-US" altLang="zh-CN" dirty="0">
                 <a:ea typeface="宋体" pitchFamily="2" charset="-122"/>
@@ -8084,6 +8161,15 @@
                 <a:ea typeface="宋体" pitchFamily="2" charset="-122"/>
               </a:rPr>
               <a:t>In this model, each processor has its own (small) local memory, inter-connection is Network-on-Chip instead of bus. Suitable for manycore processors</a:t>
+            </a:r>
+          </a:p>
+          <a:p>
+            <a:pPr eaLnBrk="1" hangingPunct="1"/>
+            <a:r>
+              <a:rPr lang="en-US" altLang="zh-CN" dirty="0">
+                <a:ea typeface="宋体" pitchFamily="2" charset="-122"/>
+              </a:rPr>
+              <a:t>We focus on shared memory in this lecture</a:t>
             </a:r>
           </a:p>
         </p:txBody>
@@ -8115,7 +8201,7 @@
       </p:grpSpPr>
       <p:sp>
         <p:nvSpPr>
-          <p:cNvPr id="19458" name="Slide Number Placeholder 5"/>
+          <p:cNvPr id="34818" name="Slide Number Placeholder 5"/>
           <p:cNvSpPr>
             <a:spLocks noGrp="1"/>
           </p:cNvSpPr>
@@ -8130,7 +8216,7 @@
           <a:bodyPr/>
           <a:lstStyle/>
           <a:p>
-            <a:fld id="{A4454EC6-6AA4-445E-8DDD-10119AE1D598}" type="slidenum">
+            <a:fld id="{D854DD15-B1CE-455D-BE7A-FDFDAFFD9225}" type="slidenum">
               <a:rPr lang="en-US" altLang="zh-CN">
                 <a:ea typeface="宋体" pitchFamily="2" charset="-122"/>
               </a:rPr>
@@ -8145,7 +8231,7 @@
       </p:sp>
       <p:sp>
         <p:nvSpPr>
-          <p:cNvPr id="19459" name="Rectangle 2"/>
+          <p:cNvPr id="34819" name="Rectangle 2"/>
           <p:cNvSpPr>
             <a:spLocks noGrp="1" noChangeArrowheads="1"/>
           </p:cNvSpPr>
@@ -8153,63 +8239,24 @@
             <p:ph type="title"/>
           </p:nvPr>
         </p:nvSpPr>
-        <p:spPr>
-          <a:xfrm>
-            <a:off x="381000" y="914400"/>
-            <a:ext cx="8229600" cy="1143000"/>
-          </a:xfrm>
-        </p:spPr>
+        <p:spPr/>
         <p:txBody>
           <a:bodyPr/>
           <a:lstStyle/>
           <a:p>
             <a:pPr eaLnBrk="1" hangingPunct="1"/>
             <a:r>
-              <a:rPr lang="en-US" altLang="zh-CN" sz="4000" dirty="0">
-                <a:solidFill>
-                  <a:schemeClr val="tx1"/>
-                </a:solidFill>
-                <a:ea typeface="宋体" pitchFamily="2" charset="-122"/>
-              </a:rPr>
-              <a:t>Multicore processor is a special kind of a multiprocessor:</a:t>
-            </a:r>
-            <a:br>
-              <a:rPr lang="en-US" altLang="zh-CN" sz="4000" dirty="0">
-                <a:solidFill>
-                  <a:schemeClr val="tx1"/>
-                </a:solidFill>
-                <a:ea typeface="宋体" pitchFamily="2" charset="-122"/>
-              </a:rPr>
-            </a:br>
-            <a:r>
-              <a:rPr lang="en-US" altLang="zh-CN" sz="3600" dirty="0">
-                <a:solidFill>
-                  <a:schemeClr val="tx1"/>
-                </a:solidFill>
-                <a:ea typeface="宋体" pitchFamily="2" charset="-122"/>
-              </a:rPr>
-              <a:t>All processors are on the same chip</a:t>
-            </a:r>
-            <a:br>
-              <a:rPr lang="en-US" altLang="zh-CN" sz="3600" dirty="0">
-                <a:solidFill>
-                  <a:schemeClr val="tx1"/>
-                </a:solidFill>
-                <a:ea typeface="宋体" pitchFamily="2" charset="-122"/>
-              </a:rPr>
-            </a:br>
-            <a:endParaRPr lang="en-US" altLang="zh-CN" dirty="0">
-              <a:solidFill>
-                <a:schemeClr val="tx1"/>
-              </a:solidFill>
-              <a:ea typeface="宋体" pitchFamily="2" charset="-122"/>
-            </a:endParaRPr>
-          </a:p>
-        </p:txBody>
-      </p:sp>
-      <p:sp>
-        <p:nvSpPr>
-          <p:cNvPr id="19460" name="Rectangle 3"/>
+              <a:rPr lang="en-US" altLang="zh-CN">
+                <a:ea typeface="宋体" pitchFamily="2" charset="-122"/>
+              </a:rPr>
+              <a:t>The memory hierarchy</a:t>
+            </a:r>
+          </a:p>
+        </p:txBody>
+      </p:sp>
+      <p:sp>
+        <p:nvSpPr>
+          <p:cNvPr id="34820" name="Rectangle 3"/>
           <p:cNvSpPr>
             <a:spLocks noGrp="1" noChangeArrowheads="1"/>
           </p:cNvSpPr>
@@ -8217,148 +8264,36 @@
             <p:ph type="body" idx="1"/>
           </p:nvPr>
         </p:nvSpPr>
-        <p:spPr>
-          <a:xfrm>
-            <a:off x="381000" y="2514600"/>
-            <a:ext cx="8229600" cy="2971800"/>
-          </a:xfrm>
-        </p:spPr>
-        <p:txBody>
-          <a:bodyPr/>
-          <a:lstStyle/>
-          <a:p>
-            <a:pPr eaLnBrk="1" hangingPunct="1">
-              <a:lnSpc>
-                <a:spcPct val="90000"/>
-              </a:lnSpc>
-            </a:pPr>
-            <a:r>
-              <a:rPr lang="en-US" altLang="zh-CN" sz="2800" dirty="0">
-                <a:ea typeface="宋体" pitchFamily="2" charset="-122"/>
-              </a:rPr>
-              <a:t>Multicore processors are MIMD:</a:t>
-            </a:r>
-            <a:br>
-              <a:rPr lang="en-US" altLang="zh-CN" sz="2800" dirty="0">
-                <a:ea typeface="宋体" pitchFamily="2" charset="-122"/>
-              </a:rPr>
-            </a:br>
-            <a:r>
-              <a:rPr lang="en-US" altLang="zh-CN" sz="2800" dirty="0">
-                <a:ea typeface="宋体" pitchFamily="2" charset="-122"/>
-              </a:rPr>
-              <a:t>Different cores execute different threads (</a:t>
-            </a:r>
-            <a:r>
-              <a:rPr lang="en-US" altLang="zh-CN" sz="2800" dirty="0">
-                <a:solidFill>
-                  <a:srgbClr val="FF3300"/>
-                </a:solidFill>
-                <a:ea typeface="宋体" pitchFamily="2" charset="-122"/>
-              </a:rPr>
-              <a:t>M</a:t>
-            </a:r>
-            <a:r>
-              <a:rPr lang="en-US" altLang="zh-CN" sz="2800" dirty="0">
-                <a:ea typeface="宋体" pitchFamily="2" charset="-122"/>
-              </a:rPr>
-              <a:t>ultiple </a:t>
-            </a:r>
-            <a:r>
-              <a:rPr lang="en-US" altLang="zh-CN" sz="2800" dirty="0">
-                <a:solidFill>
-                  <a:srgbClr val="FF3300"/>
-                </a:solidFill>
-                <a:ea typeface="宋体" pitchFamily="2" charset="-122"/>
-              </a:rPr>
-              <a:t>I</a:t>
-            </a:r>
-            <a:r>
-              <a:rPr lang="en-US" altLang="zh-CN" sz="2800" dirty="0">
-                <a:ea typeface="宋体" pitchFamily="2" charset="-122"/>
-              </a:rPr>
-              <a:t>nstructions), operating on different parts of memory (</a:t>
-            </a:r>
-            <a:r>
-              <a:rPr lang="en-US" altLang="zh-CN" sz="2800" dirty="0">
-                <a:solidFill>
-                  <a:srgbClr val="FF3300"/>
-                </a:solidFill>
-                <a:ea typeface="宋体" pitchFamily="2" charset="-122"/>
-              </a:rPr>
-              <a:t>M</a:t>
-            </a:r>
-            <a:r>
-              <a:rPr lang="en-US" altLang="zh-CN" sz="2800" dirty="0">
-                <a:ea typeface="宋体" pitchFamily="2" charset="-122"/>
-              </a:rPr>
-              <a:t>ultiple </a:t>
-            </a:r>
-            <a:r>
-              <a:rPr lang="en-US" altLang="zh-CN" sz="2800" dirty="0">
-                <a:solidFill>
-                  <a:srgbClr val="FF3300"/>
-                </a:solidFill>
-                <a:ea typeface="宋体" pitchFamily="2" charset="-122"/>
-              </a:rPr>
-              <a:t>D</a:t>
-            </a:r>
-            <a:r>
-              <a:rPr lang="en-US" altLang="zh-CN" sz="2800" dirty="0">
-                <a:ea typeface="宋体" pitchFamily="2" charset="-122"/>
-              </a:rPr>
-              <a:t>ata).</a:t>
-            </a:r>
-          </a:p>
-          <a:p>
-            <a:pPr eaLnBrk="1" hangingPunct="1">
-              <a:lnSpc>
-                <a:spcPct val="90000"/>
-              </a:lnSpc>
-            </a:pPr>
-            <a:endParaRPr lang="en-US" altLang="zh-CN" sz="2800" dirty="0">
-              <a:solidFill>
-                <a:srgbClr val="008000"/>
-              </a:solidFill>
-              <a:ea typeface="宋体" pitchFamily="2" charset="-122"/>
-            </a:endParaRPr>
-          </a:p>
-          <a:p>
-            <a:pPr eaLnBrk="1" hangingPunct="1">
-              <a:lnSpc>
-                <a:spcPct val="90000"/>
-              </a:lnSpc>
-            </a:pPr>
-            <a:r>
-              <a:rPr lang="en-US" altLang="zh-CN" sz="2800" dirty="0">
-                <a:ea typeface="宋体" pitchFamily="2" charset="-122"/>
-              </a:rPr>
-              <a:t>Multicore is a shared memory multiprocessor:</a:t>
-            </a:r>
-            <a:br>
-              <a:rPr lang="en-US" altLang="zh-CN" sz="2800" dirty="0">
-                <a:ea typeface="宋体" pitchFamily="2" charset="-122"/>
-              </a:rPr>
-            </a:br>
-            <a:r>
-              <a:rPr lang="en-US" altLang="zh-CN" sz="2800" dirty="0">
-                <a:solidFill>
-                  <a:srgbClr val="008000"/>
-                </a:solidFill>
-                <a:ea typeface="宋体" pitchFamily="2" charset="-122"/>
-              </a:rPr>
-              <a:t>All cores share the same memory</a:t>
-            </a:r>
-          </a:p>
-          <a:p>
-            <a:pPr eaLnBrk="1" hangingPunct="1">
-              <a:lnSpc>
-                <a:spcPct val="90000"/>
-              </a:lnSpc>
-            </a:pPr>
-            <a:endParaRPr lang="en-US" altLang="zh-CN" sz="2800" dirty="0">
-              <a:ea typeface="宋体" pitchFamily="2" charset="-122"/>
-            </a:endParaRPr>
+        <p:spPr/>
+        <p:txBody>
+          <a:bodyPr/>
+          <a:lstStyle/>
+          <a:p>
+            <a:pPr eaLnBrk="1" hangingPunct="1"/>
+            <a:r>
+              <a:rPr lang="en-US" altLang="zh-CN" dirty="0">
+                <a:ea typeface="宋体" pitchFamily="2" charset="-122"/>
+              </a:rPr>
+              <a:t>L1 caches private</a:t>
+            </a:r>
+          </a:p>
+          <a:p>
+            <a:pPr eaLnBrk="1" hangingPunct="1"/>
+            <a:r>
+              <a:rPr lang="en-US" altLang="zh-CN" dirty="0">
+                <a:ea typeface="宋体" pitchFamily="2" charset="-122"/>
+              </a:rPr>
+              <a:t>L2/L3 caches may be private or shared</a:t>
+            </a:r>
+          </a:p>
+          <a:p>
+            <a:pPr eaLnBrk="1" hangingPunct="1"/>
+            <a:r>
+              <a:rPr lang="en-US" altLang="zh-CN" dirty="0">
+                <a:ea typeface="宋体" pitchFamily="2" charset="-122"/>
+              </a:rPr>
+              <a:t>Main memory is always shared</a:t>
+            </a:r>
           </a:p>
         </p:txBody>
       </p:sp>
@@ -8389,7 +8324,7 @@
       </p:grpSpPr>
       <p:sp>
         <p:nvSpPr>
-          <p:cNvPr id="34818" name="Slide Number Placeholder 5"/>
+          <p:cNvPr id="35842" name="Slide Number Placeholder 5"/>
           <p:cNvSpPr>
             <a:spLocks noGrp="1"/>
           </p:cNvSpPr>
@@ -8404,135 +8339,12 @@
           <a:bodyPr/>
           <a:lstStyle/>
           <a:p>
-            <a:fld id="{D854DD15-B1CE-455D-BE7A-FDFDAFFD9225}" type="slidenum">
+            <a:fld id="{ED8F96FB-3832-418F-83B5-922DB211066F}" type="slidenum">
               <a:rPr lang="en-US" altLang="zh-CN">
                 <a:ea typeface="宋体" pitchFamily="2" charset="-122"/>
               </a:rPr>
               <a:pPr/>
               <a:t>12</a:t>
-            </a:fld>
-            <a:endParaRPr lang="en-US" altLang="zh-CN">
-              <a:ea typeface="宋体" pitchFamily="2" charset="-122"/>
-            </a:endParaRPr>
-          </a:p>
-        </p:txBody>
-      </p:sp>
-      <p:sp>
-        <p:nvSpPr>
-          <p:cNvPr id="34819" name="Rectangle 2"/>
-          <p:cNvSpPr>
-            <a:spLocks noGrp="1" noChangeArrowheads="1"/>
-          </p:cNvSpPr>
-          <p:nvPr>
-            <p:ph type="title"/>
-          </p:nvPr>
-        </p:nvSpPr>
-        <p:spPr/>
-        <p:txBody>
-          <a:bodyPr/>
-          <a:lstStyle/>
-          <a:p>
-            <a:pPr eaLnBrk="1" hangingPunct="1"/>
-            <a:r>
-              <a:rPr lang="en-US" altLang="zh-CN">
-                <a:ea typeface="宋体" pitchFamily="2" charset="-122"/>
-              </a:rPr>
-              <a:t>The memory hierarchy</a:t>
-            </a:r>
-          </a:p>
-        </p:txBody>
-      </p:sp>
-      <p:sp>
-        <p:nvSpPr>
-          <p:cNvPr id="34820" name="Rectangle 3"/>
-          <p:cNvSpPr>
-            <a:spLocks noGrp="1" noChangeArrowheads="1"/>
-          </p:cNvSpPr>
-          <p:nvPr>
-            <p:ph type="body" idx="1"/>
-          </p:nvPr>
-        </p:nvSpPr>
-        <p:spPr/>
-        <p:txBody>
-          <a:bodyPr/>
-          <a:lstStyle/>
-          <a:p>
-            <a:pPr eaLnBrk="1" hangingPunct="1"/>
-            <a:r>
-              <a:rPr lang="en-US" altLang="zh-CN" dirty="0">
-                <a:ea typeface="宋体" pitchFamily="2" charset="-122"/>
-              </a:rPr>
-              <a:t>L1 caches private</a:t>
-            </a:r>
-          </a:p>
-          <a:p>
-            <a:pPr eaLnBrk="1" hangingPunct="1"/>
-            <a:r>
-              <a:rPr lang="en-US" altLang="zh-CN" dirty="0">
-                <a:ea typeface="宋体" pitchFamily="2" charset="-122"/>
-              </a:rPr>
-              <a:t>L2/L3 caches may be private or shared</a:t>
-            </a:r>
-          </a:p>
-          <a:p>
-            <a:pPr eaLnBrk="1" hangingPunct="1"/>
-            <a:r>
-              <a:rPr lang="en-US" altLang="zh-CN" dirty="0">
-                <a:ea typeface="宋体" pitchFamily="2" charset="-122"/>
-              </a:rPr>
-              <a:t>Main memory is always shared</a:t>
-            </a:r>
-          </a:p>
-        </p:txBody>
-      </p:sp>
-    </p:spTree>
-  </p:cSld>
-  <p:clrMapOvr>
-    <a:masterClrMapping/>
-  </p:clrMapOvr>
-</p:sld>
-</file>
-
-<file path=ppt/slides/slide13.xml><?xml version="1.0" encoding="utf-8"?>
-<p:sld xmlns:a="http://schemas.openxmlformats.org/drawingml/2006/main" xmlns:r="http://schemas.openxmlformats.org/officeDocument/2006/relationships" xmlns:p="http://schemas.openxmlformats.org/presentationml/2006/main">
-  <p:cSld>
-    <p:spTree>
-      <p:nvGrpSpPr>
-        <p:cNvPr id="1" name=""/>
-        <p:cNvGrpSpPr/>
-        <p:nvPr/>
-      </p:nvGrpSpPr>
-      <p:grpSpPr>
-        <a:xfrm>
-          <a:off x="0" y="0"/>
-          <a:ext cx="0" cy="0"/>
-          <a:chOff x="0" y="0"/>
-          <a:chExt cx="0" cy="0"/>
-        </a:xfrm>
-      </p:grpSpPr>
-      <p:sp>
-        <p:nvSpPr>
-          <p:cNvPr id="35842" name="Slide Number Placeholder 5"/>
-          <p:cNvSpPr>
-            <a:spLocks noGrp="1"/>
-          </p:cNvSpPr>
-          <p:nvPr>
-            <p:ph type="sldNum" sz="quarter" idx="12"/>
-          </p:nvPr>
-        </p:nvSpPr>
-        <p:spPr>
-          <a:noFill/>
-        </p:spPr>
-        <p:txBody>
-          <a:bodyPr/>
-          <a:lstStyle/>
-          <a:p>
-            <a:fld id="{ED8F96FB-3832-418F-83B5-922DB211066F}" type="slidenum">
-              <a:rPr lang="en-US" altLang="zh-CN">
-                <a:ea typeface="宋体" pitchFamily="2" charset="-122"/>
-              </a:rPr>
-              <a:pPr/>
-              <a:t>13</a:t>
             </a:fld>
             <a:endParaRPr lang="en-US" altLang="zh-CN">
               <a:ea typeface="宋体" pitchFamily="2" charset="-122"/>
@@ -10216,6 +10028,1371 @@
 </p:sld>
 </file>
 
+<file path=ppt/slides/slide13.xml><?xml version="1.0" encoding="utf-8"?>
+<p:sld xmlns:a="http://schemas.openxmlformats.org/drawingml/2006/main" xmlns:r="http://schemas.openxmlformats.org/officeDocument/2006/relationships" xmlns:p="http://schemas.openxmlformats.org/presentationml/2006/main">
+  <p:cSld>
+    <p:spTree>
+      <p:nvGrpSpPr>
+        <p:cNvPr id="1" name=""/>
+        <p:cNvGrpSpPr/>
+        <p:nvPr/>
+      </p:nvGrpSpPr>
+      <p:grpSpPr>
+        <a:xfrm>
+          <a:off x="0" y="0"/>
+          <a:ext cx="0" cy="0"/>
+          <a:chOff x="0" y="0"/>
+          <a:chExt cx="0" cy="0"/>
+        </a:xfrm>
+      </p:grpSpPr>
+      <p:sp>
+        <p:nvSpPr>
+          <p:cNvPr id="36866" name="Slide Number Placeholder 5"/>
+          <p:cNvSpPr>
+            <a:spLocks noGrp="1"/>
+          </p:cNvSpPr>
+          <p:nvPr>
+            <p:ph type="sldNum" sz="quarter" idx="12"/>
+          </p:nvPr>
+        </p:nvSpPr>
+        <p:spPr>
+          <a:noFill/>
+        </p:spPr>
+        <p:txBody>
+          <a:bodyPr/>
+          <a:lstStyle/>
+          <a:p>
+            <a:fld id="{4014C21D-7833-4C7C-A601-6917004E4E92}" type="slidenum">
+              <a:rPr lang="en-US" altLang="zh-CN">
+                <a:ea typeface="宋体" pitchFamily="2" charset="-122"/>
+              </a:rPr>
+              <a:pPr/>
+              <a:t>13</a:t>
+            </a:fld>
+            <a:endParaRPr lang="en-US" altLang="zh-CN">
+              <a:ea typeface="宋体" pitchFamily="2" charset="-122"/>
+            </a:endParaRPr>
+          </a:p>
+        </p:txBody>
+      </p:sp>
+      <p:sp>
+        <p:nvSpPr>
+          <p:cNvPr id="36867" name="Rectangle 2"/>
+          <p:cNvSpPr>
+            <a:spLocks noGrp="1" noChangeArrowheads="1"/>
+          </p:cNvSpPr>
+          <p:nvPr>
+            <p:ph type="title"/>
+          </p:nvPr>
+        </p:nvSpPr>
+        <p:spPr>
+          <a:xfrm>
+            <a:off x="457200" y="76200"/>
+            <a:ext cx="8229600" cy="1143000"/>
+          </a:xfrm>
+        </p:spPr>
+        <p:txBody>
+          <a:bodyPr/>
+          <a:lstStyle/>
+          <a:p>
+            <a:pPr eaLnBrk="1" hangingPunct="1"/>
+            <a:r>
+              <a:rPr lang="en-US" altLang="zh-CN" sz="4000">
+                <a:ea typeface="宋体" pitchFamily="2" charset="-122"/>
+              </a:rPr>
+              <a:t>Designs with private L2 caches</a:t>
+            </a:r>
+          </a:p>
+        </p:txBody>
+      </p:sp>
+      <p:sp>
+        <p:nvSpPr>
+          <p:cNvPr id="36868" name="Rectangle 4"/>
+          <p:cNvSpPr>
+            <a:spLocks noChangeArrowheads="1"/>
+          </p:cNvSpPr>
+          <p:nvPr/>
+        </p:nvSpPr>
+        <p:spPr bwMode="auto">
+          <a:xfrm>
+            <a:off x="2133600" y="1143000"/>
+            <a:ext cx="2209800" cy="2514600"/>
+          </a:xfrm>
+          <a:prstGeom prst="rect">
+            <a:avLst/>
+          </a:prstGeom>
+          <a:solidFill>
+            <a:srgbClr val="FF0000"/>
+          </a:solidFill>
+          <a:ln w="25400">
+            <a:solidFill>
+              <a:schemeClr val="tx1"/>
+            </a:solidFill>
+            <a:miter lim="800000"/>
+            <a:headEnd/>
+            <a:tailEnd/>
+          </a:ln>
+        </p:spPr>
+        <p:txBody>
+          <a:bodyPr wrap="none" anchor="ctr"/>
+          <a:lstStyle/>
+          <a:p>
+            <a:endParaRPr lang="zh-CN" altLang="en-US">
+              <a:ea typeface="宋体" pitchFamily="2" charset="-122"/>
+            </a:endParaRPr>
+          </a:p>
+        </p:txBody>
+      </p:sp>
+      <p:sp>
+        <p:nvSpPr>
+          <p:cNvPr id="36869" name="Rectangle 5"/>
+          <p:cNvSpPr>
+            <a:spLocks noChangeArrowheads="1"/>
+          </p:cNvSpPr>
+          <p:nvPr/>
+        </p:nvSpPr>
+        <p:spPr bwMode="auto">
+          <a:xfrm>
+            <a:off x="609600" y="1143000"/>
+            <a:ext cx="1905000" cy="2514600"/>
+          </a:xfrm>
+          <a:prstGeom prst="rect">
+            <a:avLst/>
+          </a:prstGeom>
+          <a:solidFill>
+            <a:srgbClr val="339966"/>
+          </a:solidFill>
+          <a:ln w="25400">
+            <a:solidFill>
+              <a:schemeClr val="tx1"/>
+            </a:solidFill>
+            <a:miter lim="800000"/>
+            <a:headEnd/>
+            <a:tailEnd/>
+          </a:ln>
+        </p:spPr>
+        <p:txBody>
+          <a:bodyPr wrap="none" anchor="ctr"/>
+          <a:lstStyle/>
+          <a:p>
+            <a:endParaRPr lang="zh-CN" altLang="en-US">
+              <a:ea typeface="宋体" pitchFamily="2" charset="-122"/>
+            </a:endParaRPr>
+          </a:p>
+        </p:txBody>
+      </p:sp>
+      <p:sp>
+        <p:nvSpPr>
+          <p:cNvPr id="36870" name="Rectangle 6"/>
+          <p:cNvSpPr>
+            <a:spLocks noChangeArrowheads="1"/>
+          </p:cNvSpPr>
+          <p:nvPr/>
+        </p:nvSpPr>
+        <p:spPr bwMode="auto">
+          <a:xfrm>
+            <a:off x="609600" y="1143000"/>
+            <a:ext cx="3733800" cy="3810000"/>
+          </a:xfrm>
+          <a:prstGeom prst="rect">
+            <a:avLst/>
+          </a:prstGeom>
+          <a:noFill/>
+          <a:ln w="25400">
+            <a:solidFill>
+              <a:schemeClr val="tx1"/>
+            </a:solidFill>
+            <a:miter lim="800000"/>
+            <a:headEnd/>
+            <a:tailEnd/>
+          </a:ln>
+        </p:spPr>
+        <p:txBody>
+          <a:bodyPr wrap="none" anchor="ctr"/>
+          <a:lstStyle/>
+          <a:p>
+            <a:endParaRPr lang="zh-CN" altLang="en-US">
+              <a:ea typeface="宋体" pitchFamily="2" charset="-122"/>
+            </a:endParaRPr>
+          </a:p>
+        </p:txBody>
+      </p:sp>
+      <p:sp>
+        <p:nvSpPr>
+          <p:cNvPr id="36871" name="Line 7"/>
+          <p:cNvSpPr>
+            <a:spLocks noChangeShapeType="1"/>
+          </p:cNvSpPr>
+          <p:nvPr/>
+        </p:nvSpPr>
+        <p:spPr bwMode="auto">
+          <a:xfrm>
+            <a:off x="609600" y="3657600"/>
+            <a:ext cx="3733800" cy="1588"/>
+          </a:xfrm>
+          <a:prstGeom prst="line">
+            <a:avLst/>
+          </a:prstGeom>
+          <a:noFill/>
+          <a:ln w="25400">
+            <a:solidFill>
+              <a:schemeClr val="tx1"/>
+            </a:solidFill>
+            <a:round/>
+            <a:headEnd/>
+            <a:tailEnd/>
+          </a:ln>
+        </p:spPr>
+        <p:txBody>
+          <a:bodyPr/>
+          <a:lstStyle/>
+          <a:p>
+            <a:endParaRPr lang="zh-CN" altLang="en-US"/>
+          </a:p>
+        </p:txBody>
+      </p:sp>
+      <p:sp>
+        <p:nvSpPr>
+          <p:cNvPr id="36872" name="Line 8"/>
+          <p:cNvSpPr>
+            <a:spLocks noChangeShapeType="1"/>
+          </p:cNvSpPr>
+          <p:nvPr/>
+        </p:nvSpPr>
+        <p:spPr bwMode="auto">
+          <a:xfrm>
+            <a:off x="609600" y="2971800"/>
+            <a:ext cx="3733800" cy="1588"/>
+          </a:xfrm>
+          <a:prstGeom prst="line">
+            <a:avLst/>
+          </a:prstGeom>
+          <a:noFill/>
+          <a:ln w="25400">
+            <a:solidFill>
+              <a:schemeClr val="tx1"/>
+            </a:solidFill>
+            <a:round/>
+            <a:headEnd/>
+            <a:tailEnd/>
+          </a:ln>
+        </p:spPr>
+        <p:txBody>
+          <a:bodyPr/>
+          <a:lstStyle/>
+          <a:p>
+            <a:endParaRPr lang="zh-CN" altLang="en-US"/>
+          </a:p>
+        </p:txBody>
+      </p:sp>
+      <p:sp>
+        <p:nvSpPr>
+          <p:cNvPr id="36873" name="Line 9"/>
+          <p:cNvSpPr>
+            <a:spLocks noChangeShapeType="1"/>
+          </p:cNvSpPr>
+          <p:nvPr/>
+        </p:nvSpPr>
+        <p:spPr bwMode="auto">
+          <a:xfrm flipH="1" flipV="1">
+            <a:off x="2514600" y="1143000"/>
+            <a:ext cx="0" cy="2514600"/>
+          </a:xfrm>
+          <a:prstGeom prst="line">
+            <a:avLst/>
+          </a:prstGeom>
+          <a:noFill/>
+          <a:ln w="38100">
+            <a:solidFill>
+              <a:schemeClr val="tx1"/>
+            </a:solidFill>
+            <a:round/>
+            <a:headEnd/>
+            <a:tailEnd/>
+          </a:ln>
+        </p:spPr>
+        <p:txBody>
+          <a:bodyPr/>
+          <a:lstStyle/>
+          <a:p>
+            <a:endParaRPr lang="zh-CN" altLang="en-US"/>
+          </a:p>
+        </p:txBody>
+      </p:sp>
+      <p:sp>
+        <p:nvSpPr>
+          <p:cNvPr id="36874" name="Line 10"/>
+          <p:cNvSpPr>
+            <a:spLocks noChangeShapeType="1"/>
+          </p:cNvSpPr>
+          <p:nvPr/>
+        </p:nvSpPr>
+        <p:spPr bwMode="auto">
+          <a:xfrm>
+            <a:off x="609600" y="2286000"/>
+            <a:ext cx="3733800" cy="1588"/>
+          </a:xfrm>
+          <a:prstGeom prst="line">
+            <a:avLst/>
+          </a:prstGeom>
+          <a:noFill/>
+          <a:ln w="25400">
+            <a:solidFill>
+              <a:schemeClr val="tx1"/>
+            </a:solidFill>
+            <a:round/>
+            <a:headEnd/>
+            <a:tailEnd/>
+          </a:ln>
+        </p:spPr>
+        <p:txBody>
+          <a:bodyPr/>
+          <a:lstStyle/>
+          <a:p>
+            <a:endParaRPr lang="zh-CN" altLang="en-US"/>
+          </a:p>
+        </p:txBody>
+      </p:sp>
+      <p:sp>
+        <p:nvSpPr>
+          <p:cNvPr id="36875" name="Text Box 11"/>
+          <p:cNvSpPr txBox="1">
+            <a:spLocks noChangeArrowheads="1"/>
+          </p:cNvSpPr>
+          <p:nvPr/>
+        </p:nvSpPr>
+        <p:spPr bwMode="auto">
+          <a:xfrm>
+            <a:off x="1905000" y="4114800"/>
+            <a:ext cx="1193800" cy="427038"/>
+          </a:xfrm>
+          <a:prstGeom prst="rect">
+            <a:avLst/>
+          </a:prstGeom>
+          <a:noFill/>
+          <a:ln w="25400">
+            <a:noFill/>
+            <a:miter lim="800000"/>
+            <a:headEnd/>
+            <a:tailEnd/>
+          </a:ln>
+        </p:spPr>
+        <p:txBody>
+          <a:bodyPr wrap="none">
+            <a:spAutoFit/>
+          </a:bodyPr>
+          <a:lstStyle/>
+          <a:p>
+            <a:r>
+              <a:rPr lang="en-US" altLang="zh-CN" sz="2200">
+                <a:ea typeface="宋体" pitchFamily="2" charset="-122"/>
+              </a:rPr>
+              <a:t>memory</a:t>
+            </a:r>
+          </a:p>
+        </p:txBody>
+      </p:sp>
+      <p:sp>
+        <p:nvSpPr>
+          <p:cNvPr id="36876" name="Text Box 12"/>
+          <p:cNvSpPr txBox="1">
+            <a:spLocks noChangeArrowheads="1"/>
+          </p:cNvSpPr>
+          <p:nvPr/>
+        </p:nvSpPr>
+        <p:spPr bwMode="auto">
+          <a:xfrm>
+            <a:off x="1066800" y="3124200"/>
+            <a:ext cx="1317625" cy="427038"/>
+          </a:xfrm>
+          <a:prstGeom prst="rect">
+            <a:avLst/>
+          </a:prstGeom>
+          <a:noFill/>
+          <a:ln w="25400">
+            <a:noFill/>
+            <a:miter lim="800000"/>
+            <a:headEnd/>
+            <a:tailEnd/>
+          </a:ln>
+        </p:spPr>
+        <p:txBody>
+          <a:bodyPr wrap="none">
+            <a:spAutoFit/>
+          </a:bodyPr>
+          <a:lstStyle/>
+          <a:p>
+            <a:r>
+              <a:rPr lang="en-US" altLang="zh-CN" sz="2200">
+                <a:ea typeface="宋体" pitchFamily="2" charset="-122"/>
+              </a:rPr>
+              <a:t>L2 cache</a:t>
+            </a:r>
+          </a:p>
+        </p:txBody>
+      </p:sp>
+      <p:sp>
+        <p:nvSpPr>
+          <p:cNvPr id="36877" name="Text Box 13"/>
+          <p:cNvSpPr txBox="1">
+            <a:spLocks noChangeArrowheads="1"/>
+          </p:cNvSpPr>
+          <p:nvPr/>
+        </p:nvSpPr>
+        <p:spPr bwMode="auto">
+          <a:xfrm>
+            <a:off x="1066800" y="2438400"/>
+            <a:ext cx="1317625" cy="427038"/>
+          </a:xfrm>
+          <a:prstGeom prst="rect">
+            <a:avLst/>
+          </a:prstGeom>
+          <a:noFill/>
+          <a:ln w="25400">
+            <a:noFill/>
+            <a:miter lim="800000"/>
+            <a:headEnd/>
+            <a:tailEnd/>
+          </a:ln>
+        </p:spPr>
+        <p:txBody>
+          <a:bodyPr wrap="none">
+            <a:spAutoFit/>
+          </a:bodyPr>
+          <a:lstStyle/>
+          <a:p>
+            <a:r>
+              <a:rPr lang="en-US" altLang="zh-CN" sz="2200">
+                <a:ea typeface="宋体" pitchFamily="2" charset="-122"/>
+              </a:rPr>
+              <a:t>L1 cache</a:t>
+            </a:r>
+          </a:p>
+        </p:txBody>
+      </p:sp>
+      <p:sp>
+        <p:nvSpPr>
+          <p:cNvPr id="36878" name="Text Box 14"/>
+          <p:cNvSpPr txBox="1">
+            <a:spLocks noChangeArrowheads="1"/>
+          </p:cNvSpPr>
+          <p:nvPr/>
+        </p:nvSpPr>
+        <p:spPr bwMode="auto">
+          <a:xfrm>
+            <a:off x="2895600" y="2438400"/>
+            <a:ext cx="1317625" cy="427038"/>
+          </a:xfrm>
+          <a:prstGeom prst="rect">
+            <a:avLst/>
+          </a:prstGeom>
+          <a:noFill/>
+          <a:ln w="25400">
+            <a:noFill/>
+            <a:miter lim="800000"/>
+            <a:headEnd/>
+            <a:tailEnd/>
+          </a:ln>
+        </p:spPr>
+        <p:txBody>
+          <a:bodyPr wrap="none">
+            <a:spAutoFit/>
+          </a:bodyPr>
+          <a:lstStyle/>
+          <a:p>
+            <a:r>
+              <a:rPr lang="en-US" altLang="zh-CN" sz="2200">
+                <a:ea typeface="宋体" pitchFamily="2" charset="-122"/>
+              </a:rPr>
+              <a:t>L1 cache</a:t>
+            </a:r>
+          </a:p>
+        </p:txBody>
+      </p:sp>
+      <p:sp>
+        <p:nvSpPr>
+          <p:cNvPr id="36879" name="Text Box 15"/>
+          <p:cNvSpPr txBox="1">
+            <a:spLocks noChangeArrowheads="1"/>
+          </p:cNvSpPr>
+          <p:nvPr/>
+        </p:nvSpPr>
+        <p:spPr bwMode="auto">
+          <a:xfrm rot="-5400000">
+            <a:off x="172244" y="1804194"/>
+            <a:ext cx="1457325" cy="427037"/>
+          </a:xfrm>
+          <a:prstGeom prst="rect">
+            <a:avLst/>
+          </a:prstGeom>
+          <a:noFill/>
+          <a:ln w="25400">
+            <a:noFill/>
+            <a:miter lim="800000"/>
+            <a:headEnd/>
+            <a:tailEnd/>
+          </a:ln>
+        </p:spPr>
+        <p:txBody>
+          <a:bodyPr wrap="none">
+            <a:spAutoFit/>
+          </a:bodyPr>
+          <a:lstStyle/>
+          <a:p>
+            <a:r>
+              <a:rPr lang="en-US" altLang="zh-CN" sz="2200" b="1">
+                <a:ea typeface="宋体" pitchFamily="2" charset="-122"/>
+              </a:rPr>
+              <a:t>C O R E 1</a:t>
+            </a:r>
+          </a:p>
+        </p:txBody>
+      </p:sp>
+      <p:sp>
+        <p:nvSpPr>
+          <p:cNvPr id="36880" name="Text Box 16"/>
+          <p:cNvSpPr txBox="1">
+            <a:spLocks noChangeArrowheads="1"/>
+          </p:cNvSpPr>
+          <p:nvPr/>
+        </p:nvSpPr>
+        <p:spPr bwMode="auto">
+          <a:xfrm rot="-5400000">
+            <a:off x="2077244" y="1804194"/>
+            <a:ext cx="1457325" cy="427037"/>
+          </a:xfrm>
+          <a:prstGeom prst="rect">
+            <a:avLst/>
+          </a:prstGeom>
+          <a:noFill/>
+          <a:ln w="25400">
+            <a:noFill/>
+            <a:miter lim="800000"/>
+            <a:headEnd/>
+            <a:tailEnd/>
+          </a:ln>
+        </p:spPr>
+        <p:txBody>
+          <a:bodyPr wrap="none">
+            <a:spAutoFit/>
+          </a:bodyPr>
+          <a:lstStyle/>
+          <a:p>
+            <a:r>
+              <a:rPr lang="en-US" altLang="zh-CN" sz="2200" b="1">
+                <a:ea typeface="宋体" pitchFamily="2" charset="-122"/>
+              </a:rPr>
+              <a:t>C O R E 0</a:t>
+            </a:r>
+          </a:p>
+        </p:txBody>
+      </p:sp>
+      <p:sp>
+        <p:nvSpPr>
+          <p:cNvPr id="36881" name="Text Box 26"/>
+          <p:cNvSpPr txBox="1">
+            <a:spLocks noChangeArrowheads="1"/>
+          </p:cNvSpPr>
+          <p:nvPr/>
+        </p:nvSpPr>
+        <p:spPr bwMode="auto">
+          <a:xfrm>
+            <a:off x="2895600" y="3124200"/>
+            <a:ext cx="1317625" cy="427038"/>
+          </a:xfrm>
+          <a:prstGeom prst="rect">
+            <a:avLst/>
+          </a:prstGeom>
+          <a:noFill/>
+          <a:ln w="25400">
+            <a:noFill/>
+            <a:miter lim="800000"/>
+            <a:headEnd/>
+            <a:tailEnd/>
+          </a:ln>
+        </p:spPr>
+        <p:txBody>
+          <a:bodyPr wrap="none">
+            <a:spAutoFit/>
+          </a:bodyPr>
+          <a:lstStyle/>
+          <a:p>
+            <a:r>
+              <a:rPr lang="en-US" altLang="zh-CN" sz="2200">
+                <a:ea typeface="宋体" pitchFamily="2" charset="-122"/>
+              </a:rPr>
+              <a:t>L2 cache</a:t>
+            </a:r>
+          </a:p>
+        </p:txBody>
+      </p:sp>
+      <p:sp>
+        <p:nvSpPr>
+          <p:cNvPr id="36882" name="Rectangle 27"/>
+          <p:cNvSpPr>
+            <a:spLocks noChangeArrowheads="1"/>
+          </p:cNvSpPr>
+          <p:nvPr/>
+        </p:nvSpPr>
+        <p:spPr bwMode="auto">
+          <a:xfrm>
+            <a:off x="6400800" y="1143000"/>
+            <a:ext cx="2209800" cy="3124200"/>
+          </a:xfrm>
+          <a:prstGeom prst="rect">
+            <a:avLst/>
+          </a:prstGeom>
+          <a:solidFill>
+            <a:srgbClr val="FF0000"/>
+          </a:solidFill>
+          <a:ln w="25400">
+            <a:solidFill>
+              <a:schemeClr val="tx1"/>
+            </a:solidFill>
+            <a:miter lim="800000"/>
+            <a:headEnd/>
+            <a:tailEnd/>
+          </a:ln>
+        </p:spPr>
+        <p:txBody>
+          <a:bodyPr wrap="none" anchor="ctr"/>
+          <a:lstStyle/>
+          <a:p>
+            <a:endParaRPr lang="zh-CN" altLang="en-US">
+              <a:ea typeface="宋体" pitchFamily="2" charset="-122"/>
+            </a:endParaRPr>
+          </a:p>
+        </p:txBody>
+      </p:sp>
+      <p:sp>
+        <p:nvSpPr>
+          <p:cNvPr id="36883" name="Rectangle 28"/>
+          <p:cNvSpPr>
+            <a:spLocks noChangeArrowheads="1"/>
+          </p:cNvSpPr>
+          <p:nvPr/>
+        </p:nvSpPr>
+        <p:spPr bwMode="auto">
+          <a:xfrm>
+            <a:off x="4876800" y="1143000"/>
+            <a:ext cx="1905000" cy="3124200"/>
+          </a:xfrm>
+          <a:prstGeom prst="rect">
+            <a:avLst/>
+          </a:prstGeom>
+          <a:solidFill>
+            <a:srgbClr val="339966"/>
+          </a:solidFill>
+          <a:ln w="25400">
+            <a:solidFill>
+              <a:schemeClr val="tx1"/>
+            </a:solidFill>
+            <a:miter lim="800000"/>
+            <a:headEnd/>
+            <a:tailEnd/>
+          </a:ln>
+        </p:spPr>
+        <p:txBody>
+          <a:bodyPr wrap="none" anchor="ctr"/>
+          <a:lstStyle/>
+          <a:p>
+            <a:endParaRPr lang="zh-CN" altLang="en-US">
+              <a:ea typeface="宋体" pitchFamily="2" charset="-122"/>
+            </a:endParaRPr>
+          </a:p>
+        </p:txBody>
+      </p:sp>
+      <p:sp>
+        <p:nvSpPr>
+          <p:cNvPr id="36884" name="Rectangle 29"/>
+          <p:cNvSpPr>
+            <a:spLocks noChangeArrowheads="1"/>
+          </p:cNvSpPr>
+          <p:nvPr/>
+        </p:nvSpPr>
+        <p:spPr bwMode="auto">
+          <a:xfrm>
+            <a:off x="4876800" y="1143000"/>
+            <a:ext cx="3733800" cy="4267200"/>
+          </a:xfrm>
+          <a:prstGeom prst="rect">
+            <a:avLst/>
+          </a:prstGeom>
+          <a:noFill/>
+          <a:ln w="25400">
+            <a:solidFill>
+              <a:schemeClr val="tx1"/>
+            </a:solidFill>
+            <a:miter lim="800000"/>
+            <a:headEnd/>
+            <a:tailEnd/>
+          </a:ln>
+        </p:spPr>
+        <p:txBody>
+          <a:bodyPr wrap="none" anchor="ctr"/>
+          <a:lstStyle/>
+          <a:p>
+            <a:endParaRPr lang="zh-CN" altLang="en-US">
+              <a:ea typeface="宋体" pitchFamily="2" charset="-122"/>
+            </a:endParaRPr>
+          </a:p>
+        </p:txBody>
+      </p:sp>
+      <p:sp>
+        <p:nvSpPr>
+          <p:cNvPr id="36885" name="Line 30"/>
+          <p:cNvSpPr>
+            <a:spLocks noChangeShapeType="1"/>
+          </p:cNvSpPr>
+          <p:nvPr/>
+        </p:nvSpPr>
+        <p:spPr bwMode="auto">
+          <a:xfrm>
+            <a:off x="4876800" y="3657600"/>
+            <a:ext cx="3733800" cy="1588"/>
+          </a:xfrm>
+          <a:prstGeom prst="line">
+            <a:avLst/>
+          </a:prstGeom>
+          <a:noFill/>
+          <a:ln w="25400">
+            <a:solidFill>
+              <a:schemeClr val="tx1"/>
+            </a:solidFill>
+            <a:round/>
+            <a:headEnd/>
+            <a:tailEnd/>
+          </a:ln>
+        </p:spPr>
+        <p:txBody>
+          <a:bodyPr/>
+          <a:lstStyle/>
+          <a:p>
+            <a:endParaRPr lang="zh-CN" altLang="en-US"/>
+          </a:p>
+        </p:txBody>
+      </p:sp>
+      <p:sp>
+        <p:nvSpPr>
+          <p:cNvPr id="36886" name="Line 31"/>
+          <p:cNvSpPr>
+            <a:spLocks noChangeShapeType="1"/>
+          </p:cNvSpPr>
+          <p:nvPr/>
+        </p:nvSpPr>
+        <p:spPr bwMode="auto">
+          <a:xfrm>
+            <a:off x="4876800" y="2971800"/>
+            <a:ext cx="3733800" cy="1588"/>
+          </a:xfrm>
+          <a:prstGeom prst="line">
+            <a:avLst/>
+          </a:prstGeom>
+          <a:noFill/>
+          <a:ln w="25400">
+            <a:solidFill>
+              <a:schemeClr val="tx1"/>
+            </a:solidFill>
+            <a:round/>
+            <a:headEnd/>
+            <a:tailEnd/>
+          </a:ln>
+        </p:spPr>
+        <p:txBody>
+          <a:bodyPr/>
+          <a:lstStyle/>
+          <a:p>
+            <a:endParaRPr lang="zh-CN" altLang="en-US"/>
+          </a:p>
+        </p:txBody>
+      </p:sp>
+      <p:sp>
+        <p:nvSpPr>
+          <p:cNvPr id="36887" name="Line 32"/>
+          <p:cNvSpPr>
+            <a:spLocks noChangeShapeType="1"/>
+          </p:cNvSpPr>
+          <p:nvPr/>
+        </p:nvSpPr>
+        <p:spPr bwMode="auto">
+          <a:xfrm flipH="1" flipV="1">
+            <a:off x="6781800" y="1143000"/>
+            <a:ext cx="0" cy="3124200"/>
+          </a:xfrm>
+          <a:prstGeom prst="line">
+            <a:avLst/>
+          </a:prstGeom>
+          <a:noFill/>
+          <a:ln w="38100">
+            <a:solidFill>
+              <a:schemeClr val="tx1"/>
+            </a:solidFill>
+            <a:round/>
+            <a:headEnd/>
+            <a:tailEnd/>
+          </a:ln>
+        </p:spPr>
+        <p:txBody>
+          <a:bodyPr/>
+          <a:lstStyle/>
+          <a:p>
+            <a:endParaRPr lang="zh-CN" altLang="en-US"/>
+          </a:p>
+        </p:txBody>
+      </p:sp>
+      <p:sp>
+        <p:nvSpPr>
+          <p:cNvPr id="36888" name="Line 33"/>
+          <p:cNvSpPr>
+            <a:spLocks noChangeShapeType="1"/>
+          </p:cNvSpPr>
+          <p:nvPr/>
+        </p:nvSpPr>
+        <p:spPr bwMode="auto">
+          <a:xfrm>
+            <a:off x="4876800" y="2286000"/>
+            <a:ext cx="3733800" cy="1588"/>
+          </a:xfrm>
+          <a:prstGeom prst="line">
+            <a:avLst/>
+          </a:prstGeom>
+          <a:noFill/>
+          <a:ln w="25400">
+            <a:solidFill>
+              <a:schemeClr val="tx1"/>
+            </a:solidFill>
+            <a:round/>
+            <a:headEnd/>
+            <a:tailEnd/>
+          </a:ln>
+        </p:spPr>
+        <p:txBody>
+          <a:bodyPr/>
+          <a:lstStyle/>
+          <a:p>
+            <a:endParaRPr lang="zh-CN" altLang="en-US"/>
+          </a:p>
+        </p:txBody>
+      </p:sp>
+      <p:sp>
+        <p:nvSpPr>
+          <p:cNvPr id="36889" name="Text Box 34"/>
+          <p:cNvSpPr txBox="1">
+            <a:spLocks noChangeArrowheads="1"/>
+          </p:cNvSpPr>
+          <p:nvPr/>
+        </p:nvSpPr>
+        <p:spPr bwMode="auto">
+          <a:xfrm>
+            <a:off x="6096000" y="4648200"/>
+            <a:ext cx="1193800" cy="427038"/>
+          </a:xfrm>
+          <a:prstGeom prst="rect">
+            <a:avLst/>
+          </a:prstGeom>
+          <a:noFill/>
+          <a:ln w="25400">
+            <a:noFill/>
+            <a:miter lim="800000"/>
+            <a:headEnd/>
+            <a:tailEnd/>
+          </a:ln>
+        </p:spPr>
+        <p:txBody>
+          <a:bodyPr wrap="none">
+            <a:spAutoFit/>
+          </a:bodyPr>
+          <a:lstStyle/>
+          <a:p>
+            <a:r>
+              <a:rPr lang="en-US" altLang="zh-CN" sz="2200">
+                <a:ea typeface="宋体" pitchFamily="2" charset="-122"/>
+              </a:rPr>
+              <a:t>memory</a:t>
+            </a:r>
+          </a:p>
+        </p:txBody>
+      </p:sp>
+      <p:sp>
+        <p:nvSpPr>
+          <p:cNvPr id="36890" name="Text Box 35"/>
+          <p:cNvSpPr txBox="1">
+            <a:spLocks noChangeArrowheads="1"/>
+          </p:cNvSpPr>
+          <p:nvPr/>
+        </p:nvSpPr>
+        <p:spPr bwMode="auto">
+          <a:xfrm>
+            <a:off x="5334000" y="3124200"/>
+            <a:ext cx="1317625" cy="427038"/>
+          </a:xfrm>
+          <a:prstGeom prst="rect">
+            <a:avLst/>
+          </a:prstGeom>
+          <a:noFill/>
+          <a:ln w="25400">
+            <a:noFill/>
+            <a:miter lim="800000"/>
+            <a:headEnd/>
+            <a:tailEnd/>
+          </a:ln>
+        </p:spPr>
+        <p:txBody>
+          <a:bodyPr wrap="none">
+            <a:spAutoFit/>
+          </a:bodyPr>
+          <a:lstStyle/>
+          <a:p>
+            <a:r>
+              <a:rPr lang="en-US" altLang="zh-CN" sz="2200">
+                <a:ea typeface="宋体" pitchFamily="2" charset="-122"/>
+              </a:rPr>
+              <a:t>L2 cache</a:t>
+            </a:r>
+          </a:p>
+        </p:txBody>
+      </p:sp>
+      <p:sp>
+        <p:nvSpPr>
+          <p:cNvPr id="36891" name="Text Box 36"/>
+          <p:cNvSpPr txBox="1">
+            <a:spLocks noChangeArrowheads="1"/>
+          </p:cNvSpPr>
+          <p:nvPr/>
+        </p:nvSpPr>
+        <p:spPr bwMode="auto">
+          <a:xfrm>
+            <a:off x="5334000" y="2438400"/>
+            <a:ext cx="1317625" cy="427038"/>
+          </a:xfrm>
+          <a:prstGeom prst="rect">
+            <a:avLst/>
+          </a:prstGeom>
+          <a:noFill/>
+          <a:ln w="25400">
+            <a:noFill/>
+            <a:miter lim="800000"/>
+            <a:headEnd/>
+            <a:tailEnd/>
+          </a:ln>
+        </p:spPr>
+        <p:txBody>
+          <a:bodyPr wrap="none">
+            <a:spAutoFit/>
+          </a:bodyPr>
+          <a:lstStyle/>
+          <a:p>
+            <a:r>
+              <a:rPr lang="en-US" altLang="zh-CN" sz="2200">
+                <a:ea typeface="宋体" pitchFamily="2" charset="-122"/>
+              </a:rPr>
+              <a:t>L1 cache</a:t>
+            </a:r>
+          </a:p>
+        </p:txBody>
+      </p:sp>
+      <p:sp>
+        <p:nvSpPr>
+          <p:cNvPr id="36892" name="Text Box 37"/>
+          <p:cNvSpPr txBox="1">
+            <a:spLocks noChangeArrowheads="1"/>
+          </p:cNvSpPr>
+          <p:nvPr/>
+        </p:nvSpPr>
+        <p:spPr bwMode="auto">
+          <a:xfrm>
+            <a:off x="7162800" y="2438400"/>
+            <a:ext cx="1317625" cy="427038"/>
+          </a:xfrm>
+          <a:prstGeom prst="rect">
+            <a:avLst/>
+          </a:prstGeom>
+          <a:noFill/>
+          <a:ln w="25400">
+            <a:noFill/>
+            <a:miter lim="800000"/>
+            <a:headEnd/>
+            <a:tailEnd/>
+          </a:ln>
+        </p:spPr>
+        <p:txBody>
+          <a:bodyPr wrap="none">
+            <a:spAutoFit/>
+          </a:bodyPr>
+          <a:lstStyle/>
+          <a:p>
+            <a:r>
+              <a:rPr lang="en-US" altLang="zh-CN" sz="2200">
+                <a:ea typeface="宋体" pitchFamily="2" charset="-122"/>
+              </a:rPr>
+              <a:t>L1 cache</a:t>
+            </a:r>
+          </a:p>
+        </p:txBody>
+      </p:sp>
+      <p:sp>
+        <p:nvSpPr>
+          <p:cNvPr id="36893" name="Text Box 38"/>
+          <p:cNvSpPr txBox="1">
+            <a:spLocks noChangeArrowheads="1"/>
+          </p:cNvSpPr>
+          <p:nvPr/>
+        </p:nvSpPr>
+        <p:spPr bwMode="auto">
+          <a:xfrm rot="-5400000">
+            <a:off x="4439444" y="1804194"/>
+            <a:ext cx="1457325" cy="427037"/>
+          </a:xfrm>
+          <a:prstGeom prst="rect">
+            <a:avLst/>
+          </a:prstGeom>
+          <a:noFill/>
+          <a:ln w="25400">
+            <a:noFill/>
+            <a:miter lim="800000"/>
+            <a:headEnd/>
+            <a:tailEnd/>
+          </a:ln>
+        </p:spPr>
+        <p:txBody>
+          <a:bodyPr wrap="none">
+            <a:spAutoFit/>
+          </a:bodyPr>
+          <a:lstStyle/>
+          <a:p>
+            <a:r>
+              <a:rPr lang="en-US" altLang="zh-CN" sz="2200" b="1">
+                <a:ea typeface="宋体" pitchFamily="2" charset="-122"/>
+              </a:rPr>
+              <a:t>C O R E 1</a:t>
+            </a:r>
+          </a:p>
+        </p:txBody>
+      </p:sp>
+      <p:sp>
+        <p:nvSpPr>
+          <p:cNvPr id="36894" name="Text Box 39"/>
+          <p:cNvSpPr txBox="1">
+            <a:spLocks noChangeArrowheads="1"/>
+          </p:cNvSpPr>
+          <p:nvPr/>
+        </p:nvSpPr>
+        <p:spPr bwMode="auto">
+          <a:xfrm rot="-5400000">
+            <a:off x="6344444" y="1804194"/>
+            <a:ext cx="1457325" cy="427037"/>
+          </a:xfrm>
+          <a:prstGeom prst="rect">
+            <a:avLst/>
+          </a:prstGeom>
+          <a:noFill/>
+          <a:ln w="25400">
+            <a:noFill/>
+            <a:miter lim="800000"/>
+            <a:headEnd/>
+            <a:tailEnd/>
+          </a:ln>
+        </p:spPr>
+        <p:txBody>
+          <a:bodyPr wrap="none">
+            <a:spAutoFit/>
+          </a:bodyPr>
+          <a:lstStyle/>
+          <a:p>
+            <a:r>
+              <a:rPr lang="en-US" altLang="zh-CN" sz="2200" b="1">
+                <a:ea typeface="宋体" pitchFamily="2" charset="-122"/>
+              </a:rPr>
+              <a:t>C O R E 0</a:t>
+            </a:r>
+          </a:p>
+        </p:txBody>
+      </p:sp>
+      <p:sp>
+        <p:nvSpPr>
+          <p:cNvPr id="36895" name="Text Box 40"/>
+          <p:cNvSpPr txBox="1">
+            <a:spLocks noChangeArrowheads="1"/>
+          </p:cNvSpPr>
+          <p:nvPr/>
+        </p:nvSpPr>
+        <p:spPr bwMode="auto">
+          <a:xfrm>
+            <a:off x="7086600" y="3124200"/>
+            <a:ext cx="1317625" cy="427038"/>
+          </a:xfrm>
+          <a:prstGeom prst="rect">
+            <a:avLst/>
+          </a:prstGeom>
+          <a:noFill/>
+          <a:ln w="25400">
+            <a:noFill/>
+            <a:miter lim="800000"/>
+            <a:headEnd/>
+            <a:tailEnd/>
+          </a:ln>
+        </p:spPr>
+        <p:txBody>
+          <a:bodyPr wrap="none">
+            <a:spAutoFit/>
+          </a:bodyPr>
+          <a:lstStyle/>
+          <a:p>
+            <a:r>
+              <a:rPr lang="en-US" altLang="zh-CN" sz="2200">
+                <a:ea typeface="宋体" pitchFamily="2" charset="-122"/>
+              </a:rPr>
+              <a:t>L2 cache</a:t>
+            </a:r>
+          </a:p>
+        </p:txBody>
+      </p:sp>
+      <p:sp>
+        <p:nvSpPr>
+          <p:cNvPr id="36896" name="Text Box 41"/>
+          <p:cNvSpPr txBox="1">
+            <a:spLocks noChangeArrowheads="1"/>
+          </p:cNvSpPr>
+          <p:nvPr/>
+        </p:nvSpPr>
+        <p:spPr bwMode="auto">
+          <a:xfrm>
+            <a:off x="838200" y="5181600"/>
+            <a:ext cx="3416300" cy="1616075"/>
+          </a:xfrm>
+          <a:prstGeom prst="rect">
+            <a:avLst/>
+          </a:prstGeom>
+          <a:noFill/>
+          <a:ln w="25400">
+            <a:noFill/>
+            <a:miter lim="800000"/>
+            <a:headEnd/>
+            <a:tailEnd/>
+          </a:ln>
+        </p:spPr>
+        <p:txBody>
+          <a:bodyPr wrap="none">
+            <a:spAutoFit/>
+          </a:bodyPr>
+          <a:lstStyle/>
+          <a:p>
+            <a:r>
+              <a:rPr lang="en-US" altLang="zh-CN" sz="2000">
+                <a:ea typeface="宋体" pitchFamily="2" charset="-122"/>
+              </a:rPr>
+              <a:t>Both L1 and L2 are private</a:t>
+            </a:r>
+            <a:br>
+              <a:rPr lang="en-US" altLang="zh-CN" sz="2000">
+                <a:ea typeface="宋体" pitchFamily="2" charset="-122"/>
+              </a:rPr>
+            </a:br>
+            <a:endParaRPr lang="en-US" altLang="zh-CN" sz="2000">
+              <a:ea typeface="宋体" pitchFamily="2" charset="-122"/>
+            </a:endParaRPr>
+          </a:p>
+          <a:p>
+            <a:r>
+              <a:rPr lang="en-US" altLang="zh-CN" sz="2000">
+                <a:ea typeface="宋体" pitchFamily="2" charset="-122"/>
+              </a:rPr>
+              <a:t>Examples: AMD Opteron, </a:t>
+            </a:r>
+            <a:br>
+              <a:rPr lang="en-US" altLang="zh-CN" sz="2000">
+                <a:ea typeface="宋体" pitchFamily="2" charset="-122"/>
+              </a:rPr>
+            </a:br>
+            <a:r>
+              <a:rPr lang="en-US" altLang="zh-CN" sz="2000">
+                <a:ea typeface="宋体" pitchFamily="2" charset="-122"/>
+              </a:rPr>
+              <a:t>AMD Athlon, Intel Pentium D</a:t>
+            </a:r>
+          </a:p>
+          <a:p>
+            <a:endParaRPr lang="en-US" altLang="zh-CN" sz="2000">
+              <a:ea typeface="宋体" pitchFamily="2" charset="-122"/>
+            </a:endParaRPr>
+          </a:p>
+        </p:txBody>
+      </p:sp>
+      <p:sp>
+        <p:nvSpPr>
+          <p:cNvPr id="36897" name="Text Box 42"/>
+          <p:cNvSpPr txBox="1">
+            <a:spLocks noChangeArrowheads="1"/>
+          </p:cNvSpPr>
+          <p:nvPr/>
+        </p:nvSpPr>
+        <p:spPr bwMode="auto">
+          <a:xfrm>
+            <a:off x="5334000" y="3733800"/>
+            <a:ext cx="1317625" cy="427038"/>
+          </a:xfrm>
+          <a:prstGeom prst="rect">
+            <a:avLst/>
+          </a:prstGeom>
+          <a:noFill/>
+          <a:ln w="25400">
+            <a:noFill/>
+            <a:miter lim="800000"/>
+            <a:headEnd/>
+            <a:tailEnd/>
+          </a:ln>
+        </p:spPr>
+        <p:txBody>
+          <a:bodyPr wrap="none">
+            <a:spAutoFit/>
+          </a:bodyPr>
+          <a:lstStyle/>
+          <a:p>
+            <a:r>
+              <a:rPr lang="en-US" altLang="zh-CN" sz="2200">
+                <a:ea typeface="宋体" pitchFamily="2" charset="-122"/>
+              </a:rPr>
+              <a:t>L3 cache</a:t>
+            </a:r>
+          </a:p>
+        </p:txBody>
+      </p:sp>
+      <p:sp>
+        <p:nvSpPr>
+          <p:cNvPr id="36898" name="Line 43"/>
+          <p:cNvSpPr>
+            <a:spLocks noChangeShapeType="1"/>
+          </p:cNvSpPr>
+          <p:nvPr/>
+        </p:nvSpPr>
+        <p:spPr bwMode="auto">
+          <a:xfrm>
+            <a:off x="4876800" y="4267200"/>
+            <a:ext cx="3733800" cy="1588"/>
+          </a:xfrm>
+          <a:prstGeom prst="line">
+            <a:avLst/>
+          </a:prstGeom>
+          <a:noFill/>
+          <a:ln w="25400">
+            <a:solidFill>
+              <a:schemeClr val="tx1"/>
+            </a:solidFill>
+            <a:round/>
+            <a:headEnd/>
+            <a:tailEnd/>
+          </a:ln>
+        </p:spPr>
+        <p:txBody>
+          <a:bodyPr/>
+          <a:lstStyle/>
+          <a:p>
+            <a:endParaRPr lang="zh-CN" altLang="en-US"/>
+          </a:p>
+        </p:txBody>
+      </p:sp>
+      <p:sp>
+        <p:nvSpPr>
+          <p:cNvPr id="36899" name="Text Box 44"/>
+          <p:cNvSpPr txBox="1">
+            <a:spLocks noChangeArrowheads="1"/>
+          </p:cNvSpPr>
+          <p:nvPr/>
+        </p:nvSpPr>
+        <p:spPr bwMode="auto">
+          <a:xfrm>
+            <a:off x="7086600" y="3733800"/>
+            <a:ext cx="1317625" cy="427038"/>
+          </a:xfrm>
+          <a:prstGeom prst="rect">
+            <a:avLst/>
+          </a:prstGeom>
+          <a:noFill/>
+          <a:ln w="25400">
+            <a:noFill/>
+            <a:miter lim="800000"/>
+            <a:headEnd/>
+            <a:tailEnd/>
+          </a:ln>
+        </p:spPr>
+        <p:txBody>
+          <a:bodyPr wrap="none">
+            <a:spAutoFit/>
+          </a:bodyPr>
+          <a:lstStyle/>
+          <a:p>
+            <a:r>
+              <a:rPr lang="en-US" altLang="zh-CN" sz="2200">
+                <a:ea typeface="宋体" pitchFamily="2" charset="-122"/>
+              </a:rPr>
+              <a:t>L3 cache</a:t>
+            </a:r>
+          </a:p>
+        </p:txBody>
+      </p:sp>
+      <p:sp>
+        <p:nvSpPr>
+          <p:cNvPr id="36900" name="Text Box 45"/>
+          <p:cNvSpPr txBox="1">
+            <a:spLocks noChangeArrowheads="1"/>
+          </p:cNvSpPr>
+          <p:nvPr/>
+        </p:nvSpPr>
+        <p:spPr bwMode="auto">
+          <a:xfrm>
+            <a:off x="5257800" y="5562600"/>
+            <a:ext cx="2922588" cy="1006475"/>
+          </a:xfrm>
+          <a:prstGeom prst="rect">
+            <a:avLst/>
+          </a:prstGeom>
+          <a:noFill/>
+          <a:ln w="25400">
+            <a:noFill/>
+            <a:miter lim="800000"/>
+            <a:headEnd/>
+            <a:tailEnd/>
+          </a:ln>
+        </p:spPr>
+        <p:txBody>
+          <a:bodyPr wrap="none">
+            <a:spAutoFit/>
+          </a:bodyPr>
+          <a:lstStyle/>
+          <a:p>
+            <a:r>
+              <a:rPr lang="en-US" altLang="zh-CN" sz="2000">
+                <a:ea typeface="宋体" pitchFamily="2" charset="-122"/>
+              </a:rPr>
+              <a:t>A design with L3 caches</a:t>
+            </a:r>
+            <a:br>
+              <a:rPr lang="en-US" altLang="zh-CN" sz="2000">
+                <a:ea typeface="宋体" pitchFamily="2" charset="-122"/>
+              </a:rPr>
+            </a:br>
+            <a:br>
+              <a:rPr lang="en-US" altLang="zh-CN" sz="2000">
+                <a:ea typeface="宋体" pitchFamily="2" charset="-122"/>
+              </a:rPr>
+            </a:br>
+            <a:r>
+              <a:rPr lang="en-US" altLang="zh-CN" sz="2000">
+                <a:ea typeface="宋体" pitchFamily="2" charset="-122"/>
+              </a:rPr>
+              <a:t>Example: Intel Itanium 2</a:t>
+            </a:r>
+          </a:p>
+        </p:txBody>
+      </p:sp>
+    </p:spTree>
+  </p:cSld>
+  <p:clrMapOvr>
+    <a:masterClrMapping/>
+  </p:clrMapOvr>
+</p:sld>
+</file>
+
 <file path=ppt/slides/slide14.xml><?xml version="1.0" encoding="utf-8"?>
 <p:sld xmlns:a="http://schemas.openxmlformats.org/drawingml/2006/main" xmlns:r="http://schemas.openxmlformats.org/officeDocument/2006/relationships" xmlns:p="http://schemas.openxmlformats.org/presentationml/2006/main">
   <p:cSld>
@@ -10235,7 +11412,7 @@
       </p:grpSpPr>
       <p:sp>
         <p:nvSpPr>
-          <p:cNvPr id="36866" name="Slide Number Placeholder 5"/>
+          <p:cNvPr id="38914" name="Slide Number Placeholder 5"/>
           <p:cNvSpPr>
             <a:spLocks noGrp="1"/>
           </p:cNvSpPr>
@@ -10250,7 +11427,7 @@
           <a:bodyPr/>
           <a:lstStyle/>
           <a:p>
-            <a:fld id="{4014C21D-7833-4C7C-A601-6917004E4E92}" type="slidenum">
+            <a:fld id="{A7A512D0-6F38-4FF5-A5EB-E3C8599F59E6}" type="slidenum">
               <a:rPr lang="en-US" altLang="zh-CN">
                 <a:ea typeface="宋体" pitchFamily="2" charset="-122"/>
               </a:rPr>
@@ -10265,7 +11442,7 @@
       </p:sp>
       <p:sp>
         <p:nvSpPr>
-          <p:cNvPr id="36867" name="Rectangle 2"/>
+          <p:cNvPr id="38915" name="Rectangle 2"/>
           <p:cNvSpPr>
             <a:spLocks noGrp="1" noChangeArrowheads="1"/>
           </p:cNvSpPr>
@@ -10273,1302 +11450,94 @@
             <p:ph type="title"/>
           </p:nvPr>
         </p:nvSpPr>
+        <p:spPr/>
+        <p:txBody>
+          <a:bodyPr/>
+          <a:lstStyle/>
+          <a:p>
+            <a:pPr eaLnBrk="1" hangingPunct="1"/>
+            <a:r>
+              <a:rPr lang="en-US" altLang="zh-CN">
+                <a:ea typeface="宋体" pitchFamily="2" charset="-122"/>
+              </a:rPr>
+              <a:t>Private vs shared caches</a:t>
+            </a:r>
+          </a:p>
+        </p:txBody>
+      </p:sp>
+      <p:sp>
+        <p:nvSpPr>
+          <p:cNvPr id="38916" name="Rectangle 3"/>
+          <p:cNvSpPr>
+            <a:spLocks noGrp="1" noChangeArrowheads="1"/>
+          </p:cNvSpPr>
+          <p:nvPr>
+            <p:ph type="body" idx="1"/>
+          </p:nvPr>
+        </p:nvSpPr>
         <p:spPr>
           <a:xfrm>
-            <a:off x="457200" y="76200"/>
-            <a:ext cx="8229600" cy="1143000"/>
-          </a:xfrm>
-        </p:spPr>
-        <p:txBody>
-          <a:bodyPr/>
+            <a:off x="457200" y="1600200"/>
+            <a:ext cx="8229600" cy="5121275"/>
+          </a:xfrm>
+        </p:spPr>
+        <p:txBody>
+          <a:bodyPr>
+            <a:normAutofit fontScale="92500"/>
+          </a:bodyPr>
           <a:lstStyle/>
           <a:p>
             <a:pPr eaLnBrk="1" hangingPunct="1"/>
             <a:r>
-              <a:rPr lang="en-US" altLang="zh-CN" sz="4000">
-                <a:ea typeface="宋体" pitchFamily="2" charset="-122"/>
-              </a:rPr>
-              <a:t>Designs with private L2 caches</a:t>
-            </a:r>
-          </a:p>
-        </p:txBody>
-      </p:sp>
-      <p:sp>
-        <p:nvSpPr>
-          <p:cNvPr id="36868" name="Rectangle 4"/>
-          <p:cNvSpPr>
-            <a:spLocks noChangeArrowheads="1"/>
-          </p:cNvSpPr>
-          <p:nvPr/>
-        </p:nvSpPr>
-        <p:spPr bwMode="auto">
-          <a:xfrm>
-            <a:off x="2133600" y="1143000"/>
-            <a:ext cx="2209800" cy="2514600"/>
-          </a:xfrm>
-          <a:prstGeom prst="rect">
-            <a:avLst/>
-          </a:prstGeom>
-          <a:solidFill>
-            <a:srgbClr val="FF0000"/>
-          </a:solidFill>
-          <a:ln w="25400">
-            <a:solidFill>
-              <a:schemeClr val="tx1"/>
-            </a:solidFill>
-            <a:miter lim="800000"/>
-            <a:headEnd/>
-            <a:tailEnd/>
-          </a:ln>
-        </p:spPr>
-        <p:txBody>
-          <a:bodyPr wrap="none" anchor="ctr"/>
-          <a:lstStyle/>
-          <a:p>
-            <a:endParaRPr lang="zh-CN" altLang="en-US">
-              <a:ea typeface="宋体" pitchFamily="2" charset="-122"/>
-            </a:endParaRPr>
-          </a:p>
-        </p:txBody>
-      </p:sp>
-      <p:sp>
-        <p:nvSpPr>
-          <p:cNvPr id="36869" name="Rectangle 5"/>
-          <p:cNvSpPr>
-            <a:spLocks noChangeArrowheads="1"/>
-          </p:cNvSpPr>
-          <p:nvPr/>
-        </p:nvSpPr>
-        <p:spPr bwMode="auto">
-          <a:xfrm>
-            <a:off x="609600" y="1143000"/>
-            <a:ext cx="1905000" cy="2514600"/>
-          </a:xfrm>
-          <a:prstGeom prst="rect">
-            <a:avLst/>
-          </a:prstGeom>
-          <a:solidFill>
-            <a:srgbClr val="339966"/>
-          </a:solidFill>
-          <a:ln w="25400">
-            <a:solidFill>
-              <a:schemeClr val="tx1"/>
-            </a:solidFill>
-            <a:miter lim="800000"/>
-            <a:headEnd/>
-            <a:tailEnd/>
-          </a:ln>
-        </p:spPr>
-        <p:txBody>
-          <a:bodyPr wrap="none" anchor="ctr"/>
-          <a:lstStyle/>
-          <a:p>
-            <a:endParaRPr lang="zh-CN" altLang="en-US">
-              <a:ea typeface="宋体" pitchFamily="2" charset="-122"/>
-            </a:endParaRPr>
-          </a:p>
-        </p:txBody>
-      </p:sp>
-      <p:sp>
-        <p:nvSpPr>
-          <p:cNvPr id="36870" name="Rectangle 6"/>
-          <p:cNvSpPr>
-            <a:spLocks noChangeArrowheads="1"/>
-          </p:cNvSpPr>
-          <p:nvPr/>
-        </p:nvSpPr>
-        <p:spPr bwMode="auto">
-          <a:xfrm>
-            <a:off x="609600" y="1143000"/>
-            <a:ext cx="3733800" cy="3810000"/>
-          </a:xfrm>
-          <a:prstGeom prst="rect">
-            <a:avLst/>
-          </a:prstGeom>
-          <a:noFill/>
-          <a:ln w="25400">
-            <a:solidFill>
-              <a:schemeClr val="tx1"/>
-            </a:solidFill>
-            <a:miter lim="800000"/>
-            <a:headEnd/>
-            <a:tailEnd/>
-          </a:ln>
-        </p:spPr>
-        <p:txBody>
-          <a:bodyPr wrap="none" anchor="ctr"/>
-          <a:lstStyle/>
-          <a:p>
-            <a:endParaRPr lang="zh-CN" altLang="en-US">
-              <a:ea typeface="宋体" pitchFamily="2" charset="-122"/>
-            </a:endParaRPr>
-          </a:p>
-        </p:txBody>
-      </p:sp>
-      <p:sp>
-        <p:nvSpPr>
-          <p:cNvPr id="36871" name="Line 7"/>
-          <p:cNvSpPr>
-            <a:spLocks noChangeShapeType="1"/>
-          </p:cNvSpPr>
-          <p:nvPr/>
-        </p:nvSpPr>
-        <p:spPr bwMode="auto">
-          <a:xfrm>
-            <a:off x="609600" y="3657600"/>
-            <a:ext cx="3733800" cy="1588"/>
-          </a:xfrm>
-          <a:prstGeom prst="line">
-            <a:avLst/>
-          </a:prstGeom>
-          <a:noFill/>
-          <a:ln w="25400">
-            <a:solidFill>
-              <a:schemeClr val="tx1"/>
-            </a:solidFill>
-            <a:round/>
-            <a:headEnd/>
-            <a:tailEnd/>
-          </a:ln>
-        </p:spPr>
-        <p:txBody>
-          <a:bodyPr/>
-          <a:lstStyle/>
-          <a:p>
-            <a:endParaRPr lang="zh-CN" altLang="en-US"/>
-          </a:p>
-        </p:txBody>
-      </p:sp>
-      <p:sp>
-        <p:nvSpPr>
-          <p:cNvPr id="36872" name="Line 8"/>
-          <p:cNvSpPr>
-            <a:spLocks noChangeShapeType="1"/>
-          </p:cNvSpPr>
-          <p:nvPr/>
-        </p:nvSpPr>
-        <p:spPr bwMode="auto">
-          <a:xfrm>
-            <a:off x="609600" y="2971800"/>
-            <a:ext cx="3733800" cy="1588"/>
-          </a:xfrm>
-          <a:prstGeom prst="line">
-            <a:avLst/>
-          </a:prstGeom>
-          <a:noFill/>
-          <a:ln w="25400">
-            <a:solidFill>
-              <a:schemeClr val="tx1"/>
-            </a:solidFill>
-            <a:round/>
-            <a:headEnd/>
-            <a:tailEnd/>
-          </a:ln>
-        </p:spPr>
-        <p:txBody>
-          <a:bodyPr/>
-          <a:lstStyle/>
-          <a:p>
-            <a:endParaRPr lang="zh-CN" altLang="en-US"/>
-          </a:p>
-        </p:txBody>
-      </p:sp>
-      <p:sp>
-        <p:nvSpPr>
-          <p:cNvPr id="36873" name="Line 9"/>
-          <p:cNvSpPr>
-            <a:spLocks noChangeShapeType="1"/>
-          </p:cNvSpPr>
-          <p:nvPr/>
-        </p:nvSpPr>
-        <p:spPr bwMode="auto">
-          <a:xfrm flipH="1" flipV="1">
-            <a:off x="2514600" y="1143000"/>
-            <a:ext cx="0" cy="2514600"/>
-          </a:xfrm>
-          <a:prstGeom prst="line">
-            <a:avLst/>
-          </a:prstGeom>
-          <a:noFill/>
-          <a:ln w="38100">
-            <a:solidFill>
-              <a:schemeClr val="tx1"/>
-            </a:solidFill>
-            <a:round/>
-            <a:headEnd/>
-            <a:tailEnd/>
-          </a:ln>
-        </p:spPr>
-        <p:txBody>
-          <a:bodyPr/>
-          <a:lstStyle/>
-          <a:p>
-            <a:endParaRPr lang="zh-CN" altLang="en-US"/>
-          </a:p>
-        </p:txBody>
-      </p:sp>
-      <p:sp>
-        <p:nvSpPr>
-          <p:cNvPr id="36874" name="Line 10"/>
-          <p:cNvSpPr>
-            <a:spLocks noChangeShapeType="1"/>
-          </p:cNvSpPr>
-          <p:nvPr/>
-        </p:nvSpPr>
-        <p:spPr bwMode="auto">
-          <a:xfrm>
-            <a:off x="609600" y="2286000"/>
-            <a:ext cx="3733800" cy="1588"/>
-          </a:xfrm>
-          <a:prstGeom prst="line">
-            <a:avLst/>
-          </a:prstGeom>
-          <a:noFill/>
-          <a:ln w="25400">
-            <a:solidFill>
-              <a:schemeClr val="tx1"/>
-            </a:solidFill>
-            <a:round/>
-            <a:headEnd/>
-            <a:tailEnd/>
-          </a:ln>
-        </p:spPr>
-        <p:txBody>
-          <a:bodyPr/>
-          <a:lstStyle/>
-          <a:p>
-            <a:endParaRPr lang="zh-CN" altLang="en-US"/>
-          </a:p>
-        </p:txBody>
-      </p:sp>
-      <p:sp>
-        <p:nvSpPr>
-          <p:cNvPr id="36875" name="Text Box 11"/>
-          <p:cNvSpPr txBox="1">
-            <a:spLocks noChangeArrowheads="1"/>
-          </p:cNvSpPr>
-          <p:nvPr/>
-        </p:nvSpPr>
-        <p:spPr bwMode="auto">
-          <a:xfrm>
-            <a:off x="1905000" y="4114800"/>
-            <a:ext cx="1193800" cy="427038"/>
-          </a:xfrm>
-          <a:prstGeom prst="rect">
-            <a:avLst/>
-          </a:prstGeom>
-          <a:noFill/>
-          <a:ln w="25400">
-            <a:noFill/>
-            <a:miter lim="800000"/>
-            <a:headEnd/>
-            <a:tailEnd/>
-          </a:ln>
-        </p:spPr>
-        <p:txBody>
-          <a:bodyPr wrap="none">
-            <a:spAutoFit/>
-          </a:bodyPr>
-          <a:lstStyle/>
-          <a:p>
-            <a:r>
-              <a:rPr lang="en-US" altLang="zh-CN" sz="2200">
-                <a:ea typeface="宋体" pitchFamily="2" charset="-122"/>
-              </a:rPr>
-              <a:t>memory</a:t>
-            </a:r>
-          </a:p>
-        </p:txBody>
-      </p:sp>
-      <p:sp>
-        <p:nvSpPr>
-          <p:cNvPr id="36876" name="Text Box 12"/>
-          <p:cNvSpPr txBox="1">
-            <a:spLocks noChangeArrowheads="1"/>
-          </p:cNvSpPr>
-          <p:nvPr/>
-        </p:nvSpPr>
-        <p:spPr bwMode="auto">
-          <a:xfrm>
-            <a:off x="1066800" y="3124200"/>
-            <a:ext cx="1317625" cy="427038"/>
-          </a:xfrm>
-          <a:prstGeom prst="rect">
-            <a:avLst/>
-          </a:prstGeom>
-          <a:noFill/>
-          <a:ln w="25400">
-            <a:noFill/>
-            <a:miter lim="800000"/>
-            <a:headEnd/>
-            <a:tailEnd/>
-          </a:ln>
-        </p:spPr>
-        <p:txBody>
-          <a:bodyPr wrap="none">
-            <a:spAutoFit/>
-          </a:bodyPr>
-          <a:lstStyle/>
-          <a:p>
-            <a:r>
-              <a:rPr lang="en-US" altLang="zh-CN" sz="2200">
-                <a:ea typeface="宋体" pitchFamily="2" charset="-122"/>
-              </a:rPr>
-              <a:t>L2 cache</a:t>
-            </a:r>
-          </a:p>
-        </p:txBody>
-      </p:sp>
-      <p:sp>
-        <p:nvSpPr>
-          <p:cNvPr id="36877" name="Text Box 13"/>
-          <p:cNvSpPr txBox="1">
-            <a:spLocks noChangeArrowheads="1"/>
-          </p:cNvSpPr>
-          <p:nvPr/>
-        </p:nvSpPr>
-        <p:spPr bwMode="auto">
-          <a:xfrm>
-            <a:off x="1066800" y="2438400"/>
-            <a:ext cx="1317625" cy="427038"/>
-          </a:xfrm>
-          <a:prstGeom prst="rect">
-            <a:avLst/>
-          </a:prstGeom>
-          <a:noFill/>
-          <a:ln w="25400">
-            <a:noFill/>
-            <a:miter lim="800000"/>
-            <a:headEnd/>
-            <a:tailEnd/>
-          </a:ln>
-        </p:spPr>
-        <p:txBody>
-          <a:bodyPr wrap="none">
-            <a:spAutoFit/>
-          </a:bodyPr>
-          <a:lstStyle/>
-          <a:p>
-            <a:r>
-              <a:rPr lang="en-US" altLang="zh-CN" sz="2200">
-                <a:ea typeface="宋体" pitchFamily="2" charset="-122"/>
-              </a:rPr>
-              <a:t>L1 cache</a:t>
-            </a:r>
-          </a:p>
-        </p:txBody>
-      </p:sp>
-      <p:sp>
-        <p:nvSpPr>
-          <p:cNvPr id="36878" name="Text Box 14"/>
-          <p:cNvSpPr txBox="1">
-            <a:spLocks noChangeArrowheads="1"/>
-          </p:cNvSpPr>
-          <p:nvPr/>
-        </p:nvSpPr>
-        <p:spPr bwMode="auto">
-          <a:xfrm>
-            <a:off x="2895600" y="2438400"/>
-            <a:ext cx="1317625" cy="427038"/>
-          </a:xfrm>
-          <a:prstGeom prst="rect">
-            <a:avLst/>
-          </a:prstGeom>
-          <a:noFill/>
-          <a:ln w="25400">
-            <a:noFill/>
-            <a:miter lim="800000"/>
-            <a:headEnd/>
-            <a:tailEnd/>
-          </a:ln>
-        </p:spPr>
-        <p:txBody>
-          <a:bodyPr wrap="none">
-            <a:spAutoFit/>
-          </a:bodyPr>
-          <a:lstStyle/>
-          <a:p>
-            <a:r>
-              <a:rPr lang="en-US" altLang="zh-CN" sz="2200">
-                <a:ea typeface="宋体" pitchFamily="2" charset="-122"/>
-              </a:rPr>
-              <a:t>L1 cache</a:t>
-            </a:r>
-          </a:p>
-        </p:txBody>
-      </p:sp>
-      <p:sp>
-        <p:nvSpPr>
-          <p:cNvPr id="36879" name="Text Box 15"/>
-          <p:cNvSpPr txBox="1">
-            <a:spLocks noChangeArrowheads="1"/>
-          </p:cNvSpPr>
-          <p:nvPr/>
-        </p:nvSpPr>
-        <p:spPr bwMode="auto">
-          <a:xfrm rot="-5400000">
-            <a:off x="172244" y="1804194"/>
-            <a:ext cx="1457325" cy="427037"/>
-          </a:xfrm>
-          <a:prstGeom prst="rect">
-            <a:avLst/>
-          </a:prstGeom>
-          <a:noFill/>
-          <a:ln w="25400">
-            <a:noFill/>
-            <a:miter lim="800000"/>
-            <a:headEnd/>
-            <a:tailEnd/>
-          </a:ln>
-        </p:spPr>
-        <p:txBody>
-          <a:bodyPr wrap="none">
-            <a:spAutoFit/>
-          </a:bodyPr>
-          <a:lstStyle/>
-          <a:p>
-            <a:r>
-              <a:rPr lang="en-US" altLang="zh-CN" sz="2200" b="1">
-                <a:ea typeface="宋体" pitchFamily="2" charset="-122"/>
-              </a:rPr>
-              <a:t>C O R E 1</a:t>
-            </a:r>
-          </a:p>
-        </p:txBody>
-      </p:sp>
-      <p:sp>
-        <p:nvSpPr>
-          <p:cNvPr id="36880" name="Text Box 16"/>
-          <p:cNvSpPr txBox="1">
-            <a:spLocks noChangeArrowheads="1"/>
-          </p:cNvSpPr>
-          <p:nvPr/>
-        </p:nvSpPr>
-        <p:spPr bwMode="auto">
-          <a:xfrm rot="-5400000">
-            <a:off x="2077244" y="1804194"/>
-            <a:ext cx="1457325" cy="427037"/>
-          </a:xfrm>
-          <a:prstGeom prst="rect">
-            <a:avLst/>
-          </a:prstGeom>
-          <a:noFill/>
-          <a:ln w="25400">
-            <a:noFill/>
-            <a:miter lim="800000"/>
-            <a:headEnd/>
-            <a:tailEnd/>
-          </a:ln>
-        </p:spPr>
-        <p:txBody>
-          <a:bodyPr wrap="none">
-            <a:spAutoFit/>
-          </a:bodyPr>
-          <a:lstStyle/>
-          <a:p>
-            <a:r>
-              <a:rPr lang="en-US" altLang="zh-CN" sz="2200" b="1">
-                <a:ea typeface="宋体" pitchFamily="2" charset="-122"/>
-              </a:rPr>
-              <a:t>C O R E 0</a:t>
-            </a:r>
-          </a:p>
-        </p:txBody>
-      </p:sp>
-      <p:sp>
-        <p:nvSpPr>
-          <p:cNvPr id="36881" name="Text Box 26"/>
-          <p:cNvSpPr txBox="1">
-            <a:spLocks noChangeArrowheads="1"/>
-          </p:cNvSpPr>
-          <p:nvPr/>
-        </p:nvSpPr>
-        <p:spPr bwMode="auto">
-          <a:xfrm>
-            <a:off x="2895600" y="3124200"/>
-            <a:ext cx="1317625" cy="427038"/>
-          </a:xfrm>
-          <a:prstGeom prst="rect">
-            <a:avLst/>
-          </a:prstGeom>
-          <a:noFill/>
-          <a:ln w="25400">
-            <a:noFill/>
-            <a:miter lim="800000"/>
-            <a:headEnd/>
-            <a:tailEnd/>
-          </a:ln>
-        </p:spPr>
-        <p:txBody>
-          <a:bodyPr wrap="none">
-            <a:spAutoFit/>
-          </a:bodyPr>
-          <a:lstStyle/>
-          <a:p>
-            <a:r>
-              <a:rPr lang="en-US" altLang="zh-CN" sz="2200">
-                <a:ea typeface="宋体" pitchFamily="2" charset="-122"/>
-              </a:rPr>
-              <a:t>L2 cache</a:t>
-            </a:r>
-          </a:p>
-        </p:txBody>
-      </p:sp>
-      <p:sp>
-        <p:nvSpPr>
-          <p:cNvPr id="36882" name="Rectangle 27"/>
-          <p:cNvSpPr>
-            <a:spLocks noChangeArrowheads="1"/>
-          </p:cNvSpPr>
-          <p:nvPr/>
-        </p:nvSpPr>
-        <p:spPr bwMode="auto">
-          <a:xfrm>
-            <a:off x="6400800" y="1143000"/>
-            <a:ext cx="2209800" cy="3124200"/>
-          </a:xfrm>
-          <a:prstGeom prst="rect">
-            <a:avLst/>
-          </a:prstGeom>
-          <a:solidFill>
-            <a:srgbClr val="FF0000"/>
-          </a:solidFill>
-          <a:ln w="25400">
-            <a:solidFill>
-              <a:schemeClr val="tx1"/>
-            </a:solidFill>
-            <a:miter lim="800000"/>
-            <a:headEnd/>
-            <a:tailEnd/>
-          </a:ln>
-        </p:spPr>
-        <p:txBody>
-          <a:bodyPr wrap="none" anchor="ctr"/>
-          <a:lstStyle/>
-          <a:p>
-            <a:endParaRPr lang="zh-CN" altLang="en-US">
-              <a:ea typeface="宋体" pitchFamily="2" charset="-122"/>
-            </a:endParaRPr>
-          </a:p>
-        </p:txBody>
-      </p:sp>
-      <p:sp>
-        <p:nvSpPr>
-          <p:cNvPr id="36883" name="Rectangle 28"/>
-          <p:cNvSpPr>
-            <a:spLocks noChangeArrowheads="1"/>
-          </p:cNvSpPr>
-          <p:nvPr/>
-        </p:nvSpPr>
-        <p:spPr bwMode="auto">
-          <a:xfrm>
-            <a:off x="4876800" y="1143000"/>
-            <a:ext cx="1905000" cy="3124200"/>
-          </a:xfrm>
-          <a:prstGeom prst="rect">
-            <a:avLst/>
-          </a:prstGeom>
-          <a:solidFill>
-            <a:srgbClr val="339966"/>
-          </a:solidFill>
-          <a:ln w="25400">
-            <a:solidFill>
-              <a:schemeClr val="tx1"/>
-            </a:solidFill>
-            <a:miter lim="800000"/>
-            <a:headEnd/>
-            <a:tailEnd/>
-          </a:ln>
-        </p:spPr>
-        <p:txBody>
-          <a:bodyPr wrap="none" anchor="ctr"/>
-          <a:lstStyle/>
-          <a:p>
-            <a:endParaRPr lang="zh-CN" altLang="en-US">
-              <a:ea typeface="宋体" pitchFamily="2" charset="-122"/>
-            </a:endParaRPr>
-          </a:p>
-        </p:txBody>
-      </p:sp>
-      <p:sp>
-        <p:nvSpPr>
-          <p:cNvPr id="36884" name="Rectangle 29"/>
-          <p:cNvSpPr>
-            <a:spLocks noChangeArrowheads="1"/>
-          </p:cNvSpPr>
-          <p:nvPr/>
-        </p:nvSpPr>
-        <p:spPr bwMode="auto">
-          <a:xfrm>
-            <a:off x="4876800" y="1143000"/>
-            <a:ext cx="3733800" cy="4267200"/>
-          </a:xfrm>
-          <a:prstGeom prst="rect">
-            <a:avLst/>
-          </a:prstGeom>
-          <a:noFill/>
-          <a:ln w="25400">
-            <a:solidFill>
-              <a:schemeClr val="tx1"/>
-            </a:solidFill>
-            <a:miter lim="800000"/>
-            <a:headEnd/>
-            <a:tailEnd/>
-          </a:ln>
-        </p:spPr>
-        <p:txBody>
-          <a:bodyPr wrap="none" anchor="ctr"/>
-          <a:lstStyle/>
-          <a:p>
-            <a:endParaRPr lang="zh-CN" altLang="en-US">
-              <a:ea typeface="宋体" pitchFamily="2" charset="-122"/>
-            </a:endParaRPr>
-          </a:p>
-        </p:txBody>
-      </p:sp>
-      <p:sp>
-        <p:nvSpPr>
-          <p:cNvPr id="36885" name="Line 30"/>
-          <p:cNvSpPr>
-            <a:spLocks noChangeShapeType="1"/>
-          </p:cNvSpPr>
-          <p:nvPr/>
-        </p:nvSpPr>
-        <p:spPr bwMode="auto">
-          <a:xfrm>
-            <a:off x="4876800" y="3657600"/>
-            <a:ext cx="3733800" cy="1588"/>
-          </a:xfrm>
-          <a:prstGeom prst="line">
-            <a:avLst/>
-          </a:prstGeom>
-          <a:noFill/>
-          <a:ln w="25400">
-            <a:solidFill>
-              <a:schemeClr val="tx1"/>
-            </a:solidFill>
-            <a:round/>
-            <a:headEnd/>
-            <a:tailEnd/>
-          </a:ln>
-        </p:spPr>
-        <p:txBody>
-          <a:bodyPr/>
-          <a:lstStyle/>
-          <a:p>
-            <a:endParaRPr lang="zh-CN" altLang="en-US"/>
-          </a:p>
-        </p:txBody>
-      </p:sp>
-      <p:sp>
-        <p:nvSpPr>
-          <p:cNvPr id="36886" name="Line 31"/>
-          <p:cNvSpPr>
-            <a:spLocks noChangeShapeType="1"/>
-          </p:cNvSpPr>
-          <p:nvPr/>
-        </p:nvSpPr>
-        <p:spPr bwMode="auto">
-          <a:xfrm>
-            <a:off x="4876800" y="2971800"/>
-            <a:ext cx="3733800" cy="1588"/>
-          </a:xfrm>
-          <a:prstGeom prst="line">
-            <a:avLst/>
-          </a:prstGeom>
-          <a:noFill/>
-          <a:ln w="25400">
-            <a:solidFill>
-              <a:schemeClr val="tx1"/>
-            </a:solidFill>
-            <a:round/>
-            <a:headEnd/>
-            <a:tailEnd/>
-          </a:ln>
-        </p:spPr>
-        <p:txBody>
-          <a:bodyPr/>
-          <a:lstStyle/>
-          <a:p>
-            <a:endParaRPr lang="zh-CN" altLang="en-US"/>
-          </a:p>
-        </p:txBody>
-      </p:sp>
-      <p:sp>
-        <p:nvSpPr>
-          <p:cNvPr id="36887" name="Line 32"/>
-          <p:cNvSpPr>
-            <a:spLocks noChangeShapeType="1"/>
-          </p:cNvSpPr>
-          <p:nvPr/>
-        </p:nvSpPr>
-        <p:spPr bwMode="auto">
-          <a:xfrm flipH="1" flipV="1">
-            <a:off x="6781800" y="1143000"/>
-            <a:ext cx="0" cy="3124200"/>
-          </a:xfrm>
-          <a:prstGeom prst="line">
-            <a:avLst/>
-          </a:prstGeom>
-          <a:noFill/>
-          <a:ln w="38100">
-            <a:solidFill>
-              <a:schemeClr val="tx1"/>
-            </a:solidFill>
-            <a:round/>
-            <a:headEnd/>
-            <a:tailEnd/>
-          </a:ln>
-        </p:spPr>
-        <p:txBody>
-          <a:bodyPr/>
-          <a:lstStyle/>
-          <a:p>
-            <a:endParaRPr lang="zh-CN" altLang="en-US"/>
-          </a:p>
-        </p:txBody>
-      </p:sp>
-      <p:sp>
-        <p:nvSpPr>
-          <p:cNvPr id="36888" name="Line 33"/>
-          <p:cNvSpPr>
-            <a:spLocks noChangeShapeType="1"/>
-          </p:cNvSpPr>
-          <p:nvPr/>
-        </p:nvSpPr>
-        <p:spPr bwMode="auto">
-          <a:xfrm>
-            <a:off x="4876800" y="2286000"/>
-            <a:ext cx="3733800" cy="1588"/>
-          </a:xfrm>
-          <a:prstGeom prst="line">
-            <a:avLst/>
-          </a:prstGeom>
-          <a:noFill/>
-          <a:ln w="25400">
-            <a:solidFill>
-              <a:schemeClr val="tx1"/>
-            </a:solidFill>
-            <a:round/>
-            <a:headEnd/>
-            <a:tailEnd/>
-          </a:ln>
-        </p:spPr>
-        <p:txBody>
-          <a:bodyPr/>
-          <a:lstStyle/>
-          <a:p>
-            <a:endParaRPr lang="zh-CN" altLang="en-US"/>
-          </a:p>
-        </p:txBody>
-      </p:sp>
-      <p:sp>
-        <p:nvSpPr>
-          <p:cNvPr id="36889" name="Text Box 34"/>
-          <p:cNvSpPr txBox="1">
-            <a:spLocks noChangeArrowheads="1"/>
-          </p:cNvSpPr>
-          <p:nvPr/>
-        </p:nvSpPr>
-        <p:spPr bwMode="auto">
-          <a:xfrm>
-            <a:off x="6096000" y="4648200"/>
-            <a:ext cx="1193800" cy="427038"/>
-          </a:xfrm>
-          <a:prstGeom prst="rect">
-            <a:avLst/>
-          </a:prstGeom>
-          <a:noFill/>
-          <a:ln w="25400">
-            <a:noFill/>
-            <a:miter lim="800000"/>
-            <a:headEnd/>
-            <a:tailEnd/>
-          </a:ln>
-        </p:spPr>
-        <p:txBody>
-          <a:bodyPr wrap="none">
-            <a:spAutoFit/>
-          </a:bodyPr>
-          <a:lstStyle/>
-          <a:p>
-            <a:r>
-              <a:rPr lang="en-US" altLang="zh-CN" sz="2200">
-                <a:ea typeface="宋体" pitchFamily="2" charset="-122"/>
-              </a:rPr>
-              <a:t>memory</a:t>
-            </a:r>
-          </a:p>
-        </p:txBody>
-      </p:sp>
-      <p:sp>
-        <p:nvSpPr>
-          <p:cNvPr id="36890" name="Text Box 35"/>
-          <p:cNvSpPr txBox="1">
-            <a:spLocks noChangeArrowheads="1"/>
-          </p:cNvSpPr>
-          <p:nvPr/>
-        </p:nvSpPr>
-        <p:spPr bwMode="auto">
-          <a:xfrm>
-            <a:off x="5334000" y="3124200"/>
-            <a:ext cx="1317625" cy="427038"/>
-          </a:xfrm>
-          <a:prstGeom prst="rect">
-            <a:avLst/>
-          </a:prstGeom>
-          <a:noFill/>
-          <a:ln w="25400">
-            <a:noFill/>
-            <a:miter lim="800000"/>
-            <a:headEnd/>
-            <a:tailEnd/>
-          </a:ln>
-        </p:spPr>
-        <p:txBody>
-          <a:bodyPr wrap="none">
-            <a:spAutoFit/>
-          </a:bodyPr>
-          <a:lstStyle/>
-          <a:p>
-            <a:r>
-              <a:rPr lang="en-US" altLang="zh-CN" sz="2200">
-                <a:ea typeface="宋体" pitchFamily="2" charset="-122"/>
-              </a:rPr>
-              <a:t>L2 cache</a:t>
-            </a:r>
-          </a:p>
-        </p:txBody>
-      </p:sp>
-      <p:sp>
-        <p:nvSpPr>
-          <p:cNvPr id="36891" name="Text Box 36"/>
-          <p:cNvSpPr txBox="1">
-            <a:spLocks noChangeArrowheads="1"/>
-          </p:cNvSpPr>
-          <p:nvPr/>
-        </p:nvSpPr>
-        <p:spPr bwMode="auto">
-          <a:xfrm>
-            <a:off x="5334000" y="2438400"/>
-            <a:ext cx="1317625" cy="427038"/>
-          </a:xfrm>
-          <a:prstGeom prst="rect">
-            <a:avLst/>
-          </a:prstGeom>
-          <a:noFill/>
-          <a:ln w="25400">
-            <a:noFill/>
-            <a:miter lim="800000"/>
-            <a:headEnd/>
-            <a:tailEnd/>
-          </a:ln>
-        </p:spPr>
-        <p:txBody>
-          <a:bodyPr wrap="none">
-            <a:spAutoFit/>
-          </a:bodyPr>
-          <a:lstStyle/>
-          <a:p>
-            <a:r>
-              <a:rPr lang="en-US" altLang="zh-CN" sz="2200">
-                <a:ea typeface="宋体" pitchFamily="2" charset="-122"/>
-              </a:rPr>
-              <a:t>L1 cache</a:t>
-            </a:r>
-          </a:p>
-        </p:txBody>
-      </p:sp>
-      <p:sp>
-        <p:nvSpPr>
-          <p:cNvPr id="36892" name="Text Box 37"/>
-          <p:cNvSpPr txBox="1">
-            <a:spLocks noChangeArrowheads="1"/>
-          </p:cNvSpPr>
-          <p:nvPr/>
-        </p:nvSpPr>
-        <p:spPr bwMode="auto">
-          <a:xfrm>
-            <a:off x="7162800" y="2438400"/>
-            <a:ext cx="1317625" cy="427038"/>
-          </a:xfrm>
-          <a:prstGeom prst="rect">
-            <a:avLst/>
-          </a:prstGeom>
-          <a:noFill/>
-          <a:ln w="25400">
-            <a:noFill/>
-            <a:miter lim="800000"/>
-            <a:headEnd/>
-            <a:tailEnd/>
-          </a:ln>
-        </p:spPr>
-        <p:txBody>
-          <a:bodyPr wrap="none">
-            <a:spAutoFit/>
-          </a:bodyPr>
-          <a:lstStyle/>
-          <a:p>
-            <a:r>
-              <a:rPr lang="en-US" altLang="zh-CN" sz="2200">
-                <a:ea typeface="宋体" pitchFamily="2" charset="-122"/>
-              </a:rPr>
-              <a:t>L1 cache</a:t>
-            </a:r>
-          </a:p>
-        </p:txBody>
-      </p:sp>
-      <p:sp>
-        <p:nvSpPr>
-          <p:cNvPr id="36893" name="Text Box 38"/>
-          <p:cNvSpPr txBox="1">
-            <a:spLocks noChangeArrowheads="1"/>
-          </p:cNvSpPr>
-          <p:nvPr/>
-        </p:nvSpPr>
-        <p:spPr bwMode="auto">
-          <a:xfrm rot="-5400000">
-            <a:off x="4439444" y="1804194"/>
-            <a:ext cx="1457325" cy="427037"/>
-          </a:xfrm>
-          <a:prstGeom prst="rect">
-            <a:avLst/>
-          </a:prstGeom>
-          <a:noFill/>
-          <a:ln w="25400">
-            <a:noFill/>
-            <a:miter lim="800000"/>
-            <a:headEnd/>
-            <a:tailEnd/>
-          </a:ln>
-        </p:spPr>
-        <p:txBody>
-          <a:bodyPr wrap="none">
-            <a:spAutoFit/>
-          </a:bodyPr>
-          <a:lstStyle/>
-          <a:p>
-            <a:r>
-              <a:rPr lang="en-US" altLang="zh-CN" sz="2200" b="1">
-                <a:ea typeface="宋体" pitchFamily="2" charset="-122"/>
-              </a:rPr>
-              <a:t>C O R E 1</a:t>
-            </a:r>
-          </a:p>
-        </p:txBody>
-      </p:sp>
-      <p:sp>
-        <p:nvSpPr>
-          <p:cNvPr id="36894" name="Text Box 39"/>
-          <p:cNvSpPr txBox="1">
-            <a:spLocks noChangeArrowheads="1"/>
-          </p:cNvSpPr>
-          <p:nvPr/>
-        </p:nvSpPr>
-        <p:spPr bwMode="auto">
-          <a:xfrm rot="-5400000">
-            <a:off x="6344444" y="1804194"/>
-            <a:ext cx="1457325" cy="427037"/>
-          </a:xfrm>
-          <a:prstGeom prst="rect">
-            <a:avLst/>
-          </a:prstGeom>
-          <a:noFill/>
-          <a:ln w="25400">
-            <a:noFill/>
-            <a:miter lim="800000"/>
-            <a:headEnd/>
-            <a:tailEnd/>
-          </a:ln>
-        </p:spPr>
-        <p:txBody>
-          <a:bodyPr wrap="none">
-            <a:spAutoFit/>
-          </a:bodyPr>
-          <a:lstStyle/>
-          <a:p>
-            <a:r>
-              <a:rPr lang="en-US" altLang="zh-CN" sz="2200" b="1">
-                <a:ea typeface="宋体" pitchFamily="2" charset="-122"/>
-              </a:rPr>
-              <a:t>C O R E 0</a:t>
-            </a:r>
-          </a:p>
-        </p:txBody>
-      </p:sp>
-      <p:sp>
-        <p:nvSpPr>
-          <p:cNvPr id="36895" name="Text Box 40"/>
-          <p:cNvSpPr txBox="1">
-            <a:spLocks noChangeArrowheads="1"/>
-          </p:cNvSpPr>
-          <p:nvPr/>
-        </p:nvSpPr>
-        <p:spPr bwMode="auto">
-          <a:xfrm>
-            <a:off x="7086600" y="3124200"/>
-            <a:ext cx="1317625" cy="427038"/>
-          </a:xfrm>
-          <a:prstGeom prst="rect">
-            <a:avLst/>
-          </a:prstGeom>
-          <a:noFill/>
-          <a:ln w="25400">
-            <a:noFill/>
-            <a:miter lim="800000"/>
-            <a:headEnd/>
-            <a:tailEnd/>
-          </a:ln>
-        </p:spPr>
-        <p:txBody>
-          <a:bodyPr wrap="none">
-            <a:spAutoFit/>
-          </a:bodyPr>
-          <a:lstStyle/>
-          <a:p>
-            <a:r>
-              <a:rPr lang="en-US" altLang="zh-CN" sz="2200">
-                <a:ea typeface="宋体" pitchFamily="2" charset="-122"/>
-              </a:rPr>
-              <a:t>L2 cache</a:t>
-            </a:r>
-          </a:p>
-        </p:txBody>
-      </p:sp>
-      <p:sp>
-        <p:nvSpPr>
-          <p:cNvPr id="36896" name="Text Box 41"/>
-          <p:cNvSpPr txBox="1">
-            <a:spLocks noChangeArrowheads="1"/>
-          </p:cNvSpPr>
-          <p:nvPr/>
-        </p:nvSpPr>
-        <p:spPr bwMode="auto">
-          <a:xfrm>
-            <a:off x="838200" y="5181600"/>
-            <a:ext cx="3416300" cy="1616075"/>
-          </a:xfrm>
-          <a:prstGeom prst="rect">
-            <a:avLst/>
-          </a:prstGeom>
-          <a:noFill/>
-          <a:ln w="25400">
-            <a:noFill/>
-            <a:miter lim="800000"/>
-            <a:headEnd/>
-            <a:tailEnd/>
-          </a:ln>
-        </p:spPr>
-        <p:txBody>
-          <a:bodyPr wrap="none">
-            <a:spAutoFit/>
-          </a:bodyPr>
-          <a:lstStyle/>
-          <a:p>
-            <a:r>
-              <a:rPr lang="en-US" altLang="zh-CN" sz="2000">
-                <a:ea typeface="宋体" pitchFamily="2" charset="-122"/>
-              </a:rPr>
-              <a:t>Both L1 and L2 are private</a:t>
-            </a:r>
-            <a:br>
-              <a:rPr lang="en-US" altLang="zh-CN" sz="2000">
-                <a:ea typeface="宋体" pitchFamily="2" charset="-122"/>
-              </a:rPr>
-            </a:br>
-            <a:endParaRPr lang="en-US" altLang="zh-CN" sz="2000">
-              <a:ea typeface="宋体" pitchFamily="2" charset="-122"/>
-            </a:endParaRPr>
-          </a:p>
-          <a:p>
-            <a:r>
-              <a:rPr lang="en-US" altLang="zh-CN" sz="2000">
-                <a:ea typeface="宋体" pitchFamily="2" charset="-122"/>
-              </a:rPr>
-              <a:t>Examples: AMD Opteron, </a:t>
-            </a:r>
-            <a:br>
-              <a:rPr lang="en-US" altLang="zh-CN" sz="2000">
-                <a:ea typeface="宋体" pitchFamily="2" charset="-122"/>
-              </a:rPr>
-            </a:br>
-            <a:r>
-              <a:rPr lang="en-US" altLang="zh-CN" sz="2000">
-                <a:ea typeface="宋体" pitchFamily="2" charset="-122"/>
-              </a:rPr>
-              <a:t>AMD Athlon, Intel Pentium D</a:t>
-            </a:r>
-          </a:p>
-          <a:p>
-            <a:endParaRPr lang="en-US" altLang="zh-CN" sz="2000">
-              <a:ea typeface="宋体" pitchFamily="2" charset="-122"/>
-            </a:endParaRPr>
-          </a:p>
-        </p:txBody>
-      </p:sp>
-      <p:sp>
-        <p:nvSpPr>
-          <p:cNvPr id="36897" name="Text Box 42"/>
-          <p:cNvSpPr txBox="1">
-            <a:spLocks noChangeArrowheads="1"/>
-          </p:cNvSpPr>
-          <p:nvPr/>
-        </p:nvSpPr>
-        <p:spPr bwMode="auto">
-          <a:xfrm>
-            <a:off x="5334000" y="3733800"/>
-            <a:ext cx="1317625" cy="427038"/>
-          </a:xfrm>
-          <a:prstGeom prst="rect">
-            <a:avLst/>
-          </a:prstGeom>
-          <a:noFill/>
-          <a:ln w="25400">
-            <a:noFill/>
-            <a:miter lim="800000"/>
-            <a:headEnd/>
-            <a:tailEnd/>
-          </a:ln>
-        </p:spPr>
-        <p:txBody>
-          <a:bodyPr wrap="none">
-            <a:spAutoFit/>
-          </a:bodyPr>
-          <a:lstStyle/>
-          <a:p>
-            <a:r>
-              <a:rPr lang="en-US" altLang="zh-CN" sz="2200">
-                <a:ea typeface="宋体" pitchFamily="2" charset="-122"/>
-              </a:rPr>
-              <a:t>L3 cache</a:t>
-            </a:r>
-          </a:p>
-        </p:txBody>
-      </p:sp>
-      <p:sp>
-        <p:nvSpPr>
-          <p:cNvPr id="36898" name="Line 43"/>
-          <p:cNvSpPr>
-            <a:spLocks noChangeShapeType="1"/>
-          </p:cNvSpPr>
-          <p:nvPr/>
-        </p:nvSpPr>
-        <p:spPr bwMode="auto">
-          <a:xfrm>
-            <a:off x="4876800" y="4267200"/>
-            <a:ext cx="3733800" cy="1588"/>
-          </a:xfrm>
-          <a:prstGeom prst="line">
-            <a:avLst/>
-          </a:prstGeom>
-          <a:noFill/>
-          <a:ln w="25400">
-            <a:solidFill>
-              <a:schemeClr val="tx1"/>
-            </a:solidFill>
-            <a:round/>
-            <a:headEnd/>
-            <a:tailEnd/>
-          </a:ln>
-        </p:spPr>
-        <p:txBody>
-          <a:bodyPr/>
-          <a:lstStyle/>
-          <a:p>
-            <a:endParaRPr lang="zh-CN" altLang="en-US"/>
-          </a:p>
-        </p:txBody>
-      </p:sp>
-      <p:sp>
-        <p:nvSpPr>
-          <p:cNvPr id="36899" name="Text Box 44"/>
-          <p:cNvSpPr txBox="1">
-            <a:spLocks noChangeArrowheads="1"/>
-          </p:cNvSpPr>
-          <p:nvPr/>
-        </p:nvSpPr>
-        <p:spPr bwMode="auto">
-          <a:xfrm>
-            <a:off x="7086600" y="3733800"/>
-            <a:ext cx="1317625" cy="427038"/>
-          </a:xfrm>
-          <a:prstGeom prst="rect">
-            <a:avLst/>
-          </a:prstGeom>
-          <a:noFill/>
-          <a:ln w="25400">
-            <a:noFill/>
-            <a:miter lim="800000"/>
-            <a:headEnd/>
-            <a:tailEnd/>
-          </a:ln>
-        </p:spPr>
-        <p:txBody>
-          <a:bodyPr wrap="none">
-            <a:spAutoFit/>
-          </a:bodyPr>
-          <a:lstStyle/>
-          <a:p>
-            <a:r>
-              <a:rPr lang="en-US" altLang="zh-CN" sz="2200">
-                <a:ea typeface="宋体" pitchFamily="2" charset="-122"/>
-              </a:rPr>
-              <a:t>L3 cache</a:t>
-            </a:r>
-          </a:p>
-        </p:txBody>
-      </p:sp>
-      <p:sp>
-        <p:nvSpPr>
-          <p:cNvPr id="36900" name="Text Box 45"/>
-          <p:cNvSpPr txBox="1">
-            <a:spLocks noChangeArrowheads="1"/>
-          </p:cNvSpPr>
-          <p:nvPr/>
-        </p:nvSpPr>
-        <p:spPr bwMode="auto">
-          <a:xfrm>
-            <a:off x="5257800" y="5562600"/>
-            <a:ext cx="2922588" cy="1006475"/>
-          </a:xfrm>
-          <a:prstGeom prst="rect">
-            <a:avLst/>
-          </a:prstGeom>
-          <a:noFill/>
-          <a:ln w="25400">
-            <a:noFill/>
-            <a:miter lim="800000"/>
-            <a:headEnd/>
-            <a:tailEnd/>
-          </a:ln>
-        </p:spPr>
-        <p:txBody>
-          <a:bodyPr wrap="none">
-            <a:spAutoFit/>
-          </a:bodyPr>
-          <a:lstStyle/>
-          <a:p>
-            <a:r>
-              <a:rPr lang="en-US" altLang="zh-CN" sz="2000">
-                <a:ea typeface="宋体" pitchFamily="2" charset="-122"/>
-              </a:rPr>
-              <a:t>A design with L3 caches</a:t>
-            </a:r>
-            <a:br>
-              <a:rPr lang="en-US" altLang="zh-CN" sz="2000">
-                <a:ea typeface="宋体" pitchFamily="2" charset="-122"/>
-              </a:rPr>
-            </a:br>
-            <a:br>
-              <a:rPr lang="en-US" altLang="zh-CN" sz="2000">
-                <a:ea typeface="宋体" pitchFamily="2" charset="-122"/>
-              </a:rPr>
-            </a:br>
-            <a:r>
-              <a:rPr lang="en-US" altLang="zh-CN" sz="2000">
-                <a:ea typeface="宋体" pitchFamily="2" charset="-122"/>
-              </a:rPr>
-              <a:t>Example: Intel Itanium 2</a:t>
+              <a:rPr lang="en-US" altLang="zh-CN" dirty="0">
+                <a:ea typeface="宋体" pitchFamily="2" charset="-122"/>
+              </a:rPr>
+              <a:t>Advantages of private:</a:t>
+            </a:r>
+          </a:p>
+          <a:p>
+            <a:pPr lvl="1" eaLnBrk="1" hangingPunct="1"/>
+            <a:r>
+              <a:rPr lang="en-US" altLang="zh-CN" dirty="0">
+                <a:ea typeface="宋体" pitchFamily="2" charset="-122"/>
+              </a:rPr>
+              <a:t>Faster access time due to its closeness to its core</a:t>
+            </a:r>
+          </a:p>
+          <a:p>
+            <a:pPr lvl="1" eaLnBrk="1" hangingPunct="1"/>
+            <a:r>
+              <a:rPr lang="en-US" altLang="zh-CN" dirty="0">
+                <a:ea typeface="宋体" pitchFamily="2" charset="-122"/>
+              </a:rPr>
+              <a:t>No interference and contention between different cores</a:t>
+            </a:r>
+          </a:p>
+          <a:p>
+            <a:pPr eaLnBrk="1" hangingPunct="1"/>
+            <a:r>
+              <a:rPr lang="en-US" altLang="zh-CN" dirty="0">
+                <a:ea typeface="宋体" pitchFamily="2" charset="-122"/>
+              </a:rPr>
+              <a:t>Advantages of shared:</a:t>
+            </a:r>
+          </a:p>
+          <a:p>
+            <a:pPr lvl="1" eaLnBrk="1" hangingPunct="1"/>
+            <a:r>
+              <a:rPr lang="en-US" altLang="zh-CN" dirty="0">
+                <a:ea typeface="宋体" pitchFamily="2" charset="-122"/>
+              </a:rPr>
+              <a:t>Efficient utilization of limited cache space, since threads on different cores share the same cache</a:t>
+            </a:r>
+          </a:p>
+          <a:p>
+            <a:pPr lvl="1" eaLnBrk="1" hangingPunct="1"/>
+            <a:r>
+              <a:rPr lang="en-US" altLang="zh-CN" dirty="0">
+                <a:ea typeface="宋体" pitchFamily="2" charset="-122"/>
+              </a:rPr>
+              <a:t>Efficient inter-core communication, since data can be written by one core and read by another core, without going through memory (assuming write-back cache instead of write-through)</a:t>
             </a:r>
           </a:p>
         </p:txBody>
@@ -11600,7 +11569,7 @@
       </p:grpSpPr>
       <p:sp>
         <p:nvSpPr>
-          <p:cNvPr id="38914" name="Slide Number Placeholder 5"/>
+          <p:cNvPr id="5123" name="Slide Number Placeholder 6"/>
           <p:cNvSpPr>
             <a:spLocks noGrp="1"/>
           </p:cNvSpPr>
@@ -11615,169 +11584,12 @@
           <a:bodyPr/>
           <a:lstStyle/>
           <a:p>
-            <a:fld id="{A7A512D0-6F38-4FF5-A5EB-E3C8599F59E6}" type="slidenum">
+            <a:fld id="{FE7BBC9C-B15F-4741-A86C-4D57DAF2F5CB}" type="slidenum">
               <a:rPr lang="en-US" altLang="zh-CN">
                 <a:ea typeface="宋体" pitchFamily="2" charset="-122"/>
               </a:rPr>
               <a:pPr/>
               <a:t>15</a:t>
-            </a:fld>
-            <a:endParaRPr lang="en-US" altLang="zh-CN">
-              <a:ea typeface="宋体" pitchFamily="2" charset="-122"/>
-            </a:endParaRPr>
-          </a:p>
-        </p:txBody>
-      </p:sp>
-      <p:sp>
-        <p:nvSpPr>
-          <p:cNvPr id="38915" name="Rectangle 2"/>
-          <p:cNvSpPr>
-            <a:spLocks noGrp="1" noChangeArrowheads="1"/>
-          </p:cNvSpPr>
-          <p:nvPr>
-            <p:ph type="title"/>
-          </p:nvPr>
-        </p:nvSpPr>
-        <p:spPr/>
-        <p:txBody>
-          <a:bodyPr/>
-          <a:lstStyle/>
-          <a:p>
-            <a:pPr eaLnBrk="1" hangingPunct="1"/>
-            <a:r>
-              <a:rPr lang="en-US" altLang="zh-CN">
-                <a:ea typeface="宋体" pitchFamily="2" charset="-122"/>
-              </a:rPr>
-              <a:t>Private vs shared caches</a:t>
-            </a:r>
-          </a:p>
-        </p:txBody>
-      </p:sp>
-      <p:sp>
-        <p:nvSpPr>
-          <p:cNvPr id="38916" name="Rectangle 3"/>
-          <p:cNvSpPr>
-            <a:spLocks noGrp="1" noChangeArrowheads="1"/>
-          </p:cNvSpPr>
-          <p:nvPr>
-            <p:ph type="body" idx="1"/>
-          </p:nvPr>
-        </p:nvSpPr>
-        <p:spPr>
-          <a:xfrm>
-            <a:off x="457200" y="1600200"/>
-            <a:ext cx="8229600" cy="5121275"/>
-          </a:xfrm>
-        </p:spPr>
-        <p:txBody>
-          <a:bodyPr>
-            <a:normAutofit fontScale="92500"/>
-          </a:bodyPr>
-          <a:lstStyle/>
-          <a:p>
-            <a:pPr eaLnBrk="1" hangingPunct="1"/>
-            <a:r>
-              <a:rPr lang="en-US" altLang="zh-CN" dirty="0">
-                <a:ea typeface="宋体" pitchFamily="2" charset="-122"/>
-              </a:rPr>
-              <a:t>Advantages of private:</a:t>
-            </a:r>
-          </a:p>
-          <a:p>
-            <a:pPr lvl="1" eaLnBrk="1" hangingPunct="1"/>
-            <a:r>
-              <a:rPr lang="en-US" altLang="zh-CN" dirty="0">
-                <a:ea typeface="宋体" pitchFamily="2" charset="-122"/>
-              </a:rPr>
-              <a:t>Faster access time due to its closeness to its core</a:t>
-            </a:r>
-          </a:p>
-          <a:p>
-            <a:pPr lvl="1" eaLnBrk="1" hangingPunct="1"/>
-            <a:r>
-              <a:rPr lang="en-US" altLang="zh-CN" dirty="0">
-                <a:ea typeface="宋体" pitchFamily="2" charset="-122"/>
-              </a:rPr>
-              <a:t>No interference and contention between different cores</a:t>
-            </a:r>
-          </a:p>
-          <a:p>
-            <a:pPr eaLnBrk="1" hangingPunct="1"/>
-            <a:r>
-              <a:rPr lang="en-US" altLang="zh-CN" dirty="0">
-                <a:ea typeface="宋体" pitchFamily="2" charset="-122"/>
-              </a:rPr>
-              <a:t>Advantages of shared:</a:t>
-            </a:r>
-          </a:p>
-          <a:p>
-            <a:pPr lvl="1" eaLnBrk="1" hangingPunct="1"/>
-            <a:r>
-              <a:rPr lang="en-US" altLang="zh-CN" dirty="0">
-                <a:ea typeface="宋体" pitchFamily="2" charset="-122"/>
-              </a:rPr>
-              <a:t>Efficient utilization of limited cache space, since threads on different cores share the same cache</a:t>
-            </a:r>
-          </a:p>
-          <a:p>
-            <a:pPr lvl="1" eaLnBrk="1" hangingPunct="1"/>
-            <a:r>
-              <a:rPr lang="en-US" altLang="zh-CN" dirty="0">
-                <a:ea typeface="宋体" pitchFamily="2" charset="-122"/>
-              </a:rPr>
-              <a:t>Efficient inter-core communication, since data can be written by one core and read by another core, without going through memory (assuming write-back cache instead of write-through)</a:t>
-            </a:r>
-          </a:p>
-        </p:txBody>
-      </p:sp>
-    </p:spTree>
-  </p:cSld>
-  <p:clrMapOvr>
-    <a:masterClrMapping/>
-  </p:clrMapOvr>
-</p:sld>
-</file>
-
-<file path=ppt/slides/slide16.xml><?xml version="1.0" encoding="utf-8"?>
-<p:sld xmlns:a="http://schemas.openxmlformats.org/drawingml/2006/main" xmlns:r="http://schemas.openxmlformats.org/officeDocument/2006/relationships" xmlns:p="http://schemas.openxmlformats.org/presentationml/2006/main">
-  <p:cSld>
-    <p:spTree>
-      <p:nvGrpSpPr>
-        <p:cNvPr id="1" name=""/>
-        <p:cNvGrpSpPr/>
-        <p:nvPr/>
-      </p:nvGrpSpPr>
-      <p:grpSpPr>
-        <a:xfrm>
-          <a:off x="0" y="0"/>
-          <a:ext cx="0" cy="0"/>
-          <a:chOff x="0" y="0"/>
-          <a:chExt cx="0" cy="0"/>
-        </a:xfrm>
-      </p:grpSpPr>
-      <p:sp>
-        <p:nvSpPr>
-          <p:cNvPr id="5123" name="Slide Number Placeholder 6"/>
-          <p:cNvSpPr>
-            <a:spLocks noGrp="1"/>
-          </p:cNvSpPr>
-          <p:nvPr>
-            <p:ph type="sldNum" sz="quarter" idx="12"/>
-          </p:nvPr>
-        </p:nvSpPr>
-        <p:spPr>
-          <a:noFill/>
-        </p:spPr>
-        <p:txBody>
-          <a:bodyPr/>
-          <a:lstStyle/>
-          <a:p>
-            <a:fld id="{FE7BBC9C-B15F-4741-A86C-4D57DAF2F5CB}" type="slidenum">
-              <a:rPr lang="en-US" altLang="zh-CN">
-                <a:ea typeface="宋体" pitchFamily="2" charset="-122"/>
-              </a:rPr>
-              <a:pPr/>
-              <a:t>16</a:t>
             </a:fld>
             <a:endParaRPr lang="en-US" altLang="zh-CN">
               <a:ea typeface="宋体" pitchFamily="2" charset="-122"/>
@@ -11896,7 +11708,7 @@
           <a:graphicData uri="http://schemas.openxmlformats.org/presentationml/2006/ole">
             <mc:AlternateContent xmlns:mc="http://schemas.openxmlformats.org/markup-compatibility/2006">
               <mc:Choice xmlns:v="urn:schemas-microsoft-com:vml" Requires="v">
-                <p:oleObj spid="_x0000_s5135" name="Paint Shop Pro Image" r:id="rId4" imgW="6760976" imgH="4000000" progId="">
+                <p:oleObj spid="_x0000_s5139" name="Paint Shop Pro Image" r:id="rId4" imgW="6760976" imgH="4000000" progId="">
                   <p:embed/>
                 </p:oleObj>
               </mc:Choice>
@@ -11981,7 +11793,7 @@
 </p:sld>
 </file>
 
-<file path=ppt/slides/slide17.xml><?xml version="1.0" encoding="utf-8"?>
+<file path=ppt/slides/slide16.xml><?xml version="1.0" encoding="utf-8"?>
 <p:sld xmlns:a="http://schemas.openxmlformats.org/drawingml/2006/main" xmlns:r="http://schemas.openxmlformats.org/officeDocument/2006/relationships" xmlns:p="http://schemas.openxmlformats.org/presentationml/2006/main">
   <p:cSld>
     <p:spTree>
@@ -12020,7 +11832,7 @@
                 <a:ea typeface="宋体" pitchFamily="2" charset="-122"/>
               </a:rPr>
               <a:pPr/>
-              <a:t>17</a:t>
+              <a:t>16</a:t>
             </a:fld>
             <a:endParaRPr lang="en-US" altLang="zh-CN">
               <a:ea typeface="宋体" pitchFamily="2" charset="-122"/>
@@ -13234,7 +13046,7 @@
 </p:sld>
 </file>
 
-<file path=ppt/slides/slide18.xml><?xml version="1.0" encoding="utf-8"?>
+<file path=ppt/slides/slide17.xml><?xml version="1.0" encoding="utf-8"?>
 <p:sld xmlns:a="http://schemas.openxmlformats.org/drawingml/2006/main" xmlns:r="http://schemas.openxmlformats.org/officeDocument/2006/relationships" xmlns:p="http://schemas.openxmlformats.org/presentationml/2006/main">
   <p:cSld>
     <p:spTree>
@@ -13273,7 +13085,7 @@
                 <a:ea typeface="宋体" pitchFamily="2" charset="-122"/>
               </a:rPr>
               <a:pPr/>
-              <a:t>18</a:t>
+              <a:t>17</a:t>
             </a:fld>
             <a:endParaRPr lang="en-US" altLang="zh-CN">
               <a:ea typeface="宋体" pitchFamily="2" charset="-122"/>
@@ -14504,7 +14316,7 @@
 </p:sld>
 </file>
 
-<file path=ppt/slides/slide19.xml><?xml version="1.0" encoding="utf-8"?>
+<file path=ppt/slides/slide18.xml><?xml version="1.0" encoding="utf-8"?>
 <p:sld xmlns:a="http://schemas.openxmlformats.org/drawingml/2006/main" xmlns:r="http://schemas.openxmlformats.org/officeDocument/2006/relationships" xmlns:p="http://schemas.openxmlformats.org/presentationml/2006/main">
   <p:cSld>
     <p:spTree>
@@ -14543,7 +14355,7 @@
                 <a:ea typeface="宋体" pitchFamily="2" charset="-122"/>
               </a:rPr>
               <a:pPr/>
-              <a:t>19</a:t>
+              <a:t>18</a:t>
             </a:fld>
             <a:endParaRPr lang="en-US" altLang="zh-CN">
               <a:ea typeface="宋体" pitchFamily="2" charset="-122"/>
@@ -15780,7 +15592,7 @@
 </p:sld>
 </file>
 
-<file path=ppt/slides/slide2.xml><?xml version="1.0" encoding="utf-8"?>
+<file path=ppt/slides/slide19.xml><?xml version="1.0" encoding="utf-8"?>
 <p:sld xmlns:a="http://schemas.openxmlformats.org/drawingml/2006/main" xmlns:r="http://schemas.openxmlformats.org/officeDocument/2006/relationships" xmlns:p="http://schemas.openxmlformats.org/presentationml/2006/main">
   <p:cSld>
     <p:spTree>
@@ -15799,139 +15611,6 @@
       </p:grpSpPr>
       <p:sp>
         <p:nvSpPr>
-          <p:cNvPr id="10242" name="Rectangle 3"/>
-          <p:cNvSpPr>
-            <a:spLocks noGrp="1" noChangeArrowheads="1"/>
-          </p:cNvSpPr>
-          <p:nvPr>
-            <p:ph type="title"/>
-          </p:nvPr>
-        </p:nvSpPr>
-        <p:spPr>
-          <a:xfrm>
-            <a:off x="1133475" y="198438"/>
-            <a:ext cx="7237412" cy="1143000"/>
-          </a:xfrm>
-        </p:spPr>
-        <p:txBody>
-          <a:bodyPr/>
-          <a:lstStyle/>
-          <a:p>
-            <a:pPr eaLnBrk="1" hangingPunct="1"/>
-            <a:r>
-              <a:rPr lang="en-US" altLang="zh-CN" dirty="0">
-                <a:ea typeface="宋体" charset="-122"/>
-              </a:rPr>
-              <a:t>As Moore</a:t>
-            </a:r>
-            <a:r>
-              <a:rPr lang="en-US" altLang="zh-CN" dirty="0">
-                <a:latin typeface="Times New Roman" pitchFamily="18" charset="0"/>
-                <a:ea typeface="宋体" charset="-122"/>
-              </a:rPr>
-              <a:t>’</a:t>
-            </a:r>
-            <a:r>
-              <a:rPr lang="en-US" altLang="zh-CN" dirty="0">
-                <a:ea typeface="宋体" charset="-122"/>
-              </a:rPr>
-              <a:t>s law goes on</a:t>
-            </a:r>
-            <a:r>
-              <a:rPr lang="en-US" altLang="zh-CN" dirty="0">
-                <a:latin typeface="Times New Roman" pitchFamily="18" charset="0"/>
-                <a:ea typeface="宋体" charset="-122"/>
-              </a:rPr>
-              <a:t>…</a:t>
-            </a:r>
-            <a:endParaRPr lang="en-US" altLang="zh-CN" dirty="0">
-              <a:ea typeface="宋体" charset="-122"/>
-            </a:endParaRPr>
-          </a:p>
-        </p:txBody>
-      </p:sp>
-      <p:sp>
-        <p:nvSpPr>
-          <p:cNvPr id="10243" name="Rectangle 4" descr="Rectangle: Click to edit Master text styles&#10;Second level&#10;Third level&#10;Fourth level&#10;Fifth level"/>
-          <p:cNvSpPr>
-            <a:spLocks noGrp="1" noChangeArrowheads="1"/>
-          </p:cNvSpPr>
-          <p:nvPr>
-            <p:ph type="body" sz="half" idx="1"/>
-          </p:nvPr>
-        </p:nvSpPr>
-        <p:spPr>
-          <a:xfrm>
-            <a:off x="546100" y="1557338"/>
-            <a:ext cx="7913688" cy="2447925"/>
-          </a:xfrm>
-        </p:spPr>
-        <p:txBody>
-          <a:bodyPr/>
-          <a:lstStyle/>
-          <a:p>
-            <a:pPr eaLnBrk="1" hangingPunct="1"/>
-            <a:r>
-              <a:rPr lang="en-US" altLang="zh-CN" sz="2400">
-                <a:ea typeface="宋体" charset="-122"/>
-              </a:rPr>
-              <a:t>Number of transistor/chip doubles every 18 to 24 mm</a:t>
-            </a:r>
-          </a:p>
-        </p:txBody>
-      </p:sp>
-      <p:pic>
-        <p:nvPicPr>
-          <p:cNvPr id="10244" name="Picture 7"/>
-          <p:cNvPicPr>
-            <a:picLocks noGrp="1" noChangeAspect="1" noChangeArrowheads="1"/>
-          </p:cNvPicPr>
-          <p:nvPr>
-            <p:ph sz="half" idx="2"/>
-          </p:nvPr>
-        </p:nvPicPr>
-        <p:blipFill>
-          <a:blip r:embed="rId3" cstate="print"/>
-          <a:srcRect/>
-          <a:stretch>
-            <a:fillRect/>
-          </a:stretch>
-        </p:blipFill>
-        <p:spPr>
-          <a:xfrm>
-            <a:off x="1331913" y="1989138"/>
-            <a:ext cx="6840537" cy="4578350"/>
-          </a:xfrm>
-          <a:noFill/>
-        </p:spPr>
-      </p:pic>
-    </p:spTree>
-  </p:cSld>
-  <p:clrMapOvr>
-    <a:masterClrMapping/>
-  </p:clrMapOvr>
-</p:sld>
-</file>
-
-<file path=ppt/slides/slide20.xml><?xml version="1.0" encoding="utf-8"?>
-<p:sld xmlns:a="http://schemas.openxmlformats.org/drawingml/2006/main" xmlns:r="http://schemas.openxmlformats.org/officeDocument/2006/relationships" xmlns:p="http://schemas.openxmlformats.org/presentationml/2006/main">
-  <p:cSld>
-    <p:spTree>
-      <p:nvGrpSpPr>
-        <p:cNvPr id="1" name=""/>
-        <p:cNvGrpSpPr/>
-        <p:nvPr/>
-      </p:nvGrpSpPr>
-      <p:grpSpPr>
-        <a:xfrm>
-          <a:off x="0" y="0"/>
-          <a:ext cx="0" cy="0"/>
-          <a:chOff x="0" y="0"/>
-          <a:chExt cx="0" cy="0"/>
-        </a:xfrm>
-      </p:grpSpPr>
-      <p:sp>
-        <p:nvSpPr>
           <p:cNvPr id="43010" name="Slide Number Placeholder 3"/>
           <p:cNvSpPr>
             <a:spLocks noGrp="1"/>
@@ -15952,7 +15631,7 @@
                 <a:ea typeface="宋体" pitchFamily="2" charset="-122"/>
               </a:rPr>
               <a:pPr/>
-              <a:t>20</a:t>
+              <a:t>19</a:t>
             </a:fld>
             <a:endParaRPr lang="en-US" altLang="zh-CN">
               <a:ea typeface="宋体" pitchFamily="2" charset="-122"/>
@@ -17289,7 +16968,7 @@
 </p:sld>
 </file>
 
-<file path=ppt/slides/slide21.xml><?xml version="1.0" encoding="utf-8"?>
+<file path=ppt/slides/slide2.xml><?xml version="1.0" encoding="utf-8"?>
 <p:sld xmlns:a="http://schemas.openxmlformats.org/drawingml/2006/main" xmlns:r="http://schemas.openxmlformats.org/officeDocument/2006/relationships" xmlns:p="http://schemas.openxmlformats.org/presentationml/2006/main">
   <p:cSld>
     <p:spTree>
@@ -17308,6 +16987,139 @@
       </p:grpSpPr>
       <p:sp>
         <p:nvSpPr>
+          <p:cNvPr id="10242" name="Rectangle 3"/>
+          <p:cNvSpPr>
+            <a:spLocks noGrp="1" noChangeArrowheads="1"/>
+          </p:cNvSpPr>
+          <p:nvPr>
+            <p:ph type="title"/>
+          </p:nvPr>
+        </p:nvSpPr>
+        <p:spPr>
+          <a:xfrm>
+            <a:off x="1133475" y="198438"/>
+            <a:ext cx="7237412" cy="1143000"/>
+          </a:xfrm>
+        </p:spPr>
+        <p:txBody>
+          <a:bodyPr/>
+          <a:lstStyle/>
+          <a:p>
+            <a:pPr eaLnBrk="1" hangingPunct="1"/>
+            <a:r>
+              <a:rPr lang="en-US" altLang="zh-CN" dirty="0">
+                <a:ea typeface="宋体" charset="-122"/>
+              </a:rPr>
+              <a:t>As Moore</a:t>
+            </a:r>
+            <a:r>
+              <a:rPr lang="en-US" altLang="zh-CN" dirty="0">
+                <a:latin typeface="Times New Roman" pitchFamily="18" charset="0"/>
+                <a:ea typeface="宋体" charset="-122"/>
+              </a:rPr>
+              <a:t>’</a:t>
+            </a:r>
+            <a:r>
+              <a:rPr lang="en-US" altLang="zh-CN" dirty="0">
+                <a:ea typeface="宋体" charset="-122"/>
+              </a:rPr>
+              <a:t>s law goes on</a:t>
+            </a:r>
+            <a:r>
+              <a:rPr lang="en-US" altLang="zh-CN" dirty="0">
+                <a:latin typeface="Times New Roman" pitchFamily="18" charset="0"/>
+                <a:ea typeface="宋体" charset="-122"/>
+              </a:rPr>
+              <a:t>…</a:t>
+            </a:r>
+            <a:endParaRPr lang="en-US" altLang="zh-CN" dirty="0">
+              <a:ea typeface="宋体" charset="-122"/>
+            </a:endParaRPr>
+          </a:p>
+        </p:txBody>
+      </p:sp>
+      <p:sp>
+        <p:nvSpPr>
+          <p:cNvPr id="10243" name="Rectangle 4" descr="Rectangle: Click to edit Master text styles&#10;Second level&#10;Third level&#10;Fourth level&#10;Fifth level"/>
+          <p:cNvSpPr>
+            <a:spLocks noGrp="1" noChangeArrowheads="1"/>
+          </p:cNvSpPr>
+          <p:nvPr>
+            <p:ph type="body" sz="half" idx="1"/>
+          </p:nvPr>
+        </p:nvSpPr>
+        <p:spPr>
+          <a:xfrm>
+            <a:off x="546100" y="1557338"/>
+            <a:ext cx="7913688" cy="2447925"/>
+          </a:xfrm>
+        </p:spPr>
+        <p:txBody>
+          <a:bodyPr/>
+          <a:lstStyle/>
+          <a:p>
+            <a:pPr eaLnBrk="1" hangingPunct="1"/>
+            <a:r>
+              <a:rPr lang="en-US" altLang="zh-CN" sz="2400">
+                <a:ea typeface="宋体" charset="-122"/>
+              </a:rPr>
+              <a:t>Number of transistor/chip doubles every 18 to 24 mm</a:t>
+            </a:r>
+          </a:p>
+        </p:txBody>
+      </p:sp>
+      <p:pic>
+        <p:nvPicPr>
+          <p:cNvPr id="10244" name="Picture 7"/>
+          <p:cNvPicPr>
+            <a:picLocks noGrp="1" noChangeAspect="1" noChangeArrowheads="1"/>
+          </p:cNvPicPr>
+          <p:nvPr>
+            <p:ph sz="half" idx="2"/>
+          </p:nvPr>
+        </p:nvPicPr>
+        <p:blipFill>
+          <a:blip r:embed="rId3" cstate="print"/>
+          <a:srcRect/>
+          <a:stretch>
+            <a:fillRect/>
+          </a:stretch>
+        </p:blipFill>
+        <p:spPr>
+          <a:xfrm>
+            <a:off x="1331913" y="1989138"/>
+            <a:ext cx="6840537" cy="4578350"/>
+          </a:xfrm>
+          <a:noFill/>
+        </p:spPr>
+      </p:pic>
+    </p:spTree>
+  </p:cSld>
+  <p:clrMapOvr>
+    <a:masterClrMapping/>
+  </p:clrMapOvr>
+</p:sld>
+</file>
+
+<file path=ppt/slides/slide20.xml><?xml version="1.0" encoding="utf-8"?>
+<p:sld xmlns:a="http://schemas.openxmlformats.org/drawingml/2006/main" xmlns:r="http://schemas.openxmlformats.org/officeDocument/2006/relationships" xmlns:p="http://schemas.openxmlformats.org/presentationml/2006/main">
+  <p:cSld>
+    <p:spTree>
+      <p:nvGrpSpPr>
+        <p:cNvPr id="1" name=""/>
+        <p:cNvGrpSpPr/>
+        <p:nvPr/>
+      </p:nvGrpSpPr>
+      <p:grpSpPr>
+        <a:xfrm>
+          <a:off x="0" y="0"/>
+          <a:ext cx="0" cy="0"/>
+          <a:chOff x="0" y="0"/>
+          <a:chExt cx="0" cy="0"/>
+        </a:xfrm>
+      </p:grpSpPr>
+      <p:sp>
+        <p:nvSpPr>
           <p:cNvPr id="44034" name="Slide Number Placeholder 3"/>
           <p:cNvSpPr>
             <a:spLocks noGrp="1"/>
@@ -17328,7 +17140,7 @@
                 <a:ea typeface="宋体" pitchFamily="2" charset="-122"/>
               </a:rPr>
               <a:pPr/>
-              <a:t>21</a:t>
+              <a:t>20</a:t>
             </a:fld>
             <a:endParaRPr lang="en-US" altLang="zh-CN">
               <a:ea typeface="宋体" pitchFamily="2" charset="-122"/>
@@ -18565,6 +18377,159 @@
 </p:sld>
 </file>
 
+<file path=ppt/slides/slide21.xml><?xml version="1.0" encoding="utf-8"?>
+<p:sld xmlns:a="http://schemas.openxmlformats.org/drawingml/2006/main" xmlns:r="http://schemas.openxmlformats.org/officeDocument/2006/relationships" xmlns:p="http://schemas.openxmlformats.org/presentationml/2006/main">
+  <p:cSld>
+    <p:spTree>
+      <p:nvGrpSpPr>
+        <p:cNvPr id="1" name=""/>
+        <p:cNvGrpSpPr/>
+        <p:nvPr/>
+      </p:nvGrpSpPr>
+      <p:grpSpPr>
+        <a:xfrm>
+          <a:off x="0" y="0"/>
+          <a:ext cx="0" cy="0"/>
+          <a:chOff x="0" y="0"/>
+          <a:chExt cx="0" cy="0"/>
+        </a:xfrm>
+      </p:grpSpPr>
+      <p:sp>
+        <p:nvSpPr>
+          <p:cNvPr id="47106" name="Slide Number Placeholder 5"/>
+          <p:cNvSpPr>
+            <a:spLocks noGrp="1"/>
+          </p:cNvSpPr>
+          <p:nvPr>
+            <p:ph type="sldNum" sz="quarter" idx="12"/>
+          </p:nvPr>
+        </p:nvSpPr>
+        <p:spPr>
+          <a:noFill/>
+        </p:spPr>
+        <p:txBody>
+          <a:bodyPr/>
+          <a:lstStyle/>
+          <a:p>
+            <a:fld id="{1FAD9F75-CC3D-4AAB-B086-FBB1C961DB08}" type="slidenum">
+              <a:rPr lang="en-US" altLang="zh-CN">
+                <a:ea typeface="宋体" pitchFamily="2" charset="-122"/>
+              </a:rPr>
+              <a:pPr/>
+              <a:t>21</a:t>
+            </a:fld>
+            <a:endParaRPr lang="en-US" altLang="zh-CN">
+              <a:ea typeface="宋体" pitchFamily="2" charset="-122"/>
+            </a:endParaRPr>
+          </a:p>
+        </p:txBody>
+      </p:sp>
+      <p:sp>
+        <p:nvSpPr>
+          <p:cNvPr id="47107" name="Rectangle 2"/>
+          <p:cNvSpPr>
+            <a:spLocks noGrp="1" noChangeArrowheads="1"/>
+          </p:cNvSpPr>
+          <p:nvPr>
+            <p:ph type="title"/>
+          </p:nvPr>
+        </p:nvSpPr>
+        <p:spPr/>
+        <p:txBody>
+          <a:bodyPr/>
+          <a:lstStyle/>
+          <a:p>
+            <a:pPr eaLnBrk="1" hangingPunct="1"/>
+            <a:r>
+              <a:rPr lang="en-US" altLang="zh-CN" sz="4000" dirty="0">
+                <a:ea typeface="宋体" pitchFamily="2" charset="-122"/>
+              </a:rPr>
+              <a:t>Invalidation Protocol with Snooping</a:t>
+            </a:r>
+          </a:p>
+        </p:txBody>
+      </p:sp>
+      <p:sp>
+        <p:nvSpPr>
+          <p:cNvPr id="47108" name="Rectangle 3"/>
+          <p:cNvSpPr>
+            <a:spLocks noGrp="1" noChangeArrowheads="1"/>
+          </p:cNvSpPr>
+          <p:nvPr>
+            <p:ph type="body" idx="1"/>
+          </p:nvPr>
+        </p:nvSpPr>
+        <p:spPr/>
+        <p:txBody>
+          <a:bodyPr/>
+          <a:lstStyle/>
+          <a:p>
+            <a:pPr eaLnBrk="1" hangingPunct="1"/>
+            <a:r>
+              <a:rPr lang="en-US" altLang="zh-CN" dirty="0">
+                <a:ea typeface="宋体" pitchFamily="2" charset="-122"/>
+              </a:rPr>
+              <a:t>A simple cache coherence protocol</a:t>
+            </a:r>
+          </a:p>
+          <a:p>
+            <a:pPr eaLnBrk="1" hangingPunct="1"/>
+            <a:r>
+              <a:rPr lang="en-US" altLang="zh-CN" dirty="0">
+                <a:ea typeface="宋体" pitchFamily="2" charset="-122"/>
+              </a:rPr>
+              <a:t>Invalidation:</a:t>
+            </a:r>
+          </a:p>
+          <a:p>
+            <a:pPr lvl="1" eaLnBrk="1" hangingPunct="1"/>
+            <a:r>
+              <a:rPr lang="en-US" altLang="zh-CN" dirty="0">
+                <a:ea typeface="宋体" pitchFamily="2" charset="-122"/>
+              </a:rPr>
+              <a:t>If a core writes to a data item, all other copies of this data item in other caches are </a:t>
+            </a:r>
+            <a:r>
+              <a:rPr lang="en-US" altLang="zh-CN" i="1" dirty="0">
+                <a:ea typeface="宋体" pitchFamily="2" charset="-122"/>
+              </a:rPr>
+              <a:t>invalidated</a:t>
+            </a:r>
+          </a:p>
+          <a:p>
+            <a:pPr eaLnBrk="1" hangingPunct="1"/>
+            <a:r>
+              <a:rPr lang="en-US" altLang="zh-CN" dirty="0">
+                <a:ea typeface="宋体" pitchFamily="2" charset="-122"/>
+              </a:rPr>
+              <a:t>Snooping: </a:t>
+            </a:r>
+          </a:p>
+          <a:p>
+            <a:pPr lvl="1" eaLnBrk="1" hangingPunct="1"/>
+            <a:r>
+              <a:rPr lang="en-US" altLang="zh-CN" dirty="0">
+                <a:ea typeface="宋体" pitchFamily="2" charset="-122"/>
+              </a:rPr>
+              <a:t>All cores continuously “snoop” (monitor) the bus connecting the cores.</a:t>
+            </a:r>
+          </a:p>
+          <a:p>
+            <a:pPr eaLnBrk="1" hangingPunct="1"/>
+            <a:endParaRPr lang="en-US" altLang="zh-CN" dirty="0">
+              <a:ea typeface="宋体" pitchFamily="2" charset="-122"/>
+            </a:endParaRPr>
+          </a:p>
+        </p:txBody>
+      </p:sp>
+    </p:spTree>
+  </p:cSld>
+  <p:clrMapOvr>
+    <a:masterClrMapping/>
+  </p:clrMapOvr>
+</p:sld>
+</file>
+
 <file path=ppt/slides/slide22.xml><?xml version="1.0" encoding="utf-8"?>
 <p:sld xmlns:a="http://schemas.openxmlformats.org/drawingml/2006/main" xmlns:r="http://schemas.openxmlformats.org/officeDocument/2006/relationships" xmlns:p="http://schemas.openxmlformats.org/presentationml/2006/main">
   <p:cSld>
@@ -18584,7 +18549,7 @@
       </p:grpSpPr>
       <p:sp>
         <p:nvSpPr>
-          <p:cNvPr id="47106" name="Slide Number Placeholder 5"/>
+          <p:cNvPr id="46082" name="Slide Number Placeholder 5"/>
           <p:cNvSpPr>
             <a:spLocks noGrp="1"/>
           </p:cNvSpPr>
@@ -18599,165 +18564,12 @@
           <a:bodyPr/>
           <a:lstStyle/>
           <a:p>
-            <a:fld id="{1FAD9F75-CC3D-4AAB-B086-FBB1C961DB08}" type="slidenum">
+            <a:fld id="{07B53324-7C03-4A1A-827A-86B5008176F6}" type="slidenum">
               <a:rPr lang="en-US" altLang="zh-CN">
                 <a:ea typeface="宋体" pitchFamily="2" charset="-122"/>
               </a:rPr>
               <a:pPr/>
               <a:t>22</a:t>
-            </a:fld>
-            <a:endParaRPr lang="en-US" altLang="zh-CN">
-              <a:ea typeface="宋体" pitchFamily="2" charset="-122"/>
-            </a:endParaRPr>
-          </a:p>
-        </p:txBody>
-      </p:sp>
-      <p:sp>
-        <p:nvSpPr>
-          <p:cNvPr id="47107" name="Rectangle 2"/>
-          <p:cNvSpPr>
-            <a:spLocks noGrp="1" noChangeArrowheads="1"/>
-          </p:cNvSpPr>
-          <p:nvPr>
-            <p:ph type="title"/>
-          </p:nvPr>
-        </p:nvSpPr>
-        <p:spPr/>
-        <p:txBody>
-          <a:bodyPr/>
-          <a:lstStyle/>
-          <a:p>
-            <a:pPr eaLnBrk="1" hangingPunct="1"/>
-            <a:r>
-              <a:rPr lang="en-US" altLang="zh-CN" sz="4000" dirty="0">
-                <a:ea typeface="宋体" pitchFamily="2" charset="-122"/>
-              </a:rPr>
-              <a:t>Invalidation Protocol with Snooping</a:t>
-            </a:r>
-          </a:p>
-        </p:txBody>
-      </p:sp>
-      <p:sp>
-        <p:nvSpPr>
-          <p:cNvPr id="47108" name="Rectangle 3"/>
-          <p:cNvSpPr>
-            <a:spLocks noGrp="1" noChangeArrowheads="1"/>
-          </p:cNvSpPr>
-          <p:nvPr>
-            <p:ph type="body" idx="1"/>
-          </p:nvPr>
-        </p:nvSpPr>
-        <p:spPr/>
-        <p:txBody>
-          <a:bodyPr/>
-          <a:lstStyle/>
-          <a:p>
-            <a:pPr eaLnBrk="1" hangingPunct="1"/>
-            <a:r>
-              <a:rPr lang="en-US" altLang="zh-CN" dirty="0">
-                <a:ea typeface="宋体" pitchFamily="2" charset="-122"/>
-              </a:rPr>
-              <a:t>A simple cache coherence protocol</a:t>
-            </a:r>
-          </a:p>
-          <a:p>
-            <a:pPr eaLnBrk="1" hangingPunct="1"/>
-            <a:r>
-              <a:rPr lang="en-US" altLang="zh-CN" dirty="0">
-                <a:ea typeface="宋体" pitchFamily="2" charset="-122"/>
-              </a:rPr>
-              <a:t>Invalidation:</a:t>
-            </a:r>
-          </a:p>
-          <a:p>
-            <a:pPr lvl="1" eaLnBrk="1" hangingPunct="1"/>
-            <a:r>
-              <a:rPr lang="en-US" altLang="zh-CN" dirty="0">
-                <a:ea typeface="宋体" pitchFamily="2" charset="-122"/>
-              </a:rPr>
-              <a:t>If a core writes to a data item, all other copies of this data item in other caches are </a:t>
-            </a:r>
-            <a:r>
-              <a:rPr lang="en-US" altLang="zh-CN" i="1" dirty="0">
-                <a:ea typeface="宋体" pitchFamily="2" charset="-122"/>
-              </a:rPr>
-              <a:t>invalidated</a:t>
-            </a:r>
-          </a:p>
-          <a:p>
-            <a:pPr eaLnBrk="1" hangingPunct="1"/>
-            <a:r>
-              <a:rPr lang="en-US" altLang="zh-CN" dirty="0">
-                <a:ea typeface="宋体" pitchFamily="2" charset="-122"/>
-              </a:rPr>
-              <a:t>Snooping: </a:t>
-            </a:r>
-          </a:p>
-          <a:p>
-            <a:pPr lvl="1" eaLnBrk="1" hangingPunct="1"/>
-            <a:r>
-              <a:rPr lang="en-US" altLang="zh-CN" dirty="0">
-                <a:ea typeface="宋体" pitchFamily="2" charset="-122"/>
-              </a:rPr>
-              <a:t>All cores continuously “snoop” (monitor) the bus connecting the cores.</a:t>
-            </a:r>
-          </a:p>
-          <a:p>
-            <a:pPr eaLnBrk="1" hangingPunct="1"/>
-            <a:endParaRPr lang="en-US" altLang="zh-CN" dirty="0">
-              <a:ea typeface="宋体" pitchFamily="2" charset="-122"/>
-            </a:endParaRPr>
-          </a:p>
-        </p:txBody>
-      </p:sp>
-    </p:spTree>
-  </p:cSld>
-  <p:clrMapOvr>
-    <a:masterClrMapping/>
-  </p:clrMapOvr>
-</p:sld>
-</file>
-
-<file path=ppt/slides/slide23.xml><?xml version="1.0" encoding="utf-8"?>
-<p:sld xmlns:a="http://schemas.openxmlformats.org/drawingml/2006/main" xmlns:r="http://schemas.openxmlformats.org/officeDocument/2006/relationships" xmlns:p="http://schemas.openxmlformats.org/presentationml/2006/main">
-  <p:cSld>
-    <p:spTree>
-      <p:nvGrpSpPr>
-        <p:cNvPr id="1" name=""/>
-        <p:cNvGrpSpPr/>
-        <p:nvPr/>
-      </p:nvGrpSpPr>
-      <p:grpSpPr>
-        <a:xfrm>
-          <a:off x="0" y="0"/>
-          <a:ext cx="0" cy="0"/>
-          <a:chOff x="0" y="0"/>
-          <a:chExt cx="0" cy="0"/>
-        </a:xfrm>
-      </p:grpSpPr>
-      <p:sp>
-        <p:nvSpPr>
-          <p:cNvPr id="46082" name="Slide Number Placeholder 5"/>
-          <p:cNvSpPr>
-            <a:spLocks noGrp="1"/>
-          </p:cNvSpPr>
-          <p:nvPr>
-            <p:ph type="sldNum" sz="quarter" idx="12"/>
-          </p:nvPr>
-        </p:nvSpPr>
-        <p:spPr>
-          <a:noFill/>
-        </p:spPr>
-        <p:txBody>
-          <a:bodyPr/>
-          <a:lstStyle/>
-          <a:p>
-            <a:fld id="{07B53324-7C03-4A1A-827A-86B5008176F6}" type="slidenum">
-              <a:rPr lang="en-US" altLang="zh-CN">
-                <a:ea typeface="宋体" pitchFamily="2" charset="-122"/>
-              </a:rPr>
-              <a:pPr/>
-              <a:t>23</a:t>
             </a:fld>
             <a:endParaRPr lang="en-US" altLang="zh-CN">
               <a:ea typeface="宋体" pitchFamily="2" charset="-122"/>
@@ -20068,7 +19880,7 @@
 </p:sld>
 </file>
 
-<file path=ppt/slides/slide24.xml><?xml version="1.0" encoding="utf-8"?>
+<file path=ppt/slides/slide23.xml><?xml version="1.0" encoding="utf-8"?>
 <p:sld xmlns:a="http://schemas.openxmlformats.org/drawingml/2006/main" xmlns:r="http://schemas.openxmlformats.org/officeDocument/2006/relationships" xmlns:p="http://schemas.openxmlformats.org/presentationml/2006/main">
   <p:cSld>
     <p:spTree>
@@ -20107,7 +19919,7 @@
                 <a:ea typeface="宋体" pitchFamily="2" charset="-122"/>
               </a:rPr>
               <a:pPr/>
-              <a:t>24</a:t>
+              <a:t>23</a:t>
             </a:fld>
             <a:endParaRPr lang="en-US" altLang="zh-CN">
               <a:ea typeface="宋体" pitchFamily="2" charset="-122"/>
@@ -21344,7 +21156,7 @@
 </p:sld>
 </file>
 
-<file path=ppt/slides/slide25.xml><?xml version="1.0" encoding="utf-8"?>
+<file path=ppt/slides/slide24.xml><?xml version="1.0" encoding="utf-8"?>
 <p:sld xmlns:a="http://schemas.openxmlformats.org/drawingml/2006/main" xmlns:r="http://schemas.openxmlformats.org/officeDocument/2006/relationships" xmlns:p="http://schemas.openxmlformats.org/presentationml/2006/main">
   <p:cSld>
     <p:spTree>
@@ -21383,7 +21195,7 @@
                 <a:ea typeface="宋体" pitchFamily="2" charset="-122"/>
               </a:rPr>
               <a:pPr/>
-              <a:t>25</a:t>
+              <a:t>24</a:t>
             </a:fld>
             <a:endParaRPr lang="en-US" altLang="zh-CN">
               <a:ea typeface="宋体" pitchFamily="2" charset="-122"/>
@@ -23128,7 +22940,7 @@
 </p:sld>
 </file>
 
-<file path=ppt/slides/slide26.xml><?xml version="1.0" encoding="utf-8"?>
+<file path=ppt/slides/slide25.xml><?xml version="1.0" encoding="utf-8"?>
 <p:sld xmlns:a="http://schemas.openxmlformats.org/drawingml/2006/main" xmlns:r="http://schemas.openxmlformats.org/officeDocument/2006/relationships" xmlns:p="http://schemas.openxmlformats.org/presentationml/2006/main">
   <p:cSld>
     <p:spTree>
@@ -23167,7 +22979,7 @@
                 <a:ea typeface="宋体" pitchFamily="2" charset="-122"/>
               </a:rPr>
               <a:pPr/>
-              <a:t>26</a:t>
+              <a:t>25</a:t>
             </a:fld>
             <a:endParaRPr lang="en-US" altLang="zh-CN">
               <a:ea typeface="宋体" pitchFamily="2" charset="-122"/>
@@ -24398,7 +24210,7 @@
 </p:sld>
 </file>
 
-<file path=ppt/slides/slide27.xml><?xml version="1.0" encoding="utf-8"?>
+<file path=ppt/slides/slide26.xml><?xml version="1.0" encoding="utf-8"?>
 <p:sld xmlns:a="http://schemas.openxmlformats.org/drawingml/2006/main" xmlns:r="http://schemas.openxmlformats.org/officeDocument/2006/relationships" xmlns:p="http://schemas.openxmlformats.org/presentationml/2006/main">
   <p:cSld>
     <p:spTree>
@@ -24437,7 +24249,7 @@
                 <a:ea typeface="宋体" pitchFamily="2" charset="-122"/>
               </a:rPr>
               <a:pPr/>
-              <a:t>27</a:t>
+              <a:t>26</a:t>
             </a:fld>
             <a:endParaRPr lang="en-US" altLang="zh-CN">
               <a:ea typeface="宋体" pitchFamily="2" charset="-122"/>
@@ -25689,7 +25501,7 @@
 </p:sld>
 </file>
 
-<file path=ppt/slides/slide28.xml><?xml version="1.0" encoding="utf-8"?>
+<file path=ppt/slides/slide27.xml><?xml version="1.0" encoding="utf-8"?>
 <p:sld xmlns:a="http://schemas.openxmlformats.org/drawingml/2006/main" xmlns:r="http://schemas.openxmlformats.org/officeDocument/2006/relationships" xmlns:p="http://schemas.openxmlformats.org/presentationml/2006/main">
   <p:cSld>
     <p:spTree>
@@ -25728,7 +25540,7 @@
                 <a:ea typeface="宋体" pitchFamily="2" charset="-122"/>
               </a:rPr>
               <a:pPr/>
-              <a:t>28</a:t>
+              <a:t>27</a:t>
             </a:fld>
             <a:endParaRPr lang="en-US" altLang="zh-CN">
               <a:ea typeface="宋体" pitchFamily="2" charset="-122"/>
@@ -27426,6 +27238,202 @@
 </p:sld>
 </file>
 
+<file path=ppt/slides/slide28.xml><?xml version="1.0" encoding="utf-8"?>
+<p:sld xmlns:a="http://schemas.openxmlformats.org/drawingml/2006/main" xmlns:r="http://schemas.openxmlformats.org/officeDocument/2006/relationships" xmlns:p="http://schemas.openxmlformats.org/presentationml/2006/main">
+  <p:cSld>
+    <p:spTree>
+      <p:nvGrpSpPr>
+        <p:cNvPr id="1" name=""/>
+        <p:cNvGrpSpPr/>
+        <p:nvPr/>
+      </p:nvGrpSpPr>
+      <p:grpSpPr>
+        <a:xfrm>
+          <a:off x="0" y="0"/>
+          <a:ext cx="0" cy="0"/>
+          <a:chOff x="0" y="0"/>
+          <a:chExt cx="0" cy="0"/>
+        </a:xfrm>
+      </p:grpSpPr>
+      <p:sp>
+        <p:nvSpPr>
+          <p:cNvPr id="54274" name="Slide Number Placeholder 3"/>
+          <p:cNvSpPr>
+            <a:spLocks noGrp="1"/>
+          </p:cNvSpPr>
+          <p:nvPr>
+            <p:ph type="sldNum" sz="quarter" idx="12"/>
+          </p:nvPr>
+        </p:nvSpPr>
+        <p:spPr>
+          <a:noFill/>
+        </p:spPr>
+        <p:txBody>
+          <a:bodyPr/>
+          <a:lstStyle/>
+          <a:p>
+            <a:fld id="{0BC34B66-EC0E-4E95-BA0C-3F65313FEAB3}" type="slidenum">
+              <a:rPr lang="en-US" altLang="zh-CN">
+                <a:ea typeface="宋体" pitchFamily="2" charset="-122"/>
+              </a:rPr>
+              <a:pPr/>
+              <a:t>28</a:t>
+            </a:fld>
+            <a:endParaRPr lang="en-US" altLang="zh-CN">
+              <a:ea typeface="宋体" pitchFamily="2" charset="-122"/>
+            </a:endParaRPr>
+          </a:p>
+        </p:txBody>
+      </p:sp>
+      <p:sp>
+        <p:nvSpPr>
+          <p:cNvPr id="54275" name="Rectangle 2"/>
+          <p:cNvSpPr>
+            <a:spLocks noChangeArrowheads="1"/>
+          </p:cNvSpPr>
+          <p:nvPr/>
+        </p:nvSpPr>
+        <p:spPr bwMode="auto">
+          <a:xfrm>
+            <a:off x="457200" y="274638"/>
+            <a:ext cx="8229600" cy="1143000"/>
+          </a:xfrm>
+          <a:prstGeom prst="rect">
+            <a:avLst/>
+          </a:prstGeom>
+          <a:noFill/>
+          <a:ln w="9525">
+            <a:noFill/>
+            <a:miter lim="800000"/>
+            <a:headEnd/>
+            <a:tailEnd/>
+          </a:ln>
+        </p:spPr>
+        <p:txBody>
+          <a:bodyPr anchor="ctr"/>
+          <a:lstStyle/>
+          <a:p>
+            <a:pPr algn="ctr"/>
+            <a:r>
+              <a:rPr lang="en-US" altLang="zh-CN" sz="4400">
+                <a:solidFill>
+                  <a:schemeClr val="tx2"/>
+                </a:solidFill>
+                <a:ea typeface="宋体" pitchFamily="2" charset="-122"/>
+              </a:rPr>
+              <a:t>Invalidation vs update</a:t>
+            </a:r>
+          </a:p>
+        </p:txBody>
+      </p:sp>
+      <p:sp>
+        <p:nvSpPr>
+          <p:cNvPr id="54276" name="Rectangle 4"/>
+          <p:cNvSpPr>
+            <a:spLocks noChangeArrowheads="1"/>
+          </p:cNvSpPr>
+          <p:nvPr/>
+        </p:nvSpPr>
+        <p:spPr bwMode="auto">
+          <a:xfrm>
+            <a:off x="457200" y="1600200"/>
+            <a:ext cx="8229600" cy="4525963"/>
+          </a:xfrm>
+          <a:prstGeom prst="rect">
+            <a:avLst/>
+          </a:prstGeom>
+          <a:noFill/>
+          <a:ln w="9525">
+            <a:noFill/>
+            <a:miter lim="800000"/>
+            <a:headEnd/>
+            <a:tailEnd/>
+          </a:ln>
+        </p:spPr>
+        <p:txBody>
+          <a:bodyPr/>
+          <a:lstStyle/>
+          <a:p>
+            <a:pPr marL="342900" indent="-342900">
+              <a:spcBef>
+                <a:spcPct val="20000"/>
+              </a:spcBef>
+              <a:buFontTx/>
+              <a:buChar char="•"/>
+            </a:pPr>
+            <a:r>
+              <a:rPr lang="en-US" altLang="zh-CN" sz="3200" dirty="0">
+                <a:ea typeface="宋体" pitchFamily="2" charset="-122"/>
+              </a:rPr>
+              <a:t>Multiple writes to the same variable</a:t>
+            </a:r>
+          </a:p>
+          <a:p>
+            <a:pPr marL="742950" lvl="1" indent="-285750">
+              <a:spcBef>
+                <a:spcPct val="20000"/>
+              </a:spcBef>
+              <a:buFontTx/>
+              <a:buChar char="–"/>
+            </a:pPr>
+            <a:r>
+              <a:rPr lang="en-US" altLang="zh-CN" sz="2800" dirty="0">
+                <a:ea typeface="宋体" pitchFamily="2" charset="-122"/>
+              </a:rPr>
+              <a:t>invalidation: only the first time</a:t>
+            </a:r>
+          </a:p>
+          <a:p>
+            <a:pPr marL="742950" lvl="1" indent="-285750">
+              <a:spcBef>
+                <a:spcPct val="20000"/>
+              </a:spcBef>
+              <a:buFontTx/>
+              <a:buChar char="–"/>
+            </a:pPr>
+            <a:r>
+              <a:rPr lang="en-US" altLang="zh-CN" sz="2800" dirty="0">
+                <a:ea typeface="宋体" pitchFamily="2" charset="-122"/>
+              </a:rPr>
+              <a:t>update: must broadcast each write            (which includes new variable value)</a:t>
+            </a:r>
+          </a:p>
+          <a:p>
+            <a:pPr marL="342900" indent="-342900">
+              <a:spcBef>
+                <a:spcPct val="20000"/>
+              </a:spcBef>
+              <a:buFontTx/>
+              <a:buChar char="•"/>
+            </a:pPr>
+            <a:r>
+              <a:rPr lang="en-US" altLang="zh-CN" sz="3200" dirty="0">
+                <a:ea typeface="宋体" pitchFamily="2" charset="-122"/>
+              </a:rPr>
+              <a:t>Invalidation generally performs better:</a:t>
+            </a:r>
+            <a:br>
+              <a:rPr lang="en-US" altLang="zh-CN" sz="3200" dirty="0">
+                <a:ea typeface="宋体" pitchFamily="2" charset="-122"/>
+              </a:rPr>
+            </a:br>
+            <a:r>
+              <a:rPr lang="en-US" altLang="zh-CN" sz="3200" dirty="0">
+                <a:ea typeface="宋体" pitchFamily="2" charset="-122"/>
+              </a:rPr>
+              <a:t>it generates less bus traffic</a:t>
+            </a:r>
+          </a:p>
+        </p:txBody>
+      </p:sp>
+    </p:spTree>
+  </p:cSld>
+  <p:clrMapOvr>
+    <a:masterClrMapping/>
+  </p:clrMapOvr>
+</p:sld>
+</file>
+
 <file path=ppt/slides/slide29.xml><?xml version="1.0" encoding="utf-8"?>
 <p:sld xmlns:a="http://schemas.openxmlformats.org/drawingml/2006/main" xmlns:r="http://schemas.openxmlformats.org/officeDocument/2006/relationships" xmlns:p="http://schemas.openxmlformats.org/presentationml/2006/main">
   <p:cSld>
@@ -27445,7 +27453,7 @@
       </p:grpSpPr>
       <p:sp>
         <p:nvSpPr>
-          <p:cNvPr id="54274" name="Slide Number Placeholder 3"/>
+          <p:cNvPr id="55298" name="Slide Number Placeholder 3"/>
           <p:cNvSpPr>
             <a:spLocks noGrp="1"/>
           </p:cNvSpPr>
@@ -27460,7 +27468,7 @@
           <a:bodyPr/>
           <a:lstStyle/>
           <a:p>
-            <a:fld id="{0BC34B66-EC0E-4E95-BA0C-3F65313FEAB3}" type="slidenum">
+            <a:fld id="{18A2D607-3163-46D1-8435-060B1A71748D}" type="slidenum">
               <a:rPr lang="en-US" altLang="zh-CN">
                 <a:ea typeface="宋体" pitchFamily="2" charset="-122"/>
               </a:rPr>
@@ -27475,7 +27483,7 @@
       </p:sp>
       <p:sp>
         <p:nvSpPr>
-          <p:cNvPr id="54275" name="Rectangle 2"/>
+          <p:cNvPr id="55299" name="Rectangle 2"/>
           <p:cNvSpPr>
             <a:spLocks noChangeArrowheads="1"/>
           </p:cNvSpPr>
@@ -27509,14 +27517,14 @@
                 </a:solidFill>
                 <a:ea typeface="宋体" pitchFamily="2" charset="-122"/>
               </a:rPr>
-              <a:t>Invalidation vs update</a:t>
-            </a:r>
-          </a:p>
-        </p:txBody>
-      </p:sp>
-      <p:sp>
-        <p:nvSpPr>
-          <p:cNvPr id="54276" name="Rectangle 4"/>
+              <a:t>Invalidation protocols</a:t>
+            </a:r>
+          </a:p>
+        </p:txBody>
+      </p:sp>
+      <p:sp>
+        <p:nvSpPr>
+          <p:cNvPr id="55300" name="Rectangle 3"/>
           <p:cNvSpPr>
             <a:spLocks noChangeArrowheads="1"/>
           </p:cNvSpPr>
@@ -27553,37 +27561,7 @@
               <a:rPr lang="en-US" altLang="zh-CN" sz="3200" dirty="0">
                 <a:ea typeface="宋体" pitchFamily="2" charset="-122"/>
               </a:rPr>
-              <a:t>Multiple writes to the same variable</a:t>
-            </a:r>
-          </a:p>
-          <a:p>
-            <a:pPr marL="742950" lvl="1" indent="-285750">
-              <a:spcBef>
-                <a:spcPct val="20000"/>
-              </a:spcBef>
-              <a:buFontTx/>
-              <a:buChar char="–"/>
-            </a:pPr>
-            <a:r>
-              <a:rPr lang="en-US" altLang="zh-CN" sz="2800" dirty="0">
-                <a:ea typeface="宋体" pitchFamily="2" charset="-122"/>
-              </a:rPr>
-              <a:t>invalidation: only the first time</a:t>
-            </a:r>
-          </a:p>
-          <a:p>
-            <a:pPr marL="742950" lvl="1" indent="-285750">
-              <a:spcBef>
-                <a:spcPct val="20000"/>
-              </a:spcBef>
-              <a:buFontTx/>
-              <a:buChar char="–"/>
-            </a:pPr>
-            <a:r>
-              <a:rPr lang="en-US" altLang="zh-CN" sz="2800" dirty="0">
-                <a:ea typeface="宋体" pitchFamily="2" charset="-122"/>
-              </a:rPr>
-              <a:t>update: must broadcast each write            (which includes new variable value)</a:t>
+              <a:t>This is just the basic invalidation protocol</a:t>
             </a:r>
           </a:p>
           <a:p>
@@ -27598,7 +27576,7 @@
               <a:rPr lang="en-US" altLang="zh-CN" sz="3200" dirty="0">
                 <a:ea typeface="宋体" pitchFamily="2" charset="-122"/>
               </a:rPr>
-              <a:t>Invalidation generally performs better:</a:t>
+              <a:t>More sophisticated protocols </a:t>
             </a:r>
             <a:br>
               <a:rPr lang="en-US" altLang="zh-CN" sz="3200" dirty="0">
@@ -27609,7 +27587,22 @@
               <a:rPr lang="en-US" altLang="zh-CN" sz="3200" dirty="0">
                 <a:ea typeface="宋体" pitchFamily="2" charset="-122"/>
               </a:rPr>
-              <a:t>it generates less bus traffic</a:t>
+              <a:t>use extra cache state bits</a:t>
+            </a:r>
+          </a:p>
+          <a:p>
+            <a:pPr marL="800100" lvl="1" indent="-342900">
+              <a:spcBef>
+                <a:spcPct val="20000"/>
+              </a:spcBef>
+              <a:buFontTx/>
+              <a:buChar char="•"/>
+            </a:pPr>
+            <a:r>
+              <a:rPr lang="en-US" altLang="zh-CN" sz="3200" dirty="0">
+                <a:ea typeface="宋体" pitchFamily="2" charset="-122"/>
+              </a:rPr>
+              <a:t>MESI (Modified, Exclusive, Shared, Invalid)</a:t>
             </a:r>
           </a:p>
         </p:txBody>
@@ -27773,7 +27766,7 @@
             <a:graphicData uri="http://schemas.openxmlformats.org/presentationml/2006/ole">
               <mc:AlternateContent xmlns:mc="http://schemas.openxmlformats.org/markup-compatibility/2006">
                 <mc:Choice xmlns:v="urn:schemas-microsoft-com:vml" Requires="v">
-                  <p:oleObj spid="_x0000_s8203" name="Microsoft Graph 图表" r:id="rId4" imgW="6095984" imgH="4067062" progId="MSGraph.Chart.8">
+                  <p:oleObj spid="_x0000_s8207" name="Microsoft Graph 图表" r:id="rId4" imgW="6095984" imgH="4067062" progId="MSGraph.Chart.8">
                     <p:embed followColorScheme="full"/>
                   </p:oleObj>
                 </mc:Choice>
@@ -29126,7 +29119,7 @@
       </p:grpSpPr>
       <p:sp>
         <p:nvSpPr>
-          <p:cNvPr id="55298" name="Slide Number Placeholder 3"/>
+          <p:cNvPr id="56322" name="Slide Number Placeholder 5"/>
           <p:cNvSpPr>
             <a:spLocks noGrp="1"/>
           </p:cNvSpPr>
@@ -29141,7 +29134,7 @@
           <a:bodyPr/>
           <a:lstStyle/>
           <a:p>
-            <a:fld id="{18A2D607-3163-46D1-8435-060B1A71748D}" type="slidenum">
+            <a:fld id="{37814DA1-EB03-44FB-AA05-553E5E5707FE}" type="slidenum">
               <a:rPr lang="en-US" altLang="zh-CN">
                 <a:ea typeface="宋体" pitchFamily="2" charset="-122"/>
               </a:rPr>
@@ -29156,126 +29149,103 @@
       </p:sp>
       <p:sp>
         <p:nvSpPr>
-          <p:cNvPr id="55299" name="Rectangle 2"/>
-          <p:cNvSpPr>
-            <a:spLocks noChangeArrowheads="1"/>
-          </p:cNvSpPr>
-          <p:nvPr/>
-        </p:nvSpPr>
-        <p:spPr bwMode="auto">
-          <a:xfrm>
-            <a:off x="457200" y="274638"/>
-            <a:ext cx="8229600" cy="1143000"/>
-          </a:xfrm>
-          <a:prstGeom prst="rect">
-            <a:avLst/>
-          </a:prstGeom>
-          <a:noFill/>
-          <a:ln w="9525">
-            <a:noFill/>
-            <a:miter lim="800000"/>
-            <a:headEnd/>
-            <a:tailEnd/>
-          </a:ln>
-        </p:spPr>
-        <p:txBody>
-          <a:bodyPr anchor="ctr"/>
-          <a:lstStyle/>
-          <a:p>
-            <a:pPr algn="ctr"/>
-            <a:r>
-              <a:rPr lang="en-US" altLang="zh-CN" sz="4400">
-                <a:solidFill>
-                  <a:schemeClr val="tx2"/>
-                </a:solidFill>
-                <a:ea typeface="宋体" pitchFamily="2" charset="-122"/>
-              </a:rPr>
-              <a:t>Invalidation protocols</a:t>
-            </a:r>
-          </a:p>
-        </p:txBody>
-      </p:sp>
-      <p:sp>
-        <p:nvSpPr>
-          <p:cNvPr id="55300" name="Rectangle 3"/>
-          <p:cNvSpPr>
-            <a:spLocks noChangeArrowheads="1"/>
-          </p:cNvSpPr>
-          <p:nvPr/>
-        </p:nvSpPr>
-        <p:spPr bwMode="auto">
-          <a:xfrm>
-            <a:off x="457200" y="1600200"/>
-            <a:ext cx="8229600" cy="4525963"/>
-          </a:xfrm>
-          <a:prstGeom prst="rect">
-            <a:avLst/>
-          </a:prstGeom>
-          <a:noFill/>
-          <a:ln w="9525">
-            <a:noFill/>
-            <a:miter lim="800000"/>
-            <a:headEnd/>
-            <a:tailEnd/>
-          </a:ln>
-        </p:spPr>
-        <p:txBody>
-          <a:bodyPr/>
-          <a:lstStyle/>
-          <a:p>
-            <a:pPr marL="342900" indent="-342900">
-              <a:spcBef>
-                <a:spcPct val="20000"/>
-              </a:spcBef>
-              <a:buFontTx/>
-              <a:buChar char="•"/>
-            </a:pPr>
-            <a:r>
-              <a:rPr lang="en-US" altLang="zh-CN" sz="3200" dirty="0">
-                <a:ea typeface="宋体" pitchFamily="2" charset="-122"/>
-              </a:rPr>
-              <a:t>This is just the basic invalidation protocol</a:t>
-            </a:r>
-          </a:p>
-          <a:p>
-            <a:pPr marL="342900" indent="-342900">
-              <a:spcBef>
-                <a:spcPct val="20000"/>
-              </a:spcBef>
-              <a:buFontTx/>
-              <a:buChar char="•"/>
-            </a:pPr>
-            <a:r>
-              <a:rPr lang="en-US" altLang="zh-CN" sz="3200" dirty="0">
-                <a:ea typeface="宋体" pitchFamily="2" charset="-122"/>
-              </a:rPr>
-              <a:t>More sophisticated protocols </a:t>
+          <p:cNvPr id="56323" name="Rectangle 2"/>
+          <p:cNvSpPr>
+            <a:spLocks noGrp="1" noChangeArrowheads="1"/>
+          </p:cNvSpPr>
+          <p:nvPr>
+            <p:ph type="title"/>
+          </p:nvPr>
+        </p:nvSpPr>
+        <p:spPr/>
+        <p:txBody>
+          <a:bodyPr/>
+          <a:lstStyle/>
+          <a:p>
+            <a:pPr eaLnBrk="1" hangingPunct="1"/>
+            <a:r>
+              <a:rPr lang="en-US" altLang="zh-CN" dirty="0">
+                <a:ea typeface="宋体" pitchFamily="2" charset="-122"/>
+              </a:rPr>
+              <a:t>Programming for multicore</a:t>
+            </a:r>
+          </a:p>
+        </p:txBody>
+      </p:sp>
+      <p:sp>
+        <p:nvSpPr>
+          <p:cNvPr id="56324" name="Rectangle 4"/>
+          <p:cNvSpPr>
+            <a:spLocks noGrp="1" noChangeArrowheads="1"/>
+          </p:cNvSpPr>
+          <p:nvPr>
+            <p:ph type="body" idx="1"/>
+          </p:nvPr>
+        </p:nvSpPr>
+        <p:spPr>
+          <a:noFill/>
+        </p:spPr>
+        <p:txBody>
+          <a:bodyPr/>
+          <a:lstStyle/>
+          <a:p>
+            <a:pPr eaLnBrk="1" hangingPunct="1"/>
+            <a:r>
+              <a:rPr lang="en-US" altLang="zh-CN">
+                <a:ea typeface="宋体" pitchFamily="2" charset="-122"/>
+              </a:rPr>
+              <a:t>Programmers must use threads or processes</a:t>
             </a:r>
             <a:br>
-              <a:rPr lang="en-US" altLang="zh-CN" sz="3200" dirty="0">
+              <a:rPr lang="en-US" altLang="zh-CN">
                 <a:ea typeface="宋体" pitchFamily="2" charset="-122"/>
               </a:rPr>
             </a:br>
-            <a:r>
-              <a:rPr lang="en-US" altLang="zh-CN" sz="3200" dirty="0">
-                <a:ea typeface="宋体" pitchFamily="2" charset="-122"/>
-              </a:rPr>
-              <a:t>use extra cache state bits</a:t>
-            </a:r>
-          </a:p>
-          <a:p>
-            <a:pPr marL="800100" lvl="1" indent="-342900">
-              <a:spcBef>
-                <a:spcPct val="20000"/>
-              </a:spcBef>
-              <a:buFontTx/>
-              <a:buChar char="•"/>
-            </a:pPr>
-            <a:r>
-              <a:rPr lang="en-US" altLang="zh-CN" sz="3200" dirty="0">
-                <a:ea typeface="宋体" pitchFamily="2" charset="-122"/>
-              </a:rPr>
-              <a:t>MESI (Modified, Exclusive, Shared, Invalid)</a:t>
+            <a:endParaRPr lang="en-US" altLang="zh-CN">
+              <a:ea typeface="宋体" pitchFamily="2" charset="-122"/>
+            </a:endParaRPr>
+          </a:p>
+          <a:p>
+            <a:pPr eaLnBrk="1" hangingPunct="1"/>
+            <a:r>
+              <a:rPr lang="en-US" altLang="zh-CN">
+                <a:ea typeface="宋体" pitchFamily="2" charset="-122"/>
+              </a:rPr>
+              <a:t>Spread the workload across multiple cores</a:t>
+            </a:r>
+            <a:br>
+              <a:rPr lang="en-US" altLang="zh-CN">
+                <a:ea typeface="宋体" pitchFamily="2" charset="-122"/>
+              </a:rPr>
+            </a:br>
+            <a:endParaRPr lang="en-US" altLang="zh-CN">
+              <a:ea typeface="宋体" pitchFamily="2" charset="-122"/>
+            </a:endParaRPr>
+          </a:p>
+          <a:p>
+            <a:pPr eaLnBrk="1" hangingPunct="1"/>
+            <a:r>
+              <a:rPr lang="en-US" altLang="zh-CN">
+                <a:ea typeface="宋体" pitchFamily="2" charset="-122"/>
+              </a:rPr>
+              <a:t>Write parallel algorithms</a:t>
+            </a:r>
+            <a:br>
+              <a:rPr lang="en-US" altLang="zh-CN">
+                <a:ea typeface="宋体" pitchFamily="2" charset="-122"/>
+              </a:rPr>
+            </a:br>
+            <a:endParaRPr lang="en-US" altLang="zh-CN">
+              <a:ea typeface="宋体" pitchFamily="2" charset="-122"/>
+            </a:endParaRPr>
+          </a:p>
+          <a:p>
+            <a:pPr eaLnBrk="1" hangingPunct="1"/>
+            <a:r>
+              <a:rPr lang="en-US" altLang="zh-CN">
+                <a:ea typeface="宋体" pitchFamily="2" charset="-122"/>
+              </a:rPr>
+              <a:t>OS will map threads/processes to cores</a:t>
             </a:r>
           </a:p>
         </p:txBody>
@@ -29307,7 +29277,7 @@
       </p:grpSpPr>
       <p:sp>
         <p:nvSpPr>
-          <p:cNvPr id="56322" name="Slide Number Placeholder 5"/>
+          <p:cNvPr id="60418" name="Slide Number Placeholder 5"/>
           <p:cNvSpPr>
             <a:spLocks noGrp="1"/>
           </p:cNvSpPr>
@@ -29322,7 +29292,7 @@
           <a:bodyPr/>
           <a:lstStyle/>
           <a:p>
-            <a:fld id="{37814DA1-EB03-44FB-AA05-553E5E5707FE}" type="slidenum">
+            <a:fld id="{9D74BE6D-8D7D-475B-9819-FDF458169268}" type="slidenum">
               <a:rPr lang="en-US" altLang="zh-CN">
                 <a:ea typeface="宋体" pitchFamily="2" charset="-122"/>
               </a:rPr>
@@ -29337,7 +29307,7 @@
       </p:sp>
       <p:sp>
         <p:nvSpPr>
-          <p:cNvPr id="56323" name="Rectangle 2"/>
+          <p:cNvPr id="60419" name="Rectangle 2"/>
           <p:cNvSpPr>
             <a:spLocks noGrp="1" noChangeArrowheads="1"/>
           </p:cNvSpPr>
@@ -29352,17 +29322,17 @@
           <a:p>
             <a:pPr eaLnBrk="1" hangingPunct="1"/>
             <a:r>
-              <a:rPr lang="en-US" altLang="zh-CN" dirty="0">
-                <a:ea typeface="宋体" pitchFamily="2" charset="-122"/>
-              </a:rPr>
-              <a:t>Programming for multicore</a:t>
-            </a:r>
-          </a:p>
-        </p:txBody>
-      </p:sp>
-      <p:sp>
-        <p:nvSpPr>
-          <p:cNvPr id="56324" name="Rectangle 4"/>
+              <a:rPr lang="en-US" altLang="zh-CN" sz="4000">
+                <a:ea typeface="宋体" pitchFamily="2" charset="-122"/>
+              </a:rPr>
+              <a:t>Assigning threads to the cores</a:t>
+            </a:r>
+          </a:p>
+        </p:txBody>
+      </p:sp>
+      <p:sp>
+        <p:nvSpPr>
+          <p:cNvPr id="60420" name="Rectangle 3"/>
           <p:cNvSpPr>
             <a:spLocks noGrp="1" noChangeArrowheads="1"/>
           </p:cNvSpPr>
@@ -29371,69 +29341,781 @@
           </p:nvPr>
         </p:nvSpPr>
         <p:spPr>
-          <a:noFill/>
-        </p:spPr>
-        <p:txBody>
-          <a:bodyPr/>
-          <a:lstStyle/>
-          <a:p>
-            <a:pPr eaLnBrk="1" hangingPunct="1"/>
-            <a:r>
-              <a:rPr lang="en-US" altLang="zh-CN">
-                <a:ea typeface="宋体" pitchFamily="2" charset="-122"/>
-              </a:rPr>
-              <a:t>Programmers must use threads or processes</a:t>
-            </a:r>
-            <a:br>
-              <a:rPr lang="en-US" altLang="zh-CN">
-                <a:ea typeface="宋体" pitchFamily="2" charset="-122"/>
-              </a:rPr>
-            </a:br>
-            <a:endParaRPr lang="en-US" altLang="zh-CN">
+          <a:xfrm>
+            <a:off x="457200" y="1371600"/>
+            <a:ext cx="8229600" cy="5257800"/>
+          </a:xfrm>
+        </p:spPr>
+        <p:txBody>
+          <a:bodyPr/>
+          <a:lstStyle/>
+          <a:p>
+            <a:pPr eaLnBrk="1" hangingPunct="1">
+              <a:lnSpc>
+                <a:spcPct val="90000"/>
+              </a:lnSpc>
+            </a:pPr>
+            <a:r>
+              <a:rPr lang="en-US" altLang="zh-CN" dirty="0">
+                <a:ea typeface="宋体" pitchFamily="2" charset="-122"/>
+              </a:rPr>
+              <a:t>Each thread/process has an </a:t>
+            </a:r>
+            <a:r>
+              <a:rPr lang="en-US" altLang="zh-CN" i="1" dirty="0">
+                <a:ea typeface="宋体" pitchFamily="2" charset="-122"/>
+              </a:rPr>
+              <a:t>affinity mask </a:t>
+            </a:r>
+            <a:r>
+              <a:rPr lang="en-US" altLang="zh-CN" dirty="0">
+                <a:ea typeface="宋体" pitchFamily="2" charset="-122"/>
+              </a:rPr>
+              <a:t>that specifies what core(s) the thread is allowed to run on</a:t>
+            </a:r>
+          </a:p>
+          <a:p>
+            <a:pPr lvl="1" eaLnBrk="1" hangingPunct="1">
+              <a:lnSpc>
+                <a:spcPct val="90000"/>
+              </a:lnSpc>
+            </a:pPr>
+            <a:r>
+              <a:rPr lang="en-US" altLang="zh-CN" dirty="0">
+                <a:ea typeface="宋体" pitchFamily="2" charset="-122"/>
+              </a:rPr>
+              <a:t>Affinities are inherited across fork()</a:t>
+            </a:r>
+          </a:p>
+          <a:p>
+            <a:pPr eaLnBrk="1" hangingPunct="1">
+              <a:lnSpc>
+                <a:spcPct val="90000"/>
+              </a:lnSpc>
+            </a:pPr>
+            <a:r>
+              <a:rPr lang="en-US" altLang="zh-CN" dirty="0">
+                <a:ea typeface="宋体" pitchFamily="2" charset="-122"/>
+              </a:rPr>
+              <a:t>Example:</a:t>
+            </a:r>
+            <a:r>
+              <a:rPr lang="zh-CN" altLang="en-US" dirty="0">
+                <a:ea typeface="宋体" pitchFamily="2" charset="-122"/>
+              </a:rPr>
+              <a:t> </a:t>
+            </a:r>
+            <a:r>
+              <a:rPr lang="en-US" altLang="zh-CN" dirty="0">
+                <a:ea typeface="宋体" pitchFamily="2" charset="-122"/>
+              </a:rPr>
+              <a:t>this</a:t>
+            </a:r>
+            <a:r>
+              <a:rPr lang="zh-CN" altLang="en-US" dirty="0">
+                <a:ea typeface="宋体" pitchFamily="2" charset="-122"/>
+              </a:rPr>
+              <a:t> </a:t>
+            </a:r>
+            <a:r>
+              <a:rPr lang="en-US" altLang="zh-CN" dirty="0">
+                <a:ea typeface="宋体" pitchFamily="2" charset="-122"/>
+              </a:rPr>
+              <a:t>thread is allowed to run on  cores 0,2,3, but not on core 1, on a quadcore processor</a:t>
+            </a:r>
+          </a:p>
+        </p:txBody>
+      </p:sp>
+      <p:sp>
+        <p:nvSpPr>
+          <p:cNvPr id="5" name="Rectangle 4">
+            <a:extLst>
+              <a:ext uri="{FF2B5EF4-FFF2-40B4-BE49-F238E27FC236}">
+                <a16:creationId xmlns:a16="http://schemas.microsoft.com/office/drawing/2014/main" id="{CB788150-F6A8-4D3D-B033-02A1D2380CC2}"/>
+              </a:ext>
+            </a:extLst>
+          </p:cNvPr>
+          <p:cNvSpPr>
+            <a:spLocks noChangeArrowheads="1"/>
+          </p:cNvSpPr>
+          <p:nvPr/>
+        </p:nvSpPr>
+        <p:spPr bwMode="auto">
+          <a:xfrm>
+            <a:off x="1752600" y="4812289"/>
+            <a:ext cx="5867400" cy="533400"/>
+          </a:xfrm>
+          <a:prstGeom prst="rect">
+            <a:avLst/>
+          </a:prstGeom>
+          <a:noFill/>
+          <a:ln w="25400">
+            <a:solidFill>
+              <a:schemeClr val="tx1"/>
+            </a:solidFill>
+            <a:miter lim="800000"/>
+            <a:headEnd/>
+            <a:tailEnd/>
+          </a:ln>
+        </p:spPr>
+        <p:txBody>
+          <a:bodyPr wrap="none" anchor="ctr"/>
+          <a:lstStyle/>
+          <a:p>
+            <a:endParaRPr lang="zh-CN" altLang="en-US">
               <a:ea typeface="宋体" pitchFamily="2" charset="-122"/>
             </a:endParaRPr>
           </a:p>
-          <a:p>
-            <a:pPr eaLnBrk="1" hangingPunct="1"/>
-            <a:r>
-              <a:rPr lang="en-US" altLang="zh-CN">
-                <a:ea typeface="宋体" pitchFamily="2" charset="-122"/>
-              </a:rPr>
-              <a:t>Spread the workload across multiple cores</a:t>
-            </a:r>
-            <a:br>
-              <a:rPr lang="en-US" altLang="zh-CN">
-                <a:ea typeface="宋体" pitchFamily="2" charset="-122"/>
-              </a:rPr>
-            </a:br>
-            <a:endParaRPr lang="en-US" altLang="zh-CN">
-              <a:ea typeface="宋体" pitchFamily="2" charset="-122"/>
-            </a:endParaRPr>
-          </a:p>
-          <a:p>
-            <a:pPr eaLnBrk="1" hangingPunct="1"/>
-            <a:r>
-              <a:rPr lang="en-US" altLang="zh-CN">
-                <a:ea typeface="宋体" pitchFamily="2" charset="-122"/>
-              </a:rPr>
-              <a:t>Write parallel algorithms</a:t>
-            </a:r>
-            <a:br>
-              <a:rPr lang="en-US" altLang="zh-CN">
-                <a:ea typeface="宋体" pitchFamily="2" charset="-122"/>
-              </a:rPr>
-            </a:br>
-            <a:endParaRPr lang="en-US" altLang="zh-CN">
-              <a:ea typeface="宋体" pitchFamily="2" charset="-122"/>
-            </a:endParaRPr>
-          </a:p>
-          <a:p>
-            <a:pPr eaLnBrk="1" hangingPunct="1"/>
-            <a:r>
-              <a:rPr lang="en-US" altLang="zh-CN">
-                <a:ea typeface="宋体" pitchFamily="2" charset="-122"/>
-              </a:rPr>
-              <a:t>OS will map threads/processes to cores</a:t>
+        </p:txBody>
+      </p:sp>
+      <p:sp>
+        <p:nvSpPr>
+          <p:cNvPr id="6" name="Line 5">
+            <a:extLst>
+              <a:ext uri="{FF2B5EF4-FFF2-40B4-BE49-F238E27FC236}">
+                <a16:creationId xmlns:a16="http://schemas.microsoft.com/office/drawing/2014/main" id="{4602C279-AE65-4308-A80F-325B4EACB71C}"/>
+              </a:ext>
+            </a:extLst>
+          </p:cNvPr>
+          <p:cNvSpPr>
+            <a:spLocks noChangeShapeType="1"/>
+          </p:cNvSpPr>
+          <p:nvPr/>
+        </p:nvSpPr>
+        <p:spPr bwMode="auto">
+          <a:xfrm>
+            <a:off x="4724400" y="4812289"/>
+            <a:ext cx="0" cy="533400"/>
+          </a:xfrm>
+          <a:prstGeom prst="line">
+            <a:avLst/>
+          </a:prstGeom>
+          <a:noFill/>
+          <a:ln w="25400">
+            <a:solidFill>
+              <a:schemeClr val="tx1"/>
+            </a:solidFill>
+            <a:round/>
+            <a:headEnd/>
+            <a:tailEnd/>
+          </a:ln>
+        </p:spPr>
+        <p:txBody>
+          <a:bodyPr/>
+          <a:lstStyle/>
+          <a:p>
+            <a:endParaRPr lang="zh-CN" altLang="en-US"/>
+          </a:p>
+        </p:txBody>
+      </p:sp>
+      <p:sp>
+        <p:nvSpPr>
+          <p:cNvPr id="7" name="Line 6">
+            <a:extLst>
+              <a:ext uri="{FF2B5EF4-FFF2-40B4-BE49-F238E27FC236}">
+                <a16:creationId xmlns:a16="http://schemas.microsoft.com/office/drawing/2014/main" id="{F7FA6639-91F8-417C-8CFF-2ABB4DF7785D}"/>
+              </a:ext>
+            </a:extLst>
+          </p:cNvPr>
+          <p:cNvSpPr>
+            <a:spLocks noChangeShapeType="1"/>
+          </p:cNvSpPr>
+          <p:nvPr/>
+        </p:nvSpPr>
+        <p:spPr bwMode="auto">
+          <a:xfrm>
+            <a:off x="3200400" y="4812289"/>
+            <a:ext cx="0" cy="533400"/>
+          </a:xfrm>
+          <a:prstGeom prst="line">
+            <a:avLst/>
+          </a:prstGeom>
+          <a:noFill/>
+          <a:ln w="25400">
+            <a:solidFill>
+              <a:schemeClr val="tx1"/>
+            </a:solidFill>
+            <a:round/>
+            <a:headEnd/>
+            <a:tailEnd/>
+          </a:ln>
+        </p:spPr>
+        <p:txBody>
+          <a:bodyPr/>
+          <a:lstStyle/>
+          <a:p>
+            <a:endParaRPr lang="zh-CN" altLang="en-US"/>
+          </a:p>
+        </p:txBody>
+      </p:sp>
+      <p:sp>
+        <p:nvSpPr>
+          <p:cNvPr id="8" name="Line 7">
+            <a:extLst>
+              <a:ext uri="{FF2B5EF4-FFF2-40B4-BE49-F238E27FC236}">
+                <a16:creationId xmlns:a16="http://schemas.microsoft.com/office/drawing/2014/main" id="{70BE585C-BA47-4BA1-84DA-6E678EDB1F8C}"/>
+              </a:ext>
+            </a:extLst>
+          </p:cNvPr>
+          <p:cNvSpPr>
+            <a:spLocks noChangeShapeType="1"/>
+          </p:cNvSpPr>
+          <p:nvPr/>
+        </p:nvSpPr>
+        <p:spPr bwMode="auto">
+          <a:xfrm>
+            <a:off x="6172200" y="4812289"/>
+            <a:ext cx="0" cy="533400"/>
+          </a:xfrm>
+          <a:prstGeom prst="line">
+            <a:avLst/>
+          </a:prstGeom>
+          <a:noFill/>
+          <a:ln w="25400">
+            <a:solidFill>
+              <a:schemeClr val="tx1"/>
+            </a:solidFill>
+            <a:round/>
+            <a:headEnd/>
+            <a:tailEnd/>
+          </a:ln>
+        </p:spPr>
+        <p:txBody>
+          <a:bodyPr/>
+          <a:lstStyle/>
+          <a:p>
+            <a:endParaRPr lang="zh-CN" altLang="en-US"/>
+          </a:p>
+        </p:txBody>
+      </p:sp>
+      <p:sp>
+        <p:nvSpPr>
+          <p:cNvPr id="9" name="Text Box 8">
+            <a:extLst>
+              <a:ext uri="{FF2B5EF4-FFF2-40B4-BE49-F238E27FC236}">
+                <a16:creationId xmlns:a16="http://schemas.microsoft.com/office/drawing/2014/main" id="{4104D766-D83C-476E-85DB-1E7436AAFBCC}"/>
+              </a:ext>
+            </a:extLst>
+          </p:cNvPr>
+          <p:cNvSpPr txBox="1">
+            <a:spLocks noChangeArrowheads="1"/>
+          </p:cNvSpPr>
+          <p:nvPr/>
+        </p:nvSpPr>
+        <p:spPr bwMode="auto">
+          <a:xfrm>
+            <a:off x="6689725" y="4851977"/>
+            <a:ext cx="339725" cy="427037"/>
+          </a:xfrm>
+          <a:prstGeom prst="rect">
+            <a:avLst/>
+          </a:prstGeom>
+          <a:noFill/>
+          <a:ln w="25400">
+            <a:noFill/>
+            <a:miter lim="800000"/>
+            <a:headEnd/>
+            <a:tailEnd/>
+          </a:ln>
+        </p:spPr>
+        <p:txBody>
+          <a:bodyPr wrap="none">
+            <a:spAutoFit/>
+          </a:bodyPr>
+          <a:lstStyle/>
+          <a:p>
+            <a:r>
+              <a:rPr lang="en-US" altLang="zh-CN" sz="2200">
+                <a:ea typeface="宋体" pitchFamily="2" charset="-122"/>
+              </a:rPr>
+              <a:t>1</a:t>
+            </a:r>
+          </a:p>
+        </p:txBody>
+      </p:sp>
+      <p:sp>
+        <p:nvSpPr>
+          <p:cNvPr id="10" name="Text Box 9">
+            <a:extLst>
+              <a:ext uri="{FF2B5EF4-FFF2-40B4-BE49-F238E27FC236}">
+                <a16:creationId xmlns:a16="http://schemas.microsoft.com/office/drawing/2014/main" id="{62FF5662-CB99-4851-BDB4-11AF6FD965F3}"/>
+              </a:ext>
+            </a:extLst>
+          </p:cNvPr>
+          <p:cNvSpPr txBox="1">
+            <a:spLocks noChangeArrowheads="1"/>
+          </p:cNvSpPr>
+          <p:nvPr/>
+        </p:nvSpPr>
+        <p:spPr bwMode="auto">
+          <a:xfrm>
+            <a:off x="5232400" y="4848802"/>
+            <a:ext cx="339725" cy="427037"/>
+          </a:xfrm>
+          <a:prstGeom prst="rect">
+            <a:avLst/>
+          </a:prstGeom>
+          <a:noFill/>
+          <a:ln w="25400">
+            <a:noFill/>
+            <a:miter lim="800000"/>
+            <a:headEnd/>
+            <a:tailEnd/>
+          </a:ln>
+        </p:spPr>
+        <p:txBody>
+          <a:bodyPr wrap="none">
+            <a:spAutoFit/>
+          </a:bodyPr>
+          <a:lstStyle/>
+          <a:p>
+            <a:r>
+              <a:rPr lang="en-US" altLang="zh-CN" sz="2200">
+                <a:ea typeface="宋体" pitchFamily="2" charset="-122"/>
+              </a:rPr>
+              <a:t>0</a:t>
+            </a:r>
+          </a:p>
+        </p:txBody>
+      </p:sp>
+      <p:sp>
+        <p:nvSpPr>
+          <p:cNvPr id="11" name="Text Box 10">
+            <a:extLst>
+              <a:ext uri="{FF2B5EF4-FFF2-40B4-BE49-F238E27FC236}">
+                <a16:creationId xmlns:a16="http://schemas.microsoft.com/office/drawing/2014/main" id="{B79FF7DD-1C60-4CDB-8B96-A6E5E97EA4AC}"/>
+              </a:ext>
+            </a:extLst>
+          </p:cNvPr>
+          <p:cNvSpPr txBox="1">
+            <a:spLocks noChangeArrowheads="1"/>
+          </p:cNvSpPr>
+          <p:nvPr/>
+        </p:nvSpPr>
+        <p:spPr bwMode="auto">
+          <a:xfrm>
+            <a:off x="3736975" y="4847214"/>
+            <a:ext cx="339725" cy="427038"/>
+          </a:xfrm>
+          <a:prstGeom prst="rect">
+            <a:avLst/>
+          </a:prstGeom>
+          <a:noFill/>
+          <a:ln w="25400">
+            <a:noFill/>
+            <a:miter lim="800000"/>
+            <a:headEnd/>
+            <a:tailEnd/>
+          </a:ln>
+        </p:spPr>
+        <p:txBody>
+          <a:bodyPr wrap="none">
+            <a:spAutoFit/>
+          </a:bodyPr>
+          <a:lstStyle/>
+          <a:p>
+            <a:r>
+              <a:rPr lang="en-US" altLang="zh-CN" sz="2200">
+                <a:ea typeface="宋体" pitchFamily="2" charset="-122"/>
+              </a:rPr>
+              <a:t>1</a:t>
+            </a:r>
+          </a:p>
+        </p:txBody>
+      </p:sp>
+      <p:sp>
+        <p:nvSpPr>
+          <p:cNvPr id="12" name="Text Box 11">
+            <a:extLst>
+              <a:ext uri="{FF2B5EF4-FFF2-40B4-BE49-F238E27FC236}">
+                <a16:creationId xmlns:a16="http://schemas.microsoft.com/office/drawing/2014/main" id="{ECF0A2D2-B875-46E5-BD6A-2FA9AE0532E5}"/>
+              </a:ext>
+            </a:extLst>
+          </p:cNvPr>
+          <p:cNvSpPr txBox="1">
+            <a:spLocks noChangeArrowheads="1"/>
+          </p:cNvSpPr>
+          <p:nvPr/>
+        </p:nvSpPr>
+        <p:spPr bwMode="auto">
+          <a:xfrm>
+            <a:off x="2279650" y="4847214"/>
+            <a:ext cx="339725" cy="427038"/>
+          </a:xfrm>
+          <a:prstGeom prst="rect">
+            <a:avLst/>
+          </a:prstGeom>
+          <a:noFill/>
+          <a:ln w="25400">
+            <a:noFill/>
+            <a:miter lim="800000"/>
+            <a:headEnd/>
+            <a:tailEnd/>
+          </a:ln>
+        </p:spPr>
+        <p:txBody>
+          <a:bodyPr wrap="none">
+            <a:spAutoFit/>
+          </a:bodyPr>
+          <a:lstStyle/>
+          <a:p>
+            <a:r>
+              <a:rPr lang="en-US" altLang="zh-CN" sz="2200">
+                <a:ea typeface="宋体" pitchFamily="2" charset="-122"/>
+              </a:rPr>
+              <a:t>1</a:t>
+            </a:r>
+          </a:p>
+        </p:txBody>
+      </p:sp>
+      <p:sp>
+        <p:nvSpPr>
+          <p:cNvPr id="13" name="Line 12">
+            <a:extLst>
+              <a:ext uri="{FF2B5EF4-FFF2-40B4-BE49-F238E27FC236}">
+                <a16:creationId xmlns:a16="http://schemas.microsoft.com/office/drawing/2014/main" id="{2F8CBD78-09EA-43A6-A34A-A0D0506063C7}"/>
+              </a:ext>
+            </a:extLst>
+          </p:cNvPr>
+          <p:cNvSpPr>
+            <a:spLocks noChangeShapeType="1"/>
+          </p:cNvSpPr>
+          <p:nvPr/>
+        </p:nvSpPr>
+        <p:spPr bwMode="auto">
+          <a:xfrm flipV="1">
+            <a:off x="2438400" y="5498089"/>
+            <a:ext cx="0" cy="762000"/>
+          </a:xfrm>
+          <a:prstGeom prst="line">
+            <a:avLst/>
+          </a:prstGeom>
+          <a:noFill/>
+          <a:ln w="25400">
+            <a:solidFill>
+              <a:srgbClr val="FF0000"/>
+            </a:solidFill>
+            <a:round/>
+            <a:headEnd/>
+            <a:tailEnd type="triangle" w="med" len="med"/>
+          </a:ln>
+        </p:spPr>
+        <p:txBody>
+          <a:bodyPr/>
+          <a:lstStyle/>
+          <a:p>
+            <a:endParaRPr lang="zh-CN" altLang="en-US"/>
+          </a:p>
+        </p:txBody>
+      </p:sp>
+      <p:sp>
+        <p:nvSpPr>
+          <p:cNvPr id="14" name="Text Box 13">
+            <a:extLst>
+              <a:ext uri="{FF2B5EF4-FFF2-40B4-BE49-F238E27FC236}">
+                <a16:creationId xmlns:a16="http://schemas.microsoft.com/office/drawing/2014/main" id="{5EF25353-1C9C-4784-8CC1-2ECB69C6EFAF}"/>
+              </a:ext>
+            </a:extLst>
+          </p:cNvPr>
+          <p:cNvSpPr txBox="1">
+            <a:spLocks noChangeArrowheads="1"/>
+          </p:cNvSpPr>
+          <p:nvPr/>
+        </p:nvSpPr>
+        <p:spPr bwMode="auto">
+          <a:xfrm>
+            <a:off x="2057400" y="6336289"/>
+            <a:ext cx="819150" cy="366713"/>
+          </a:xfrm>
+          <a:prstGeom prst="rect">
+            <a:avLst/>
+          </a:prstGeom>
+          <a:noFill/>
+          <a:ln w="25400">
+            <a:noFill/>
+            <a:miter lim="800000"/>
+            <a:headEnd/>
+            <a:tailEnd/>
+          </a:ln>
+        </p:spPr>
+        <p:txBody>
+          <a:bodyPr wrap="none">
+            <a:spAutoFit/>
+          </a:bodyPr>
+          <a:lstStyle/>
+          <a:p>
+            <a:r>
+              <a:rPr lang="en-US" altLang="zh-CN">
+                <a:solidFill>
+                  <a:srgbClr val="FF3300"/>
+                </a:solidFill>
+                <a:ea typeface="宋体" pitchFamily="2" charset="-122"/>
+              </a:rPr>
+              <a:t>core 3</a:t>
+            </a:r>
+          </a:p>
+        </p:txBody>
+      </p:sp>
+      <p:sp>
+        <p:nvSpPr>
+          <p:cNvPr id="15" name="Line 14">
+            <a:extLst>
+              <a:ext uri="{FF2B5EF4-FFF2-40B4-BE49-F238E27FC236}">
+                <a16:creationId xmlns:a16="http://schemas.microsoft.com/office/drawing/2014/main" id="{DF56D10B-0E2C-4A4E-B2CE-463CA638CFBC}"/>
+              </a:ext>
+            </a:extLst>
+          </p:cNvPr>
+          <p:cNvSpPr>
+            <a:spLocks noChangeShapeType="1"/>
+          </p:cNvSpPr>
+          <p:nvPr/>
+        </p:nvSpPr>
+        <p:spPr bwMode="auto">
+          <a:xfrm flipV="1">
+            <a:off x="3886200" y="5498089"/>
+            <a:ext cx="0" cy="762000"/>
+          </a:xfrm>
+          <a:prstGeom prst="line">
+            <a:avLst/>
+          </a:prstGeom>
+          <a:noFill/>
+          <a:ln w="25400">
+            <a:solidFill>
+              <a:srgbClr val="FF0000"/>
+            </a:solidFill>
+            <a:round/>
+            <a:headEnd/>
+            <a:tailEnd type="triangle" w="med" len="med"/>
+          </a:ln>
+        </p:spPr>
+        <p:txBody>
+          <a:bodyPr/>
+          <a:lstStyle/>
+          <a:p>
+            <a:endParaRPr lang="zh-CN" altLang="en-US"/>
+          </a:p>
+        </p:txBody>
+      </p:sp>
+      <p:sp>
+        <p:nvSpPr>
+          <p:cNvPr id="16" name="Text Box 15">
+            <a:extLst>
+              <a:ext uri="{FF2B5EF4-FFF2-40B4-BE49-F238E27FC236}">
+                <a16:creationId xmlns:a16="http://schemas.microsoft.com/office/drawing/2014/main" id="{52008AD0-CA24-4272-8581-7D94D0116C25}"/>
+              </a:ext>
+            </a:extLst>
+          </p:cNvPr>
+          <p:cNvSpPr txBox="1">
+            <a:spLocks noChangeArrowheads="1"/>
+          </p:cNvSpPr>
+          <p:nvPr/>
+        </p:nvSpPr>
+        <p:spPr bwMode="auto">
+          <a:xfrm>
+            <a:off x="3505200" y="6336289"/>
+            <a:ext cx="819150" cy="366713"/>
+          </a:xfrm>
+          <a:prstGeom prst="rect">
+            <a:avLst/>
+          </a:prstGeom>
+          <a:noFill/>
+          <a:ln w="25400">
+            <a:noFill/>
+            <a:miter lim="800000"/>
+            <a:headEnd/>
+            <a:tailEnd/>
+          </a:ln>
+        </p:spPr>
+        <p:txBody>
+          <a:bodyPr wrap="none">
+            <a:spAutoFit/>
+          </a:bodyPr>
+          <a:lstStyle/>
+          <a:p>
+            <a:r>
+              <a:rPr lang="en-US" altLang="zh-CN">
+                <a:solidFill>
+                  <a:srgbClr val="FF3300"/>
+                </a:solidFill>
+                <a:ea typeface="宋体" pitchFamily="2" charset="-122"/>
+              </a:rPr>
+              <a:t>core 2</a:t>
+            </a:r>
+          </a:p>
+        </p:txBody>
+      </p:sp>
+      <p:sp>
+        <p:nvSpPr>
+          <p:cNvPr id="17" name="Line 16">
+            <a:extLst>
+              <a:ext uri="{FF2B5EF4-FFF2-40B4-BE49-F238E27FC236}">
+                <a16:creationId xmlns:a16="http://schemas.microsoft.com/office/drawing/2014/main" id="{196472EE-6D6F-45F5-A787-919D7BC338D9}"/>
+              </a:ext>
+            </a:extLst>
+          </p:cNvPr>
+          <p:cNvSpPr>
+            <a:spLocks noChangeShapeType="1"/>
+          </p:cNvSpPr>
+          <p:nvPr/>
+        </p:nvSpPr>
+        <p:spPr bwMode="auto">
+          <a:xfrm flipV="1">
+            <a:off x="5410200" y="5498089"/>
+            <a:ext cx="0" cy="762000"/>
+          </a:xfrm>
+          <a:prstGeom prst="line">
+            <a:avLst/>
+          </a:prstGeom>
+          <a:noFill/>
+          <a:ln w="25400">
+            <a:solidFill>
+              <a:srgbClr val="FF0000"/>
+            </a:solidFill>
+            <a:round/>
+            <a:headEnd/>
+            <a:tailEnd type="triangle" w="med" len="med"/>
+          </a:ln>
+        </p:spPr>
+        <p:txBody>
+          <a:bodyPr/>
+          <a:lstStyle/>
+          <a:p>
+            <a:endParaRPr lang="zh-CN" altLang="en-US"/>
+          </a:p>
+        </p:txBody>
+      </p:sp>
+      <p:sp>
+        <p:nvSpPr>
+          <p:cNvPr id="18" name="Text Box 17">
+            <a:extLst>
+              <a:ext uri="{FF2B5EF4-FFF2-40B4-BE49-F238E27FC236}">
+                <a16:creationId xmlns:a16="http://schemas.microsoft.com/office/drawing/2014/main" id="{91AC9707-CB0E-4952-BBC0-F12BDF94CB4B}"/>
+              </a:ext>
+            </a:extLst>
+          </p:cNvPr>
+          <p:cNvSpPr txBox="1">
+            <a:spLocks noChangeArrowheads="1"/>
+          </p:cNvSpPr>
+          <p:nvPr/>
+        </p:nvSpPr>
+        <p:spPr bwMode="auto">
+          <a:xfrm>
+            <a:off x="5029200" y="6336289"/>
+            <a:ext cx="819150" cy="366713"/>
+          </a:xfrm>
+          <a:prstGeom prst="rect">
+            <a:avLst/>
+          </a:prstGeom>
+          <a:noFill/>
+          <a:ln w="25400">
+            <a:noFill/>
+            <a:miter lim="800000"/>
+            <a:headEnd/>
+            <a:tailEnd/>
+          </a:ln>
+        </p:spPr>
+        <p:txBody>
+          <a:bodyPr wrap="none">
+            <a:spAutoFit/>
+          </a:bodyPr>
+          <a:lstStyle/>
+          <a:p>
+            <a:r>
+              <a:rPr lang="en-US" altLang="zh-CN">
+                <a:solidFill>
+                  <a:srgbClr val="FF3300"/>
+                </a:solidFill>
+                <a:ea typeface="宋体" pitchFamily="2" charset="-122"/>
+              </a:rPr>
+              <a:t>core 1</a:t>
+            </a:r>
+          </a:p>
+        </p:txBody>
+      </p:sp>
+      <p:sp>
+        <p:nvSpPr>
+          <p:cNvPr id="19" name="Line 18">
+            <a:extLst>
+              <a:ext uri="{FF2B5EF4-FFF2-40B4-BE49-F238E27FC236}">
+                <a16:creationId xmlns:a16="http://schemas.microsoft.com/office/drawing/2014/main" id="{B87BAB01-7878-40B1-B860-840389147696}"/>
+              </a:ext>
+            </a:extLst>
+          </p:cNvPr>
+          <p:cNvSpPr>
+            <a:spLocks noChangeShapeType="1"/>
+          </p:cNvSpPr>
+          <p:nvPr/>
+        </p:nvSpPr>
+        <p:spPr bwMode="auto">
+          <a:xfrm flipV="1">
+            <a:off x="6934200" y="5498089"/>
+            <a:ext cx="0" cy="762000"/>
+          </a:xfrm>
+          <a:prstGeom prst="line">
+            <a:avLst/>
+          </a:prstGeom>
+          <a:noFill/>
+          <a:ln w="25400">
+            <a:solidFill>
+              <a:srgbClr val="FF0000"/>
+            </a:solidFill>
+            <a:round/>
+            <a:headEnd/>
+            <a:tailEnd type="triangle" w="med" len="med"/>
+          </a:ln>
+        </p:spPr>
+        <p:txBody>
+          <a:bodyPr/>
+          <a:lstStyle/>
+          <a:p>
+            <a:endParaRPr lang="zh-CN" altLang="en-US"/>
+          </a:p>
+        </p:txBody>
+      </p:sp>
+      <p:sp>
+        <p:nvSpPr>
+          <p:cNvPr id="20" name="Text Box 19">
+            <a:extLst>
+              <a:ext uri="{FF2B5EF4-FFF2-40B4-BE49-F238E27FC236}">
+                <a16:creationId xmlns:a16="http://schemas.microsoft.com/office/drawing/2014/main" id="{0C26A7EB-7D1E-48A8-B782-8F02FC34997F}"/>
+              </a:ext>
+            </a:extLst>
+          </p:cNvPr>
+          <p:cNvSpPr txBox="1">
+            <a:spLocks noChangeArrowheads="1"/>
+          </p:cNvSpPr>
+          <p:nvPr/>
+        </p:nvSpPr>
+        <p:spPr bwMode="auto">
+          <a:xfrm>
+            <a:off x="6553200" y="6336289"/>
+            <a:ext cx="819150" cy="366713"/>
+          </a:xfrm>
+          <a:prstGeom prst="rect">
+            <a:avLst/>
+          </a:prstGeom>
+          <a:noFill/>
+          <a:ln w="25400">
+            <a:noFill/>
+            <a:miter lim="800000"/>
+            <a:headEnd/>
+            <a:tailEnd/>
+          </a:ln>
+        </p:spPr>
+        <p:txBody>
+          <a:bodyPr wrap="none">
+            <a:spAutoFit/>
+          </a:bodyPr>
+          <a:lstStyle/>
+          <a:p>
+            <a:r>
+              <a:rPr lang="en-US" altLang="zh-CN">
+                <a:solidFill>
+                  <a:srgbClr val="FF3300"/>
+                </a:solidFill>
+                <a:ea typeface="宋体" pitchFamily="2" charset="-122"/>
+              </a:rPr>
+              <a:t>core 0</a:t>
             </a:r>
           </a:p>
         </p:txBody>
@@ -29465,7 +30147,7 @@
       </p:grpSpPr>
       <p:sp>
         <p:nvSpPr>
-          <p:cNvPr id="60418" name="Slide Number Placeholder 5"/>
+          <p:cNvPr id="63490" name="Slide Number Placeholder 5"/>
           <p:cNvSpPr>
             <a:spLocks noGrp="1"/>
           </p:cNvSpPr>
@@ -29480,7 +30162,7 @@
           <a:bodyPr/>
           <a:lstStyle/>
           <a:p>
-            <a:fld id="{9D74BE6D-8D7D-475B-9819-FDF458169268}" type="slidenum">
+            <a:fld id="{8DCF0E15-7C54-42C9-800B-B654E44618CD}" type="slidenum">
               <a:rPr lang="en-US" altLang="zh-CN">
                 <a:ea typeface="宋体" pitchFamily="2" charset="-122"/>
               </a:rPr>
@@ -29495,7 +30177,7 @@
       </p:sp>
       <p:sp>
         <p:nvSpPr>
-          <p:cNvPr id="60419" name="Rectangle 2"/>
+          <p:cNvPr id="63491" name="Rectangle 2"/>
           <p:cNvSpPr>
             <a:spLocks noGrp="1" noChangeArrowheads="1"/>
           </p:cNvSpPr>
@@ -29510,17 +30192,17 @@
           <a:p>
             <a:pPr eaLnBrk="1" hangingPunct="1"/>
             <a:r>
-              <a:rPr lang="en-US" altLang="zh-CN" sz="4000">
-                <a:ea typeface="宋体" pitchFamily="2" charset="-122"/>
-              </a:rPr>
-              <a:t>Assigning threads to the cores</a:t>
-            </a:r>
-          </a:p>
-        </p:txBody>
-      </p:sp>
-      <p:sp>
-        <p:nvSpPr>
-          <p:cNvPr id="60420" name="Rectangle 3"/>
+              <a:rPr lang="en-US" altLang="zh-CN">
+                <a:ea typeface="宋体" pitchFamily="2" charset="-122"/>
+              </a:rPr>
+              <a:t>Default Affinities</a:t>
+            </a:r>
+          </a:p>
+        </p:txBody>
+      </p:sp>
+      <p:sp>
+        <p:nvSpPr>
+          <p:cNvPr id="63492" name="Rectangle 3"/>
           <p:cNvSpPr>
             <a:spLocks noGrp="1" noChangeArrowheads="1"/>
           </p:cNvSpPr>
@@ -29528,12 +30210,7 @@
             <p:ph type="body" idx="1"/>
           </p:nvPr>
         </p:nvSpPr>
-        <p:spPr>
-          <a:xfrm>
-            <a:off x="457200" y="1371600"/>
-            <a:ext cx="8229600" cy="5257800"/>
-          </a:xfrm>
-        </p:spPr>
+        <p:spPr/>
         <p:txBody>
           <a:bodyPr/>
           <a:lstStyle/>
@@ -29547,19 +30224,41 @@
               <a:rPr lang="en-US" altLang="zh-CN" dirty="0">
                 <a:ea typeface="宋体" pitchFamily="2" charset="-122"/>
               </a:rPr>
-              <a:t>Each thread/process has an </a:t>
-            </a:r>
-            <a:r>
-              <a:rPr lang="en-US" altLang="zh-CN" i="1" dirty="0">
-                <a:ea typeface="宋体" pitchFamily="2" charset="-122"/>
-              </a:rPr>
-              <a:t>affinity mask </a:t>
-            </a:r>
-            <a:r>
+              <a:t>Default affinity mask is all 1s:</a:t>
+            </a:r>
+            <a:br>
               <a:rPr lang="en-US" altLang="zh-CN" dirty="0">
                 <a:ea typeface="宋体" pitchFamily="2" charset="-122"/>
               </a:rPr>
-              <a:t>that specifies what core(s) the thread is allowed to run on</a:t>
+            </a:br>
+            <a:r>
+              <a:rPr lang="en-US" altLang="zh-CN" dirty="0">
+                <a:ea typeface="宋体" pitchFamily="2" charset="-122"/>
+              </a:rPr>
+              <a:t>all threads can run on all cores of the processor</a:t>
+            </a:r>
+          </a:p>
+          <a:p>
+            <a:pPr eaLnBrk="1" hangingPunct="1">
+              <a:lnSpc>
+                <a:spcPct val="90000"/>
+              </a:lnSpc>
+            </a:pPr>
+            <a:endParaRPr lang="en-US" altLang="zh-CN" dirty="0">
+              <a:ea typeface="宋体" pitchFamily="2" charset="-122"/>
+            </a:endParaRPr>
+          </a:p>
+          <a:p>
+            <a:pPr eaLnBrk="1" hangingPunct="1">
+              <a:lnSpc>
+                <a:spcPct val="90000"/>
+              </a:lnSpc>
+            </a:pPr>
+            <a:r>
+              <a:rPr lang="en-US" altLang="zh-CN" dirty="0">
+                <a:ea typeface="宋体" pitchFamily="2" charset="-122"/>
+              </a:rPr>
+              <a:t>OS scheduler decides what threads run on what core</a:t>
             </a:r>
           </a:p>
           <a:p>
@@ -29572,7 +30271,7 @@
               <a:rPr lang="en-US" altLang="zh-CN" dirty="0">
                 <a:ea typeface="宋体" pitchFamily="2" charset="-122"/>
               </a:rPr>
-              <a:t>Affinities are inherited across fork()</a:t>
+              <a:t>Load balancing: upon detection of skewed workloads, threads are migrated to less busy cores</a:t>
             </a:r>
           </a:p>
           <a:p>
@@ -29581,730 +30280,9 @@
                 <a:spcPct val="90000"/>
               </a:lnSpc>
             </a:pPr>
-            <a:r>
-              <a:rPr lang="en-US" altLang="zh-CN" dirty="0">
-                <a:ea typeface="宋体" pitchFamily="2" charset="-122"/>
-              </a:rPr>
-              <a:t>Example:</a:t>
-            </a:r>
-            <a:r>
-              <a:rPr lang="zh-CN" altLang="en-US" dirty="0">
-                <a:ea typeface="宋体" pitchFamily="2" charset="-122"/>
-              </a:rPr>
-              <a:t> </a:t>
-            </a:r>
-            <a:r>
-              <a:rPr lang="en-US" altLang="zh-CN" dirty="0">
-                <a:ea typeface="宋体" pitchFamily="2" charset="-122"/>
-              </a:rPr>
-              <a:t>this</a:t>
-            </a:r>
-            <a:r>
-              <a:rPr lang="zh-CN" altLang="en-US" dirty="0">
-                <a:ea typeface="宋体" pitchFamily="2" charset="-122"/>
-              </a:rPr>
-              <a:t> </a:t>
-            </a:r>
-            <a:r>
-              <a:rPr lang="en-US" altLang="zh-CN" dirty="0">
-                <a:ea typeface="宋体" pitchFamily="2" charset="-122"/>
-              </a:rPr>
-              <a:t>thread is allowed to run on  cores 0,2,3, but not on core 1, on a quadcore processor</a:t>
-            </a:r>
-          </a:p>
-        </p:txBody>
-      </p:sp>
-      <p:sp>
-        <p:nvSpPr>
-          <p:cNvPr id="5" name="Rectangle 4">
-            <a:extLst>
-              <a:ext uri="{FF2B5EF4-FFF2-40B4-BE49-F238E27FC236}">
-                <a16:creationId xmlns:a16="http://schemas.microsoft.com/office/drawing/2014/main" id="{CB788150-F6A8-4D3D-B033-02A1D2380CC2}"/>
-              </a:ext>
-            </a:extLst>
-          </p:cNvPr>
-          <p:cNvSpPr>
-            <a:spLocks noChangeArrowheads="1"/>
-          </p:cNvSpPr>
-          <p:nvPr/>
-        </p:nvSpPr>
-        <p:spPr bwMode="auto">
-          <a:xfrm>
-            <a:off x="1752600" y="4812289"/>
-            <a:ext cx="5867400" cy="533400"/>
-          </a:xfrm>
-          <a:prstGeom prst="rect">
-            <a:avLst/>
-          </a:prstGeom>
-          <a:noFill/>
-          <a:ln w="25400">
-            <a:solidFill>
-              <a:schemeClr val="tx1"/>
-            </a:solidFill>
-            <a:miter lim="800000"/>
-            <a:headEnd/>
-            <a:tailEnd/>
-          </a:ln>
-        </p:spPr>
-        <p:txBody>
-          <a:bodyPr wrap="none" anchor="ctr"/>
-          <a:lstStyle/>
-          <a:p>
-            <a:endParaRPr lang="zh-CN" altLang="en-US">
+            <a:endParaRPr lang="en-US" altLang="zh-CN" dirty="0">
               <a:ea typeface="宋体" pitchFamily="2" charset="-122"/>
             </a:endParaRPr>
-          </a:p>
-        </p:txBody>
-      </p:sp>
-      <p:sp>
-        <p:nvSpPr>
-          <p:cNvPr id="6" name="Line 5">
-            <a:extLst>
-              <a:ext uri="{FF2B5EF4-FFF2-40B4-BE49-F238E27FC236}">
-                <a16:creationId xmlns:a16="http://schemas.microsoft.com/office/drawing/2014/main" id="{4602C279-AE65-4308-A80F-325B4EACB71C}"/>
-              </a:ext>
-            </a:extLst>
-          </p:cNvPr>
-          <p:cNvSpPr>
-            <a:spLocks noChangeShapeType="1"/>
-          </p:cNvSpPr>
-          <p:nvPr/>
-        </p:nvSpPr>
-        <p:spPr bwMode="auto">
-          <a:xfrm>
-            <a:off x="4724400" y="4812289"/>
-            <a:ext cx="0" cy="533400"/>
-          </a:xfrm>
-          <a:prstGeom prst="line">
-            <a:avLst/>
-          </a:prstGeom>
-          <a:noFill/>
-          <a:ln w="25400">
-            <a:solidFill>
-              <a:schemeClr val="tx1"/>
-            </a:solidFill>
-            <a:round/>
-            <a:headEnd/>
-            <a:tailEnd/>
-          </a:ln>
-        </p:spPr>
-        <p:txBody>
-          <a:bodyPr/>
-          <a:lstStyle/>
-          <a:p>
-            <a:endParaRPr lang="zh-CN" altLang="en-US"/>
-          </a:p>
-        </p:txBody>
-      </p:sp>
-      <p:sp>
-        <p:nvSpPr>
-          <p:cNvPr id="7" name="Line 6">
-            <a:extLst>
-              <a:ext uri="{FF2B5EF4-FFF2-40B4-BE49-F238E27FC236}">
-                <a16:creationId xmlns:a16="http://schemas.microsoft.com/office/drawing/2014/main" id="{F7FA6639-91F8-417C-8CFF-2ABB4DF7785D}"/>
-              </a:ext>
-            </a:extLst>
-          </p:cNvPr>
-          <p:cNvSpPr>
-            <a:spLocks noChangeShapeType="1"/>
-          </p:cNvSpPr>
-          <p:nvPr/>
-        </p:nvSpPr>
-        <p:spPr bwMode="auto">
-          <a:xfrm>
-            <a:off x="3200400" y="4812289"/>
-            <a:ext cx="0" cy="533400"/>
-          </a:xfrm>
-          <a:prstGeom prst="line">
-            <a:avLst/>
-          </a:prstGeom>
-          <a:noFill/>
-          <a:ln w="25400">
-            <a:solidFill>
-              <a:schemeClr val="tx1"/>
-            </a:solidFill>
-            <a:round/>
-            <a:headEnd/>
-            <a:tailEnd/>
-          </a:ln>
-        </p:spPr>
-        <p:txBody>
-          <a:bodyPr/>
-          <a:lstStyle/>
-          <a:p>
-            <a:endParaRPr lang="zh-CN" altLang="en-US"/>
-          </a:p>
-        </p:txBody>
-      </p:sp>
-      <p:sp>
-        <p:nvSpPr>
-          <p:cNvPr id="8" name="Line 7">
-            <a:extLst>
-              <a:ext uri="{FF2B5EF4-FFF2-40B4-BE49-F238E27FC236}">
-                <a16:creationId xmlns:a16="http://schemas.microsoft.com/office/drawing/2014/main" id="{70BE585C-BA47-4BA1-84DA-6E678EDB1F8C}"/>
-              </a:ext>
-            </a:extLst>
-          </p:cNvPr>
-          <p:cNvSpPr>
-            <a:spLocks noChangeShapeType="1"/>
-          </p:cNvSpPr>
-          <p:nvPr/>
-        </p:nvSpPr>
-        <p:spPr bwMode="auto">
-          <a:xfrm>
-            <a:off x="6172200" y="4812289"/>
-            <a:ext cx="0" cy="533400"/>
-          </a:xfrm>
-          <a:prstGeom prst="line">
-            <a:avLst/>
-          </a:prstGeom>
-          <a:noFill/>
-          <a:ln w="25400">
-            <a:solidFill>
-              <a:schemeClr val="tx1"/>
-            </a:solidFill>
-            <a:round/>
-            <a:headEnd/>
-            <a:tailEnd/>
-          </a:ln>
-        </p:spPr>
-        <p:txBody>
-          <a:bodyPr/>
-          <a:lstStyle/>
-          <a:p>
-            <a:endParaRPr lang="zh-CN" altLang="en-US"/>
-          </a:p>
-        </p:txBody>
-      </p:sp>
-      <p:sp>
-        <p:nvSpPr>
-          <p:cNvPr id="9" name="Text Box 8">
-            <a:extLst>
-              <a:ext uri="{FF2B5EF4-FFF2-40B4-BE49-F238E27FC236}">
-                <a16:creationId xmlns:a16="http://schemas.microsoft.com/office/drawing/2014/main" id="{4104D766-D83C-476E-85DB-1E7436AAFBCC}"/>
-              </a:ext>
-            </a:extLst>
-          </p:cNvPr>
-          <p:cNvSpPr txBox="1">
-            <a:spLocks noChangeArrowheads="1"/>
-          </p:cNvSpPr>
-          <p:nvPr/>
-        </p:nvSpPr>
-        <p:spPr bwMode="auto">
-          <a:xfrm>
-            <a:off x="6689725" y="4851977"/>
-            <a:ext cx="339725" cy="427037"/>
-          </a:xfrm>
-          <a:prstGeom prst="rect">
-            <a:avLst/>
-          </a:prstGeom>
-          <a:noFill/>
-          <a:ln w="25400">
-            <a:noFill/>
-            <a:miter lim="800000"/>
-            <a:headEnd/>
-            <a:tailEnd/>
-          </a:ln>
-        </p:spPr>
-        <p:txBody>
-          <a:bodyPr wrap="none">
-            <a:spAutoFit/>
-          </a:bodyPr>
-          <a:lstStyle/>
-          <a:p>
-            <a:r>
-              <a:rPr lang="en-US" altLang="zh-CN" sz="2200">
-                <a:ea typeface="宋体" pitchFamily="2" charset="-122"/>
-              </a:rPr>
-              <a:t>1</a:t>
-            </a:r>
-          </a:p>
-        </p:txBody>
-      </p:sp>
-      <p:sp>
-        <p:nvSpPr>
-          <p:cNvPr id="10" name="Text Box 9">
-            <a:extLst>
-              <a:ext uri="{FF2B5EF4-FFF2-40B4-BE49-F238E27FC236}">
-                <a16:creationId xmlns:a16="http://schemas.microsoft.com/office/drawing/2014/main" id="{62FF5662-CB99-4851-BDB4-11AF6FD965F3}"/>
-              </a:ext>
-            </a:extLst>
-          </p:cNvPr>
-          <p:cNvSpPr txBox="1">
-            <a:spLocks noChangeArrowheads="1"/>
-          </p:cNvSpPr>
-          <p:nvPr/>
-        </p:nvSpPr>
-        <p:spPr bwMode="auto">
-          <a:xfrm>
-            <a:off x="5232400" y="4848802"/>
-            <a:ext cx="339725" cy="427037"/>
-          </a:xfrm>
-          <a:prstGeom prst="rect">
-            <a:avLst/>
-          </a:prstGeom>
-          <a:noFill/>
-          <a:ln w="25400">
-            <a:noFill/>
-            <a:miter lim="800000"/>
-            <a:headEnd/>
-            <a:tailEnd/>
-          </a:ln>
-        </p:spPr>
-        <p:txBody>
-          <a:bodyPr wrap="none">
-            <a:spAutoFit/>
-          </a:bodyPr>
-          <a:lstStyle/>
-          <a:p>
-            <a:r>
-              <a:rPr lang="en-US" altLang="zh-CN" sz="2200">
-                <a:ea typeface="宋体" pitchFamily="2" charset="-122"/>
-              </a:rPr>
-              <a:t>0</a:t>
-            </a:r>
-          </a:p>
-        </p:txBody>
-      </p:sp>
-      <p:sp>
-        <p:nvSpPr>
-          <p:cNvPr id="11" name="Text Box 10">
-            <a:extLst>
-              <a:ext uri="{FF2B5EF4-FFF2-40B4-BE49-F238E27FC236}">
-                <a16:creationId xmlns:a16="http://schemas.microsoft.com/office/drawing/2014/main" id="{B79FF7DD-1C60-4CDB-8B96-A6E5E97EA4AC}"/>
-              </a:ext>
-            </a:extLst>
-          </p:cNvPr>
-          <p:cNvSpPr txBox="1">
-            <a:spLocks noChangeArrowheads="1"/>
-          </p:cNvSpPr>
-          <p:nvPr/>
-        </p:nvSpPr>
-        <p:spPr bwMode="auto">
-          <a:xfrm>
-            <a:off x="3736975" y="4847214"/>
-            <a:ext cx="339725" cy="427038"/>
-          </a:xfrm>
-          <a:prstGeom prst="rect">
-            <a:avLst/>
-          </a:prstGeom>
-          <a:noFill/>
-          <a:ln w="25400">
-            <a:noFill/>
-            <a:miter lim="800000"/>
-            <a:headEnd/>
-            <a:tailEnd/>
-          </a:ln>
-        </p:spPr>
-        <p:txBody>
-          <a:bodyPr wrap="none">
-            <a:spAutoFit/>
-          </a:bodyPr>
-          <a:lstStyle/>
-          <a:p>
-            <a:r>
-              <a:rPr lang="en-US" altLang="zh-CN" sz="2200">
-                <a:ea typeface="宋体" pitchFamily="2" charset="-122"/>
-              </a:rPr>
-              <a:t>1</a:t>
-            </a:r>
-          </a:p>
-        </p:txBody>
-      </p:sp>
-      <p:sp>
-        <p:nvSpPr>
-          <p:cNvPr id="12" name="Text Box 11">
-            <a:extLst>
-              <a:ext uri="{FF2B5EF4-FFF2-40B4-BE49-F238E27FC236}">
-                <a16:creationId xmlns:a16="http://schemas.microsoft.com/office/drawing/2014/main" id="{ECF0A2D2-B875-46E5-BD6A-2FA9AE0532E5}"/>
-              </a:ext>
-            </a:extLst>
-          </p:cNvPr>
-          <p:cNvSpPr txBox="1">
-            <a:spLocks noChangeArrowheads="1"/>
-          </p:cNvSpPr>
-          <p:nvPr/>
-        </p:nvSpPr>
-        <p:spPr bwMode="auto">
-          <a:xfrm>
-            <a:off x="2279650" y="4847214"/>
-            <a:ext cx="339725" cy="427038"/>
-          </a:xfrm>
-          <a:prstGeom prst="rect">
-            <a:avLst/>
-          </a:prstGeom>
-          <a:noFill/>
-          <a:ln w="25400">
-            <a:noFill/>
-            <a:miter lim="800000"/>
-            <a:headEnd/>
-            <a:tailEnd/>
-          </a:ln>
-        </p:spPr>
-        <p:txBody>
-          <a:bodyPr wrap="none">
-            <a:spAutoFit/>
-          </a:bodyPr>
-          <a:lstStyle/>
-          <a:p>
-            <a:r>
-              <a:rPr lang="en-US" altLang="zh-CN" sz="2200">
-                <a:ea typeface="宋体" pitchFamily="2" charset="-122"/>
-              </a:rPr>
-              <a:t>1</a:t>
-            </a:r>
-          </a:p>
-        </p:txBody>
-      </p:sp>
-      <p:sp>
-        <p:nvSpPr>
-          <p:cNvPr id="13" name="Line 12">
-            <a:extLst>
-              <a:ext uri="{FF2B5EF4-FFF2-40B4-BE49-F238E27FC236}">
-                <a16:creationId xmlns:a16="http://schemas.microsoft.com/office/drawing/2014/main" id="{2F8CBD78-09EA-43A6-A34A-A0D0506063C7}"/>
-              </a:ext>
-            </a:extLst>
-          </p:cNvPr>
-          <p:cNvSpPr>
-            <a:spLocks noChangeShapeType="1"/>
-          </p:cNvSpPr>
-          <p:nvPr/>
-        </p:nvSpPr>
-        <p:spPr bwMode="auto">
-          <a:xfrm flipV="1">
-            <a:off x="2438400" y="5498089"/>
-            <a:ext cx="0" cy="762000"/>
-          </a:xfrm>
-          <a:prstGeom prst="line">
-            <a:avLst/>
-          </a:prstGeom>
-          <a:noFill/>
-          <a:ln w="25400">
-            <a:solidFill>
-              <a:srgbClr val="FF0000"/>
-            </a:solidFill>
-            <a:round/>
-            <a:headEnd/>
-            <a:tailEnd type="triangle" w="med" len="med"/>
-          </a:ln>
-        </p:spPr>
-        <p:txBody>
-          <a:bodyPr/>
-          <a:lstStyle/>
-          <a:p>
-            <a:endParaRPr lang="zh-CN" altLang="en-US"/>
-          </a:p>
-        </p:txBody>
-      </p:sp>
-      <p:sp>
-        <p:nvSpPr>
-          <p:cNvPr id="14" name="Text Box 13">
-            <a:extLst>
-              <a:ext uri="{FF2B5EF4-FFF2-40B4-BE49-F238E27FC236}">
-                <a16:creationId xmlns:a16="http://schemas.microsoft.com/office/drawing/2014/main" id="{5EF25353-1C9C-4784-8CC1-2ECB69C6EFAF}"/>
-              </a:ext>
-            </a:extLst>
-          </p:cNvPr>
-          <p:cNvSpPr txBox="1">
-            <a:spLocks noChangeArrowheads="1"/>
-          </p:cNvSpPr>
-          <p:nvPr/>
-        </p:nvSpPr>
-        <p:spPr bwMode="auto">
-          <a:xfrm>
-            <a:off x="2057400" y="6336289"/>
-            <a:ext cx="819150" cy="366713"/>
-          </a:xfrm>
-          <a:prstGeom prst="rect">
-            <a:avLst/>
-          </a:prstGeom>
-          <a:noFill/>
-          <a:ln w="25400">
-            <a:noFill/>
-            <a:miter lim="800000"/>
-            <a:headEnd/>
-            <a:tailEnd/>
-          </a:ln>
-        </p:spPr>
-        <p:txBody>
-          <a:bodyPr wrap="none">
-            <a:spAutoFit/>
-          </a:bodyPr>
-          <a:lstStyle/>
-          <a:p>
-            <a:r>
-              <a:rPr lang="en-US" altLang="zh-CN">
-                <a:solidFill>
-                  <a:srgbClr val="FF3300"/>
-                </a:solidFill>
-                <a:ea typeface="宋体" pitchFamily="2" charset="-122"/>
-              </a:rPr>
-              <a:t>core 3</a:t>
-            </a:r>
-          </a:p>
-        </p:txBody>
-      </p:sp>
-      <p:sp>
-        <p:nvSpPr>
-          <p:cNvPr id="15" name="Line 14">
-            <a:extLst>
-              <a:ext uri="{FF2B5EF4-FFF2-40B4-BE49-F238E27FC236}">
-                <a16:creationId xmlns:a16="http://schemas.microsoft.com/office/drawing/2014/main" id="{DF56D10B-0E2C-4A4E-B2CE-463CA638CFBC}"/>
-              </a:ext>
-            </a:extLst>
-          </p:cNvPr>
-          <p:cNvSpPr>
-            <a:spLocks noChangeShapeType="1"/>
-          </p:cNvSpPr>
-          <p:nvPr/>
-        </p:nvSpPr>
-        <p:spPr bwMode="auto">
-          <a:xfrm flipV="1">
-            <a:off x="3886200" y="5498089"/>
-            <a:ext cx="0" cy="762000"/>
-          </a:xfrm>
-          <a:prstGeom prst="line">
-            <a:avLst/>
-          </a:prstGeom>
-          <a:noFill/>
-          <a:ln w="25400">
-            <a:solidFill>
-              <a:srgbClr val="FF0000"/>
-            </a:solidFill>
-            <a:round/>
-            <a:headEnd/>
-            <a:tailEnd type="triangle" w="med" len="med"/>
-          </a:ln>
-        </p:spPr>
-        <p:txBody>
-          <a:bodyPr/>
-          <a:lstStyle/>
-          <a:p>
-            <a:endParaRPr lang="zh-CN" altLang="en-US"/>
-          </a:p>
-        </p:txBody>
-      </p:sp>
-      <p:sp>
-        <p:nvSpPr>
-          <p:cNvPr id="16" name="Text Box 15">
-            <a:extLst>
-              <a:ext uri="{FF2B5EF4-FFF2-40B4-BE49-F238E27FC236}">
-                <a16:creationId xmlns:a16="http://schemas.microsoft.com/office/drawing/2014/main" id="{52008AD0-CA24-4272-8581-7D94D0116C25}"/>
-              </a:ext>
-            </a:extLst>
-          </p:cNvPr>
-          <p:cNvSpPr txBox="1">
-            <a:spLocks noChangeArrowheads="1"/>
-          </p:cNvSpPr>
-          <p:nvPr/>
-        </p:nvSpPr>
-        <p:spPr bwMode="auto">
-          <a:xfrm>
-            <a:off x="3505200" y="6336289"/>
-            <a:ext cx="819150" cy="366713"/>
-          </a:xfrm>
-          <a:prstGeom prst="rect">
-            <a:avLst/>
-          </a:prstGeom>
-          <a:noFill/>
-          <a:ln w="25400">
-            <a:noFill/>
-            <a:miter lim="800000"/>
-            <a:headEnd/>
-            <a:tailEnd/>
-          </a:ln>
-        </p:spPr>
-        <p:txBody>
-          <a:bodyPr wrap="none">
-            <a:spAutoFit/>
-          </a:bodyPr>
-          <a:lstStyle/>
-          <a:p>
-            <a:r>
-              <a:rPr lang="en-US" altLang="zh-CN">
-                <a:solidFill>
-                  <a:srgbClr val="FF3300"/>
-                </a:solidFill>
-                <a:ea typeface="宋体" pitchFamily="2" charset="-122"/>
-              </a:rPr>
-              <a:t>core 2</a:t>
-            </a:r>
-          </a:p>
-        </p:txBody>
-      </p:sp>
-      <p:sp>
-        <p:nvSpPr>
-          <p:cNvPr id="17" name="Line 16">
-            <a:extLst>
-              <a:ext uri="{FF2B5EF4-FFF2-40B4-BE49-F238E27FC236}">
-                <a16:creationId xmlns:a16="http://schemas.microsoft.com/office/drawing/2014/main" id="{196472EE-6D6F-45F5-A787-919D7BC338D9}"/>
-              </a:ext>
-            </a:extLst>
-          </p:cNvPr>
-          <p:cNvSpPr>
-            <a:spLocks noChangeShapeType="1"/>
-          </p:cNvSpPr>
-          <p:nvPr/>
-        </p:nvSpPr>
-        <p:spPr bwMode="auto">
-          <a:xfrm flipV="1">
-            <a:off x="5410200" y="5498089"/>
-            <a:ext cx="0" cy="762000"/>
-          </a:xfrm>
-          <a:prstGeom prst="line">
-            <a:avLst/>
-          </a:prstGeom>
-          <a:noFill/>
-          <a:ln w="25400">
-            <a:solidFill>
-              <a:srgbClr val="FF0000"/>
-            </a:solidFill>
-            <a:round/>
-            <a:headEnd/>
-            <a:tailEnd type="triangle" w="med" len="med"/>
-          </a:ln>
-        </p:spPr>
-        <p:txBody>
-          <a:bodyPr/>
-          <a:lstStyle/>
-          <a:p>
-            <a:endParaRPr lang="zh-CN" altLang="en-US"/>
-          </a:p>
-        </p:txBody>
-      </p:sp>
-      <p:sp>
-        <p:nvSpPr>
-          <p:cNvPr id="18" name="Text Box 17">
-            <a:extLst>
-              <a:ext uri="{FF2B5EF4-FFF2-40B4-BE49-F238E27FC236}">
-                <a16:creationId xmlns:a16="http://schemas.microsoft.com/office/drawing/2014/main" id="{91AC9707-CB0E-4952-BBC0-F12BDF94CB4B}"/>
-              </a:ext>
-            </a:extLst>
-          </p:cNvPr>
-          <p:cNvSpPr txBox="1">
-            <a:spLocks noChangeArrowheads="1"/>
-          </p:cNvSpPr>
-          <p:nvPr/>
-        </p:nvSpPr>
-        <p:spPr bwMode="auto">
-          <a:xfrm>
-            <a:off x="5029200" y="6336289"/>
-            <a:ext cx="819150" cy="366713"/>
-          </a:xfrm>
-          <a:prstGeom prst="rect">
-            <a:avLst/>
-          </a:prstGeom>
-          <a:noFill/>
-          <a:ln w="25400">
-            <a:noFill/>
-            <a:miter lim="800000"/>
-            <a:headEnd/>
-            <a:tailEnd/>
-          </a:ln>
-        </p:spPr>
-        <p:txBody>
-          <a:bodyPr wrap="none">
-            <a:spAutoFit/>
-          </a:bodyPr>
-          <a:lstStyle/>
-          <a:p>
-            <a:r>
-              <a:rPr lang="en-US" altLang="zh-CN">
-                <a:solidFill>
-                  <a:srgbClr val="FF3300"/>
-                </a:solidFill>
-                <a:ea typeface="宋体" pitchFamily="2" charset="-122"/>
-              </a:rPr>
-              <a:t>core 1</a:t>
-            </a:r>
-          </a:p>
-        </p:txBody>
-      </p:sp>
-      <p:sp>
-        <p:nvSpPr>
-          <p:cNvPr id="19" name="Line 18">
-            <a:extLst>
-              <a:ext uri="{FF2B5EF4-FFF2-40B4-BE49-F238E27FC236}">
-                <a16:creationId xmlns:a16="http://schemas.microsoft.com/office/drawing/2014/main" id="{B87BAB01-7878-40B1-B860-840389147696}"/>
-              </a:ext>
-            </a:extLst>
-          </p:cNvPr>
-          <p:cNvSpPr>
-            <a:spLocks noChangeShapeType="1"/>
-          </p:cNvSpPr>
-          <p:nvPr/>
-        </p:nvSpPr>
-        <p:spPr bwMode="auto">
-          <a:xfrm flipV="1">
-            <a:off x="6934200" y="5498089"/>
-            <a:ext cx="0" cy="762000"/>
-          </a:xfrm>
-          <a:prstGeom prst="line">
-            <a:avLst/>
-          </a:prstGeom>
-          <a:noFill/>
-          <a:ln w="25400">
-            <a:solidFill>
-              <a:srgbClr val="FF0000"/>
-            </a:solidFill>
-            <a:round/>
-            <a:headEnd/>
-            <a:tailEnd type="triangle" w="med" len="med"/>
-          </a:ln>
-        </p:spPr>
-        <p:txBody>
-          <a:bodyPr/>
-          <a:lstStyle/>
-          <a:p>
-            <a:endParaRPr lang="zh-CN" altLang="en-US"/>
-          </a:p>
-        </p:txBody>
-      </p:sp>
-      <p:sp>
-        <p:nvSpPr>
-          <p:cNvPr id="20" name="Text Box 19">
-            <a:extLst>
-              <a:ext uri="{FF2B5EF4-FFF2-40B4-BE49-F238E27FC236}">
-                <a16:creationId xmlns:a16="http://schemas.microsoft.com/office/drawing/2014/main" id="{0C26A7EB-7D1E-48A8-B782-8F02FC34997F}"/>
-              </a:ext>
-            </a:extLst>
-          </p:cNvPr>
-          <p:cNvSpPr txBox="1">
-            <a:spLocks noChangeArrowheads="1"/>
-          </p:cNvSpPr>
-          <p:nvPr/>
-        </p:nvSpPr>
-        <p:spPr bwMode="auto">
-          <a:xfrm>
-            <a:off x="6553200" y="6336289"/>
-            <a:ext cx="819150" cy="366713"/>
-          </a:xfrm>
-          <a:prstGeom prst="rect">
-            <a:avLst/>
-          </a:prstGeom>
-          <a:noFill/>
-          <a:ln w="25400">
-            <a:noFill/>
-            <a:miter lim="800000"/>
-            <a:headEnd/>
-            <a:tailEnd/>
-          </a:ln>
-        </p:spPr>
-        <p:txBody>
-          <a:bodyPr wrap="none">
-            <a:spAutoFit/>
-          </a:bodyPr>
-          <a:lstStyle/>
-          <a:p>
-            <a:r>
-              <a:rPr lang="en-US" altLang="zh-CN">
-                <a:solidFill>
-                  <a:srgbClr val="FF3300"/>
-                </a:solidFill>
-                <a:ea typeface="宋体" pitchFamily="2" charset="-122"/>
-              </a:rPr>
-              <a:t>core 0</a:t>
-            </a:r>
           </a:p>
         </p:txBody>
       </p:sp>
@@ -30335,7 +30313,7 @@
       </p:grpSpPr>
       <p:sp>
         <p:nvSpPr>
-          <p:cNvPr id="63490" name="Slide Number Placeholder 5"/>
+          <p:cNvPr id="64514" name="Slide Number Placeholder 5"/>
           <p:cNvSpPr>
             <a:spLocks noGrp="1"/>
           </p:cNvSpPr>
@@ -30350,7 +30328,7 @@
           <a:bodyPr/>
           <a:lstStyle/>
           <a:p>
-            <a:fld id="{8DCF0E15-7C54-42C9-800B-B654E44618CD}" type="slidenum">
+            <a:fld id="{3F5D1FEA-6615-42C6-A0B2-3D2F26A2511D}" type="slidenum">
               <a:rPr lang="en-US" altLang="zh-CN">
                 <a:ea typeface="宋体" pitchFamily="2" charset="-122"/>
               </a:rPr>
@@ -30365,7 +30343,7 @@
       </p:sp>
       <p:sp>
         <p:nvSpPr>
-          <p:cNvPr id="63491" name="Rectangle 2"/>
+          <p:cNvPr id="64515" name="Rectangle 2"/>
           <p:cNvSpPr>
             <a:spLocks noGrp="1" noChangeArrowheads="1"/>
           </p:cNvSpPr>
@@ -30380,17 +30358,17 @@
           <a:p>
             <a:pPr eaLnBrk="1" hangingPunct="1"/>
             <a:r>
-              <a:rPr lang="en-US" altLang="zh-CN">
-                <a:ea typeface="宋体" pitchFamily="2" charset="-122"/>
-              </a:rPr>
-              <a:t>Default Affinities</a:t>
-            </a:r>
-          </a:p>
-        </p:txBody>
-      </p:sp>
-      <p:sp>
-        <p:nvSpPr>
-          <p:cNvPr id="63492" name="Rectangle 3"/>
+              <a:rPr lang="en-US" altLang="zh-CN" dirty="0">
+                <a:ea typeface="宋体" pitchFamily="2" charset="-122"/>
+              </a:rPr>
+              <a:t>Soft affinity</a:t>
+            </a:r>
+          </a:p>
+        </p:txBody>
+      </p:sp>
+      <p:sp>
+        <p:nvSpPr>
+          <p:cNvPr id="64516" name="Rectangle 3"/>
           <p:cNvSpPr>
             <a:spLocks noGrp="1" noChangeArrowheads="1"/>
           </p:cNvSpPr>
@@ -30398,79 +30376,59 @@
             <p:ph type="body" idx="1"/>
           </p:nvPr>
         </p:nvSpPr>
-        <p:spPr/>
-        <p:txBody>
-          <a:bodyPr/>
-          <a:lstStyle/>
-          <a:p>
-            <a:pPr eaLnBrk="1" hangingPunct="1">
-              <a:lnSpc>
-                <a:spcPct val="90000"/>
-              </a:lnSpc>
-            </a:pPr>
+        <p:spPr>
+          <a:xfrm>
+            <a:off x="381000" y="1600200"/>
+            <a:ext cx="8534400" cy="4525963"/>
+          </a:xfrm>
+        </p:spPr>
+        <p:txBody>
+          <a:bodyPr/>
+          <a:lstStyle/>
+          <a:p>
+            <a:pPr eaLnBrk="1" hangingPunct="1"/>
             <a:r>
               <a:rPr lang="en-US" altLang="zh-CN" dirty="0">
                 <a:ea typeface="宋体" pitchFamily="2" charset="-122"/>
               </a:rPr>
-              <a:t>Default affinity mask is all 1s:</a:t>
-            </a:r>
-            <a:br>
+              <a:t>Thread/process migration is costly</a:t>
+            </a:r>
+          </a:p>
+          <a:p>
+            <a:pPr lvl="1" eaLnBrk="1" hangingPunct="1"/>
+            <a:r>
               <a:rPr lang="en-US" altLang="zh-CN" dirty="0">
                 <a:ea typeface="宋体" pitchFamily="2" charset="-122"/>
               </a:rPr>
-            </a:br>
+              <a:t>Need to restart the CPU execution pipeline</a:t>
+            </a:r>
+          </a:p>
+          <a:p>
+            <a:pPr lvl="1" eaLnBrk="1" hangingPunct="1"/>
             <a:r>
               <a:rPr lang="en-US" altLang="zh-CN" dirty="0">
                 <a:ea typeface="宋体" pitchFamily="2" charset="-122"/>
               </a:rPr>
-              <a:t>all threads can run on all cores of the processor</a:t>
-            </a:r>
-          </a:p>
-          <a:p>
-            <a:pPr eaLnBrk="1" hangingPunct="1">
-              <a:lnSpc>
-                <a:spcPct val="90000"/>
-              </a:lnSpc>
-            </a:pPr>
-            <a:endParaRPr lang="en-US" altLang="zh-CN" dirty="0">
-              <a:ea typeface="宋体" pitchFamily="2" charset="-122"/>
-            </a:endParaRPr>
-          </a:p>
-          <a:p>
-            <a:pPr eaLnBrk="1" hangingPunct="1">
-              <a:lnSpc>
-                <a:spcPct val="90000"/>
-              </a:lnSpc>
-            </a:pPr>
+              <a:t>Data in the private cache is invalidated and needs to be reloaded</a:t>
+            </a:r>
+          </a:p>
+          <a:p>
+            <a:pPr eaLnBrk="1" hangingPunct="1"/>
             <a:r>
               <a:rPr lang="en-US" altLang="zh-CN" dirty="0">
                 <a:ea typeface="宋体" pitchFamily="2" charset="-122"/>
               </a:rPr>
-              <a:t>OS scheduler decides what threads run on what core</a:t>
-            </a:r>
-          </a:p>
-          <a:p>
-            <a:pPr lvl="1" eaLnBrk="1" hangingPunct="1">
-              <a:lnSpc>
-                <a:spcPct val="90000"/>
-              </a:lnSpc>
-            </a:pPr>
+              <a:t>OS scheduler tries to avoid migration as much as possible: </a:t>
+            </a:r>
+          </a:p>
+          <a:p>
+            <a:pPr lvl="1" eaLnBrk="1" hangingPunct="1"/>
             <a:r>
               <a:rPr lang="en-US" altLang="zh-CN" dirty="0">
                 <a:ea typeface="宋体" pitchFamily="2" charset="-122"/>
               </a:rPr>
-              <a:t>Load balancing: upon detection of skewed workloads, threads are migrated to less busy cores</a:t>
-            </a:r>
-          </a:p>
-          <a:p>
-            <a:pPr eaLnBrk="1" hangingPunct="1">
-              <a:lnSpc>
-                <a:spcPct val="90000"/>
-              </a:lnSpc>
-            </a:pPr>
-            <a:endParaRPr lang="en-US" altLang="zh-CN" dirty="0">
-              <a:ea typeface="宋体" pitchFamily="2" charset="-122"/>
-            </a:endParaRPr>
+              <a:t>It tends to keeps a running thread/process on the same core, unless otherwise dictated by loading balancing requirements</a:t>
+            </a:r>
           </a:p>
         </p:txBody>
       </p:sp>
@@ -30501,7 +30459,7 @@
       </p:grpSpPr>
       <p:sp>
         <p:nvSpPr>
-          <p:cNvPr id="64514" name="Slide Number Placeholder 5"/>
+          <p:cNvPr id="65538" name="Slide Number Placeholder 5"/>
           <p:cNvSpPr>
             <a:spLocks noGrp="1"/>
           </p:cNvSpPr>
@@ -30516,7 +30474,7 @@
           <a:bodyPr/>
           <a:lstStyle/>
           <a:p>
-            <a:fld id="{3F5D1FEA-6615-42C6-A0B2-3D2F26A2511D}" type="slidenum">
+            <a:fld id="{F84A9772-817D-42F2-BE67-6C653BB05DF8}" type="slidenum">
               <a:rPr lang="en-US" altLang="zh-CN">
                 <a:ea typeface="宋体" pitchFamily="2" charset="-122"/>
               </a:rPr>
@@ -30531,7 +30489,7 @@
       </p:sp>
       <p:sp>
         <p:nvSpPr>
-          <p:cNvPr id="64515" name="Rectangle 2"/>
+          <p:cNvPr id="65539" name="Rectangle 2"/>
           <p:cNvSpPr>
             <a:spLocks noGrp="1" noChangeArrowheads="1"/>
           </p:cNvSpPr>
@@ -30549,14 +30507,14 @@
               <a:rPr lang="en-US" altLang="zh-CN" dirty="0">
                 <a:ea typeface="宋体" pitchFamily="2" charset="-122"/>
               </a:rPr>
-              <a:t>Soft affinity</a:t>
-            </a:r>
-          </a:p>
-        </p:txBody>
-      </p:sp>
-      <p:sp>
-        <p:nvSpPr>
-          <p:cNvPr id="64516" name="Rectangle 3"/>
+              <a:t>Hard affinity</a:t>
+            </a:r>
+          </a:p>
+        </p:txBody>
+      </p:sp>
+      <p:sp>
+        <p:nvSpPr>
+          <p:cNvPr id="65540" name="Rectangle 3"/>
           <p:cNvSpPr>
             <a:spLocks noGrp="1" noChangeArrowheads="1"/>
           </p:cNvSpPr>
@@ -30564,59 +30522,51 @@
             <p:ph type="body" idx="1"/>
           </p:nvPr>
         </p:nvSpPr>
-        <p:spPr>
-          <a:xfrm>
-            <a:off x="381000" y="1600200"/>
-            <a:ext cx="8534400" cy="4525963"/>
-          </a:xfrm>
-        </p:spPr>
+        <p:spPr/>
         <p:txBody>
           <a:bodyPr/>
           <a:lstStyle/>
           <a:p>
             <a:pPr eaLnBrk="1" hangingPunct="1"/>
-            <a:r>
-              <a:rPr lang="en-US" altLang="zh-CN" dirty="0">
-                <a:ea typeface="宋体" pitchFamily="2" charset="-122"/>
-              </a:rPr>
-              <a:t>Thread/process migration is costly</a:t>
-            </a:r>
-          </a:p>
-          <a:p>
-            <a:pPr lvl="1" eaLnBrk="1" hangingPunct="1"/>
-            <a:r>
-              <a:rPr lang="en-US" altLang="zh-CN" dirty="0">
-                <a:ea typeface="宋体" pitchFamily="2" charset="-122"/>
-              </a:rPr>
-              <a:t>Need to restart the CPU execution pipeline</a:t>
-            </a:r>
-          </a:p>
-          <a:p>
-            <a:pPr lvl="1" eaLnBrk="1" hangingPunct="1"/>
-            <a:r>
-              <a:rPr lang="en-US" altLang="zh-CN" dirty="0">
-                <a:ea typeface="宋体" pitchFamily="2" charset="-122"/>
-              </a:rPr>
-              <a:t>Data in the private cache is invalidated and needs to be reloaded</a:t>
-            </a:r>
+            <a:endParaRPr lang="en-US" altLang="zh-CN">
+              <a:ea typeface="宋体" pitchFamily="2" charset="-122"/>
+            </a:endParaRPr>
           </a:p>
           <a:p>
             <a:pPr eaLnBrk="1" hangingPunct="1"/>
             <a:r>
-              <a:rPr lang="en-US" altLang="zh-CN" dirty="0">
-                <a:ea typeface="宋体" pitchFamily="2" charset="-122"/>
-              </a:rPr>
-              <a:t>OS scheduler tries to avoid migration as much as possible: </a:t>
-            </a:r>
-          </a:p>
-          <a:p>
-            <a:pPr lvl="1" eaLnBrk="1" hangingPunct="1"/>
-            <a:r>
-              <a:rPr lang="en-US" altLang="zh-CN" dirty="0">
-                <a:ea typeface="宋体" pitchFamily="2" charset="-122"/>
-              </a:rPr>
-              <a:t>It tends to keeps a running thread/process on the same core, unless otherwise dictated by loading balancing requirements</a:t>
-            </a:r>
+              <a:rPr lang="en-US" altLang="zh-CN">
+                <a:ea typeface="宋体" pitchFamily="2" charset="-122"/>
+              </a:rPr>
+              <a:t>The programmer can prescribe her own affinities (hard affinities)</a:t>
+            </a:r>
+          </a:p>
+          <a:p>
+            <a:pPr eaLnBrk="1" hangingPunct="1"/>
+            <a:endParaRPr lang="en-US" altLang="zh-CN">
+              <a:ea typeface="宋体" pitchFamily="2" charset="-122"/>
+            </a:endParaRPr>
+          </a:p>
+          <a:p>
+            <a:pPr eaLnBrk="1" hangingPunct="1"/>
+            <a:r>
+              <a:rPr lang="en-US" altLang="zh-CN">
+                <a:ea typeface="宋体" pitchFamily="2" charset="-122"/>
+              </a:rPr>
+              <a:t>Rule of thumb: use the default scheduler unless a good reason not to</a:t>
+            </a:r>
+          </a:p>
+          <a:p>
+            <a:pPr eaLnBrk="1" hangingPunct="1"/>
+            <a:endParaRPr lang="en-US" altLang="zh-CN">
+              <a:ea typeface="宋体" pitchFamily="2" charset="-122"/>
+            </a:endParaRPr>
+          </a:p>
+          <a:p>
+            <a:pPr eaLnBrk="1" hangingPunct="1"/>
+            <a:endParaRPr lang="en-US" altLang="zh-CN">
+              <a:ea typeface="宋体" pitchFamily="2" charset="-122"/>
+            </a:endParaRPr>
           </a:p>
         </p:txBody>
       </p:sp>
@@ -30647,7 +30597,7 @@
       </p:grpSpPr>
       <p:sp>
         <p:nvSpPr>
-          <p:cNvPr id="65538" name="Slide Number Placeholder 5"/>
+          <p:cNvPr id="66562" name="Slide Number Placeholder 5"/>
           <p:cNvSpPr>
             <a:spLocks noGrp="1"/>
           </p:cNvSpPr>
@@ -30662,7 +30612,7 @@
           <a:bodyPr/>
           <a:lstStyle/>
           <a:p>
-            <a:fld id="{F84A9772-817D-42F2-BE67-6C653BB05DF8}" type="slidenum">
+            <a:fld id="{C141AE45-C6C5-4FC8-978F-C8FF4CC2699B}" type="slidenum">
               <a:rPr lang="en-US" altLang="zh-CN">
                 <a:ea typeface="宋体" pitchFamily="2" charset="-122"/>
               </a:rPr>
@@ -30677,7 +30627,7 @@
       </p:sp>
       <p:sp>
         <p:nvSpPr>
-          <p:cNvPr id="65539" name="Rectangle 2"/>
+          <p:cNvPr id="66563" name="Rectangle 2"/>
           <p:cNvSpPr>
             <a:spLocks noGrp="1" noChangeArrowheads="1"/>
           </p:cNvSpPr>
@@ -30692,17 +30642,17 @@
           <a:p>
             <a:pPr eaLnBrk="1" hangingPunct="1"/>
             <a:r>
-              <a:rPr lang="en-US" altLang="zh-CN" dirty="0">
-                <a:ea typeface="宋体" pitchFamily="2" charset="-122"/>
-              </a:rPr>
-              <a:t>Hard affinity</a:t>
-            </a:r>
-          </a:p>
-        </p:txBody>
-      </p:sp>
-      <p:sp>
-        <p:nvSpPr>
-          <p:cNvPr id="65540" name="Rectangle 3"/>
+              <a:rPr lang="en-US" altLang="zh-CN">
+                <a:ea typeface="宋体" pitchFamily="2" charset="-122"/>
+              </a:rPr>
+              <a:t>When to set your own affinities</a:t>
+            </a:r>
+          </a:p>
+        </p:txBody>
+      </p:sp>
+      <p:sp>
+        <p:nvSpPr>
+          <p:cNvPr id="66564" name="Rectangle 3"/>
           <p:cNvSpPr>
             <a:spLocks noGrp="1" noChangeArrowheads="1"/>
           </p:cNvSpPr>
@@ -30710,51 +30660,167 @@
             <p:ph type="body" idx="1"/>
           </p:nvPr>
         </p:nvSpPr>
-        <p:spPr/>
+        <p:spPr>
+          <a:xfrm>
+            <a:off x="381000" y="1676400"/>
+            <a:ext cx="8229600" cy="4525963"/>
+          </a:xfrm>
+        </p:spPr>
         <p:txBody>
           <a:bodyPr/>
           <a:lstStyle/>
           <a:p>
             <a:pPr eaLnBrk="1" hangingPunct="1"/>
-            <a:endParaRPr lang="en-US" altLang="zh-CN">
-              <a:ea typeface="宋体" pitchFamily="2" charset="-122"/>
-            </a:endParaRPr>
+            <a:r>
+              <a:rPr lang="en-US" altLang="zh-CN" sz="2800" dirty="0">
+                <a:ea typeface="宋体" pitchFamily="2" charset="-122"/>
+              </a:rPr>
+              <a:t>Multiple threads have frequently-accessed shared variables</a:t>
+            </a:r>
+          </a:p>
+          <a:p>
+            <a:pPr lvl="1" eaLnBrk="1" hangingPunct="1"/>
+            <a:r>
+              <a:rPr lang="en-US" altLang="zh-CN" dirty="0">
+                <a:ea typeface="宋体" pitchFamily="2" charset="-122"/>
+              </a:rPr>
+              <a:t>map to same core so that can share private cache</a:t>
+            </a:r>
           </a:p>
           <a:p>
             <a:pPr eaLnBrk="1" hangingPunct="1"/>
             <a:r>
-              <a:rPr lang="en-US" altLang="zh-CN">
-                <a:ea typeface="宋体" pitchFamily="2" charset="-122"/>
-              </a:rPr>
-              <a:t>The programmer can prescribe her own affinities (hard affinities)</a:t>
-            </a:r>
-          </a:p>
-          <a:p>
-            <a:pPr eaLnBrk="1" hangingPunct="1"/>
-            <a:endParaRPr lang="en-US" altLang="zh-CN">
-              <a:ea typeface="宋体" pitchFamily="2" charset="-122"/>
-            </a:endParaRPr>
-          </a:p>
-          <a:p>
-            <a:pPr eaLnBrk="1" hangingPunct="1"/>
-            <a:r>
-              <a:rPr lang="en-US" altLang="zh-CN">
-                <a:ea typeface="宋体" pitchFamily="2" charset="-122"/>
-              </a:rPr>
-              <a:t>Rule of thumb: use the default scheduler unless a good reason not to</a:t>
-            </a:r>
-          </a:p>
-          <a:p>
-            <a:pPr eaLnBrk="1" hangingPunct="1"/>
-            <a:endParaRPr lang="en-US" altLang="zh-CN">
-              <a:ea typeface="宋体" pitchFamily="2" charset="-122"/>
-            </a:endParaRPr>
-          </a:p>
-          <a:p>
-            <a:pPr eaLnBrk="1" hangingPunct="1"/>
-            <a:endParaRPr lang="en-US" altLang="zh-CN">
-              <a:ea typeface="宋体" pitchFamily="2" charset="-122"/>
-            </a:endParaRPr>
+              <a:rPr lang="en-US" altLang="zh-CN" sz="2800" dirty="0">
+                <a:ea typeface="宋体" pitchFamily="2" charset="-122"/>
+              </a:rPr>
+              <a:t>Real-time threads:</a:t>
+            </a:r>
+            <a:br>
+              <a:rPr lang="en-US" altLang="zh-CN" sz="2800" dirty="0">
+                <a:ea typeface="宋体" pitchFamily="2" charset="-122"/>
+              </a:rPr>
+            </a:br>
+            <a:r>
+              <a:rPr lang="en-US" altLang="zh-CN" sz="2800" dirty="0">
+                <a:ea typeface="宋体" pitchFamily="2" charset="-122"/>
+              </a:rPr>
+              <a:t>Example: a thread running </a:t>
+            </a:r>
+            <a:br>
+              <a:rPr lang="en-US" altLang="zh-CN" sz="2800" dirty="0">
+                <a:ea typeface="宋体" pitchFamily="2" charset="-122"/>
+              </a:rPr>
+            </a:br>
+            <a:r>
+              <a:rPr lang="en-US" altLang="zh-CN" sz="2800" dirty="0">
+                <a:ea typeface="宋体" pitchFamily="2" charset="-122"/>
+              </a:rPr>
+              <a:t>a robot controller:</a:t>
+            </a:r>
+            <a:br>
+              <a:rPr lang="en-US" altLang="zh-CN" sz="2800" dirty="0">
+                <a:ea typeface="宋体" pitchFamily="2" charset="-122"/>
+              </a:rPr>
+            </a:br>
+            <a:r>
+              <a:rPr lang="en-US" altLang="zh-CN" sz="2800" dirty="0">
+                <a:ea typeface="宋体" pitchFamily="2" charset="-122"/>
+              </a:rPr>
+              <a:t>- must not be context switched, </a:t>
+            </a:r>
+            <a:br>
+              <a:rPr lang="en-US" altLang="zh-CN" sz="2800" dirty="0">
+                <a:ea typeface="宋体" pitchFamily="2" charset="-122"/>
+              </a:rPr>
+            </a:br>
+            <a:r>
+              <a:rPr lang="en-US" altLang="zh-CN" sz="2800" dirty="0">
+                <a:ea typeface="宋体" pitchFamily="2" charset="-122"/>
+              </a:rPr>
+              <a:t>  or else robot can go unstable</a:t>
+            </a:r>
+            <a:br>
+              <a:rPr lang="en-US" altLang="zh-CN" sz="2800" dirty="0">
+                <a:ea typeface="宋体" pitchFamily="2" charset="-122"/>
+              </a:rPr>
+            </a:br>
+            <a:r>
+              <a:rPr lang="en-US" altLang="zh-CN" sz="2800" dirty="0">
+                <a:ea typeface="宋体" pitchFamily="2" charset="-122"/>
+              </a:rPr>
+              <a:t>- dedicate an entire core just to this thread</a:t>
+            </a:r>
+          </a:p>
+        </p:txBody>
+      </p:sp>
+      <p:pic>
+        <p:nvPicPr>
+          <p:cNvPr id="66565" name="Picture 4" descr="P6dof1"/>
+          <p:cNvPicPr>
+            <a:picLocks noChangeAspect="1" noChangeArrowheads="1"/>
+          </p:cNvPicPr>
+          <p:nvPr/>
+        </p:nvPicPr>
+        <p:blipFill>
+          <a:blip r:embed="rId3" cstate="print"/>
+          <a:srcRect/>
+          <a:stretch>
+            <a:fillRect/>
+          </a:stretch>
+        </p:blipFill>
+        <p:spPr bwMode="auto">
+          <a:xfrm>
+            <a:off x="6553200" y="3102029"/>
+            <a:ext cx="2438400" cy="1925638"/>
+          </a:xfrm>
+          <a:prstGeom prst="rect">
+            <a:avLst/>
+          </a:prstGeom>
+          <a:noFill/>
+          <a:ln w="9525">
+            <a:noFill/>
+            <a:miter lim="800000"/>
+            <a:headEnd/>
+            <a:tailEnd/>
+          </a:ln>
+        </p:spPr>
+      </p:pic>
+      <p:sp>
+        <p:nvSpPr>
+          <p:cNvPr id="66566" name="Text Box 5"/>
+          <p:cNvSpPr txBox="1">
+            <a:spLocks noChangeArrowheads="1"/>
+          </p:cNvSpPr>
+          <p:nvPr/>
+        </p:nvSpPr>
+        <p:spPr bwMode="auto">
+          <a:xfrm>
+            <a:off x="7391400" y="5105400"/>
+            <a:ext cx="1717675" cy="274638"/>
+          </a:xfrm>
+          <a:prstGeom prst="rect">
+            <a:avLst/>
+          </a:prstGeom>
+          <a:noFill/>
+          <a:ln w="25400">
+            <a:noFill/>
+            <a:miter lim="800000"/>
+            <a:headEnd/>
+            <a:tailEnd/>
+          </a:ln>
+        </p:spPr>
+        <p:txBody>
+          <a:bodyPr wrap="none">
+            <a:spAutoFit/>
+          </a:bodyPr>
+          <a:lstStyle/>
+          <a:p>
+            <a:r>
+              <a:rPr lang="en-US" altLang="zh-CN" sz="1200">
+                <a:ea typeface="宋体" pitchFamily="2" charset="-122"/>
+              </a:rPr>
+              <a:t>Source: Sensable.com</a:t>
+            </a:r>
           </a:p>
         </p:txBody>
       </p:sp>
@@ -30785,7 +30851,7 @@
       </p:grpSpPr>
       <p:sp>
         <p:nvSpPr>
-          <p:cNvPr id="66562" name="Slide Number Placeholder 5"/>
+          <p:cNvPr id="7172" name="Slide Number Placeholder 7"/>
           <p:cNvSpPr>
             <a:spLocks noGrp="1"/>
           </p:cNvSpPr>
@@ -30800,275 +30866,12 @@
           <a:bodyPr/>
           <a:lstStyle/>
           <a:p>
-            <a:fld id="{C141AE45-C6C5-4FC8-978F-C8FF4CC2699B}" type="slidenum">
+            <a:fld id="{3C9ED06A-9841-4E17-82F9-AF2CAA0963A8}" type="slidenum">
               <a:rPr lang="en-US" altLang="zh-CN">
                 <a:ea typeface="宋体" pitchFamily="2" charset="-122"/>
               </a:rPr>
               <a:pPr/>
               <a:t>36</a:t>
-            </a:fld>
-            <a:endParaRPr lang="en-US" altLang="zh-CN">
-              <a:ea typeface="宋体" pitchFamily="2" charset="-122"/>
-            </a:endParaRPr>
-          </a:p>
-        </p:txBody>
-      </p:sp>
-      <p:sp>
-        <p:nvSpPr>
-          <p:cNvPr id="66563" name="Rectangle 2"/>
-          <p:cNvSpPr>
-            <a:spLocks noGrp="1" noChangeArrowheads="1"/>
-          </p:cNvSpPr>
-          <p:nvPr>
-            <p:ph type="title"/>
-          </p:nvPr>
-        </p:nvSpPr>
-        <p:spPr/>
-        <p:txBody>
-          <a:bodyPr/>
-          <a:lstStyle/>
-          <a:p>
-            <a:pPr eaLnBrk="1" hangingPunct="1"/>
-            <a:r>
-              <a:rPr lang="en-US" altLang="zh-CN">
-                <a:ea typeface="宋体" pitchFamily="2" charset="-122"/>
-              </a:rPr>
-              <a:t>When to set your own affinities</a:t>
-            </a:r>
-          </a:p>
-        </p:txBody>
-      </p:sp>
-      <p:sp>
-        <p:nvSpPr>
-          <p:cNvPr id="66564" name="Rectangle 3"/>
-          <p:cNvSpPr>
-            <a:spLocks noGrp="1" noChangeArrowheads="1"/>
-          </p:cNvSpPr>
-          <p:nvPr>
-            <p:ph type="body" idx="1"/>
-          </p:nvPr>
-        </p:nvSpPr>
-        <p:spPr>
-          <a:xfrm>
-            <a:off x="381000" y="1676400"/>
-            <a:ext cx="8229600" cy="4525963"/>
-          </a:xfrm>
-        </p:spPr>
-        <p:txBody>
-          <a:bodyPr/>
-          <a:lstStyle/>
-          <a:p>
-            <a:pPr eaLnBrk="1" hangingPunct="1"/>
-            <a:r>
-              <a:rPr lang="en-US" altLang="zh-CN" sz="2800" dirty="0">
-                <a:ea typeface="宋体" pitchFamily="2" charset="-122"/>
-              </a:rPr>
-              <a:t>Multiple threads have frequently-accessed shared variables</a:t>
-            </a:r>
-          </a:p>
-          <a:p>
-            <a:pPr lvl="1" eaLnBrk="1" hangingPunct="1"/>
-            <a:r>
-              <a:rPr lang="en-US" altLang="zh-CN" dirty="0">
-                <a:ea typeface="宋体" pitchFamily="2" charset="-122"/>
-              </a:rPr>
-              <a:t>map to same core so that can </a:t>
-            </a:r>
-            <a:r>
-              <a:rPr lang="en-US" altLang="zh-CN">
-                <a:ea typeface="宋体" pitchFamily="2" charset="-122"/>
-              </a:rPr>
-              <a:t>share L1 cache</a:t>
-            </a:r>
-            <a:endParaRPr lang="en-US" altLang="zh-CN" dirty="0">
-              <a:ea typeface="宋体" pitchFamily="2" charset="-122"/>
-            </a:endParaRPr>
-          </a:p>
-          <a:p>
-            <a:pPr eaLnBrk="1" hangingPunct="1"/>
-            <a:r>
-              <a:rPr lang="en-US" altLang="zh-CN" sz="2800" dirty="0">
-                <a:ea typeface="宋体" pitchFamily="2" charset="-122"/>
-              </a:rPr>
-              <a:t>Real-time threads:</a:t>
-            </a:r>
-            <a:br>
-              <a:rPr lang="en-US" altLang="zh-CN" sz="2800" dirty="0">
-                <a:ea typeface="宋体" pitchFamily="2" charset="-122"/>
-              </a:rPr>
-            </a:br>
-            <a:r>
-              <a:rPr lang="en-US" altLang="zh-CN" sz="2800" dirty="0">
-                <a:ea typeface="宋体" pitchFamily="2" charset="-122"/>
-              </a:rPr>
-              <a:t>Example: a thread running </a:t>
-            </a:r>
-            <a:br>
-              <a:rPr lang="en-US" altLang="zh-CN" sz="2800" dirty="0">
-                <a:ea typeface="宋体" pitchFamily="2" charset="-122"/>
-              </a:rPr>
-            </a:br>
-            <a:r>
-              <a:rPr lang="en-US" altLang="zh-CN" sz="2800" dirty="0">
-                <a:ea typeface="宋体" pitchFamily="2" charset="-122"/>
-              </a:rPr>
-              <a:t>a robot controller:</a:t>
-            </a:r>
-            <a:br>
-              <a:rPr lang="en-US" altLang="zh-CN" sz="2800" dirty="0">
-                <a:ea typeface="宋体" pitchFamily="2" charset="-122"/>
-              </a:rPr>
-            </a:br>
-            <a:r>
-              <a:rPr lang="en-US" altLang="zh-CN" sz="2800" dirty="0">
-                <a:ea typeface="宋体" pitchFamily="2" charset="-122"/>
-              </a:rPr>
-              <a:t>- must not be context switched, </a:t>
-            </a:r>
-            <a:br>
-              <a:rPr lang="en-US" altLang="zh-CN" sz="2800" dirty="0">
-                <a:ea typeface="宋体" pitchFamily="2" charset="-122"/>
-              </a:rPr>
-            </a:br>
-            <a:r>
-              <a:rPr lang="en-US" altLang="zh-CN" sz="2800" dirty="0">
-                <a:ea typeface="宋体" pitchFamily="2" charset="-122"/>
-              </a:rPr>
-              <a:t>  or else robot can go unstable</a:t>
-            </a:r>
-            <a:br>
-              <a:rPr lang="en-US" altLang="zh-CN" sz="2800" dirty="0">
-                <a:ea typeface="宋体" pitchFamily="2" charset="-122"/>
-              </a:rPr>
-            </a:br>
-            <a:r>
-              <a:rPr lang="en-US" altLang="zh-CN" sz="2800" dirty="0">
-                <a:ea typeface="宋体" pitchFamily="2" charset="-122"/>
-              </a:rPr>
-              <a:t>- dedicate an entire core just to this thread</a:t>
-            </a:r>
-          </a:p>
-        </p:txBody>
-      </p:sp>
-      <p:pic>
-        <p:nvPicPr>
-          <p:cNvPr id="66565" name="Picture 4" descr="P6dof1"/>
-          <p:cNvPicPr>
-            <a:picLocks noChangeAspect="1" noChangeArrowheads="1"/>
-          </p:cNvPicPr>
-          <p:nvPr/>
-        </p:nvPicPr>
-        <p:blipFill>
-          <a:blip r:embed="rId3" cstate="print"/>
-          <a:srcRect/>
-          <a:stretch>
-            <a:fillRect/>
-          </a:stretch>
-        </p:blipFill>
-        <p:spPr bwMode="auto">
-          <a:xfrm>
-            <a:off x="6477000" y="3124200"/>
-            <a:ext cx="2438400" cy="1925638"/>
-          </a:xfrm>
-          <a:prstGeom prst="rect">
-            <a:avLst/>
-          </a:prstGeom>
-          <a:noFill/>
-          <a:ln w="9525">
-            <a:noFill/>
-            <a:miter lim="800000"/>
-            <a:headEnd/>
-            <a:tailEnd/>
-          </a:ln>
-        </p:spPr>
-      </p:pic>
-      <p:sp>
-        <p:nvSpPr>
-          <p:cNvPr id="66566" name="Text Box 5"/>
-          <p:cNvSpPr txBox="1">
-            <a:spLocks noChangeArrowheads="1"/>
-          </p:cNvSpPr>
-          <p:nvPr/>
-        </p:nvSpPr>
-        <p:spPr bwMode="auto">
-          <a:xfrm>
-            <a:off x="7391400" y="5105400"/>
-            <a:ext cx="1717675" cy="274638"/>
-          </a:xfrm>
-          <a:prstGeom prst="rect">
-            <a:avLst/>
-          </a:prstGeom>
-          <a:noFill/>
-          <a:ln w="25400">
-            <a:noFill/>
-            <a:miter lim="800000"/>
-            <a:headEnd/>
-            <a:tailEnd/>
-          </a:ln>
-        </p:spPr>
-        <p:txBody>
-          <a:bodyPr wrap="none">
-            <a:spAutoFit/>
-          </a:bodyPr>
-          <a:lstStyle/>
-          <a:p>
-            <a:r>
-              <a:rPr lang="en-US" altLang="zh-CN" sz="1200">
-                <a:ea typeface="宋体" pitchFamily="2" charset="-122"/>
-              </a:rPr>
-              <a:t>Source: Sensable.com</a:t>
-            </a:r>
-          </a:p>
-        </p:txBody>
-      </p:sp>
-    </p:spTree>
-  </p:cSld>
-  <p:clrMapOvr>
-    <a:masterClrMapping/>
-  </p:clrMapOvr>
-</p:sld>
-</file>
-
-<file path=ppt/slides/slide37.xml><?xml version="1.0" encoding="utf-8"?>
-<p:sld xmlns:a="http://schemas.openxmlformats.org/drawingml/2006/main" xmlns:r="http://schemas.openxmlformats.org/officeDocument/2006/relationships" xmlns:p="http://schemas.openxmlformats.org/presentationml/2006/main">
-  <p:cSld>
-    <p:spTree>
-      <p:nvGrpSpPr>
-        <p:cNvPr id="1" name=""/>
-        <p:cNvGrpSpPr/>
-        <p:nvPr/>
-      </p:nvGrpSpPr>
-      <p:grpSpPr>
-        <a:xfrm>
-          <a:off x="0" y="0"/>
-          <a:ext cx="0" cy="0"/>
-          <a:chOff x="0" y="0"/>
-          <a:chExt cx="0" cy="0"/>
-        </a:xfrm>
-      </p:grpSpPr>
-      <p:sp>
-        <p:nvSpPr>
-          <p:cNvPr id="7172" name="Slide Number Placeholder 7"/>
-          <p:cNvSpPr>
-            <a:spLocks noGrp="1"/>
-          </p:cNvSpPr>
-          <p:nvPr>
-            <p:ph type="sldNum" sz="quarter" idx="12"/>
-          </p:nvPr>
-        </p:nvSpPr>
-        <p:spPr>
-          <a:noFill/>
-        </p:spPr>
-        <p:txBody>
-          <a:bodyPr/>
-          <a:lstStyle/>
-          <a:p>
-            <a:fld id="{3C9ED06A-9841-4E17-82F9-AF2CAA0963A8}" type="slidenum">
-              <a:rPr lang="en-US" altLang="zh-CN">
-                <a:ea typeface="宋体" pitchFamily="2" charset="-122"/>
-              </a:rPr>
-              <a:pPr/>
-              <a:t>37</a:t>
             </a:fld>
             <a:endParaRPr lang="en-US" altLang="zh-CN">
               <a:ea typeface="宋体" pitchFamily="2" charset="-122"/>
@@ -31227,8 +31030,8 @@
         </p:nvSpPr>
         <p:spPr>
           <a:xfrm>
-            <a:off x="457200" y="1219200"/>
-            <a:ext cx="8229600" cy="4906963"/>
+            <a:off x="457200" y="1219201"/>
+            <a:ext cx="8229600" cy="3008312"/>
           </a:xfrm>
         </p:spPr>
         <p:txBody>
@@ -31291,7 +31094,7 @@
           <a:graphicData uri="http://schemas.openxmlformats.org/presentationml/2006/ole">
             <mc:AlternateContent xmlns:mc="http://schemas.openxmlformats.org/markup-compatibility/2006">
               <mc:Choice xmlns:v="urn:schemas-microsoft-com:vml" Requires="v">
-                <p:oleObj spid="_x0000_s9226" name="Paint Shop Pro Image" r:id="rId4" imgW="10107317" imgH="2848780" progId="">
+                <p:oleObj spid="_x0000_s9230" name="Paint Shop Pro Image" r:id="rId4" imgW="10107317" imgH="2848780" progId="">
                   <p:embed/>
                 </p:oleObj>
               </mc:Choice>
